--- a/git_group1.pptx
+++ b/git_group1.pptx
@@ -3134,8 +3134,16 @@
           <a:lstStyle/>
           <a:p>
             <a:r>
-              <a:rPr lang="en-US" dirty="0" smtClean="0"/>
-              <a:t>Version control and </a:t>
+              <a:rPr lang="en-US" dirty="0"/>
+              <a:t>v</a:t>
+            </a:r>
+            <a:r>
+              <a:rPr lang="en-US" dirty="0" smtClean="0"/>
+              <a:t>ersion </a:t>
+            </a:r>
+            <a:r>
+              <a:rPr lang="en-US" dirty="0" smtClean="0"/>
+              <a:t>control and </a:t>
             </a:r>
             <a:r>
               <a:rPr lang="en-US" b="1" dirty="0" err="1" smtClean="0"/>

--- a/git_group1.pptx
+++ b/git_group1.pptx
@@ -19,16 +19,20 @@
     <p:sldId id="262" r:id="rId13"/>
     <p:sldId id="270" r:id="rId14"/>
     <p:sldId id="268" r:id="rId15"/>
-    <p:sldId id="269" r:id="rId16"/>
-    <p:sldId id="273" r:id="rId17"/>
-    <p:sldId id="272" r:id="rId18"/>
-    <p:sldId id="271" r:id="rId19"/>
-    <p:sldId id="274" r:id="rId20"/>
-    <p:sldId id="278" r:id="rId21"/>
-    <p:sldId id="275" r:id="rId22"/>
-    <p:sldId id="276" r:id="rId23"/>
-    <p:sldId id="277" r:id="rId24"/>
-    <p:sldId id="279" r:id="rId25"/>
+    <p:sldId id="282" r:id="rId16"/>
+    <p:sldId id="281" r:id="rId17"/>
+    <p:sldId id="280" r:id="rId18"/>
+    <p:sldId id="269" r:id="rId19"/>
+    <p:sldId id="273" r:id="rId20"/>
+    <p:sldId id="272" r:id="rId21"/>
+    <p:sldId id="271" r:id="rId22"/>
+    <p:sldId id="274" r:id="rId23"/>
+    <p:sldId id="278" r:id="rId24"/>
+    <p:sldId id="275" r:id="rId25"/>
+    <p:sldId id="276" r:id="rId26"/>
+    <p:sldId id="283" r:id="rId27"/>
+    <p:sldId id="279" r:id="rId28"/>
+    <p:sldId id="284" r:id="rId29"/>
   </p:sldIdLst>
   <p:sldSz cx="9144000" cy="6858000" type="screen4x3"/>
   <p:notesSz cx="6858000" cy="9144000"/>
@@ -311,7 +315,7 @@
           <a:p>
             <a:fld id="{E3D73925-1C9D-4260-9916-5C888C48B0A2}" type="datetimeFigureOut">
               <a:rPr lang="en-US" smtClean="0"/>
-              <a:t>9/18/2016</a:t>
+              <a:t>9/20/16</a:t>
             </a:fld>
             <a:endParaRPr lang="en-US"/>
           </a:p>
@@ -481,7 +485,7 @@
           <a:p>
             <a:fld id="{E3D73925-1C9D-4260-9916-5C888C48B0A2}" type="datetimeFigureOut">
               <a:rPr lang="en-US" smtClean="0"/>
-              <a:t>9/18/2016</a:t>
+              <a:t>9/20/16</a:t>
             </a:fld>
             <a:endParaRPr lang="en-US"/>
           </a:p>
@@ -661,7 +665,7 @@
           <a:p>
             <a:fld id="{E3D73925-1C9D-4260-9916-5C888C48B0A2}" type="datetimeFigureOut">
               <a:rPr lang="en-US" smtClean="0"/>
-              <a:t>9/18/2016</a:t>
+              <a:t>9/20/16</a:t>
             </a:fld>
             <a:endParaRPr lang="en-US"/>
           </a:p>
@@ -831,7 +835,7 @@
           <a:p>
             <a:fld id="{E3D73925-1C9D-4260-9916-5C888C48B0A2}" type="datetimeFigureOut">
               <a:rPr lang="en-US" smtClean="0"/>
-              <a:t>9/18/2016</a:t>
+              <a:t>9/20/16</a:t>
             </a:fld>
             <a:endParaRPr lang="en-US"/>
           </a:p>
@@ -1077,7 +1081,7 @@
           <a:p>
             <a:fld id="{E3D73925-1C9D-4260-9916-5C888C48B0A2}" type="datetimeFigureOut">
               <a:rPr lang="en-US" smtClean="0"/>
-              <a:t>9/18/2016</a:t>
+              <a:t>9/20/16</a:t>
             </a:fld>
             <a:endParaRPr lang="en-US"/>
           </a:p>
@@ -1365,7 +1369,7 @@
           <a:p>
             <a:fld id="{E3D73925-1C9D-4260-9916-5C888C48B0A2}" type="datetimeFigureOut">
               <a:rPr lang="en-US" smtClean="0"/>
-              <a:t>9/18/2016</a:t>
+              <a:t>9/20/16</a:t>
             </a:fld>
             <a:endParaRPr lang="en-US"/>
           </a:p>
@@ -1787,7 +1791,7 @@
           <a:p>
             <a:fld id="{E3D73925-1C9D-4260-9916-5C888C48B0A2}" type="datetimeFigureOut">
               <a:rPr lang="en-US" smtClean="0"/>
-              <a:t>9/18/2016</a:t>
+              <a:t>9/20/16</a:t>
             </a:fld>
             <a:endParaRPr lang="en-US"/>
           </a:p>
@@ -1905,7 +1909,7 @@
           <a:p>
             <a:fld id="{E3D73925-1C9D-4260-9916-5C888C48B0A2}" type="datetimeFigureOut">
               <a:rPr lang="en-US" smtClean="0"/>
-              <a:t>9/18/2016</a:t>
+              <a:t>9/20/16</a:t>
             </a:fld>
             <a:endParaRPr lang="en-US"/>
           </a:p>
@@ -2000,7 +2004,7 @@
           <a:p>
             <a:fld id="{E3D73925-1C9D-4260-9916-5C888C48B0A2}" type="datetimeFigureOut">
               <a:rPr lang="en-US" smtClean="0"/>
-              <a:t>9/18/2016</a:t>
+              <a:t>9/20/16</a:t>
             </a:fld>
             <a:endParaRPr lang="en-US"/>
           </a:p>
@@ -2277,7 +2281,7 @@
           <a:p>
             <a:fld id="{E3D73925-1C9D-4260-9916-5C888C48B0A2}" type="datetimeFigureOut">
               <a:rPr lang="en-US" smtClean="0"/>
-              <a:t>9/18/2016</a:t>
+              <a:t>9/20/16</a:t>
             </a:fld>
             <a:endParaRPr lang="en-US"/>
           </a:p>
@@ -2530,7 +2534,7 @@
           <a:p>
             <a:fld id="{E3D73925-1C9D-4260-9916-5C888C48B0A2}" type="datetimeFigureOut">
               <a:rPr lang="en-US" smtClean="0"/>
-              <a:t>9/18/2016</a:t>
+              <a:t>9/20/16</a:t>
             </a:fld>
             <a:endParaRPr lang="en-US"/>
           </a:p>
@@ -2743,7 +2747,7 @@
           <a:p>
             <a:fld id="{E3D73925-1C9D-4260-9916-5C888C48B0A2}" type="datetimeFigureOut">
               <a:rPr lang="en-US" smtClean="0"/>
-              <a:t>9/18/2016</a:t>
+              <a:t>9/20/16</a:t>
             </a:fld>
             <a:endParaRPr lang="en-US"/>
           </a:p>
@@ -3139,11 +3143,7 @@
             </a:r>
             <a:r>
               <a:rPr lang="en-US" dirty="0" smtClean="0"/>
-              <a:t>ersion </a:t>
-            </a:r>
-            <a:r>
-              <a:rPr lang="en-US" dirty="0" smtClean="0"/>
-              <a:t>control and </a:t>
+              <a:t>ersion control and </a:t>
             </a:r>
             <a:r>
               <a:rPr lang="en-US" b="1" dirty="0" err="1" smtClean="0"/>
@@ -3214,7 +3214,7 @@
           </a:prstGeom>
           <a:noFill/>
           <a:extLst>
-            <a:ext uri="{909E8E84-426E-40DD-AFC4-6F175D3DCCD1}">
+            <a:ext uri="{909E8E84-426E-40dd-AFC4-6F175D3DCCD1}">
               <a14:hiddenFill xmlns:a14="http://schemas.microsoft.com/office/drawing/2010/main">
                 <a:solidFill>
                   <a:srgbClr val="FFFFFF"/>
@@ -3255,7 +3255,7 @@
           </a:prstGeom>
           <a:noFill/>
           <a:extLst>
-            <a:ext uri="{909E8E84-426E-40DD-AFC4-6F175D3DCCD1}">
+            <a:ext uri="{909E8E84-426E-40dd-AFC4-6F175D3DCCD1}">
               <a14:hiddenFill xmlns:a14="http://schemas.microsoft.com/office/drawing/2010/main">
                 <a:solidFill>
                   <a:srgbClr val="FFFFFF"/>
@@ -3478,7 +3478,7 @@
           </a:prstGeom>
           <a:noFill/>
           <a:extLst>
-            <a:ext uri="{909E8E84-426E-40DD-AFC4-6F175D3DCCD1}">
+            <a:ext uri="{909E8E84-426E-40dd-AFC4-6F175D3DCCD1}">
               <a14:hiddenFill xmlns:a14="http://schemas.microsoft.com/office/drawing/2010/main">
                 <a:solidFill>
                   <a:srgbClr val="FFFFFF"/>
@@ -3549,7 +3549,7 @@
           </a:prstGeom>
           <a:noFill/>
           <a:extLst>
-            <a:ext uri="{909E8E84-426E-40DD-AFC4-6F175D3DCCD1}">
+            <a:ext uri="{909E8E84-426E-40dd-AFC4-6F175D3DCCD1}">
               <a14:hiddenFill xmlns:a14="http://schemas.microsoft.com/office/drawing/2010/main">
                 <a:solidFill>
                   <a:srgbClr val="FFFFFF"/>
@@ -3772,7 +3772,7 @@
           </a:prstGeom>
           <a:noFill/>
           <a:extLst>
-            <a:ext uri="{909E8E84-426E-40DD-AFC4-6F175D3DCCD1}">
+            <a:ext uri="{909E8E84-426E-40dd-AFC4-6F175D3DCCD1}">
               <a14:hiddenFill xmlns:a14="http://schemas.microsoft.com/office/drawing/2010/main">
                 <a:solidFill>
                   <a:srgbClr val="FFFFFF"/>
@@ -3843,7 +3843,7 @@
           </a:prstGeom>
           <a:noFill/>
           <a:extLst>
-            <a:ext uri="{909E8E84-426E-40DD-AFC4-6F175D3DCCD1}">
+            <a:ext uri="{909E8E84-426E-40dd-AFC4-6F175D3DCCD1}">
               <a14:hiddenFill xmlns:a14="http://schemas.microsoft.com/office/drawing/2010/main">
                 <a:solidFill>
                   <a:srgbClr val="FFFFFF"/>
@@ -4066,7 +4066,7 @@
           </a:prstGeom>
           <a:noFill/>
           <a:extLst>
-            <a:ext uri="{909E8E84-426E-40DD-AFC4-6F175D3DCCD1}">
+            <a:ext uri="{909E8E84-426E-40dd-AFC4-6F175D3DCCD1}">
               <a14:hiddenFill xmlns:a14="http://schemas.microsoft.com/office/drawing/2010/main">
                 <a:solidFill>
                   <a:srgbClr val="FFFFFF"/>
@@ -4107,7 +4107,7 @@
           </a:prstGeom>
           <a:noFill/>
           <a:extLst>
-            <a:ext uri="{909E8E84-426E-40DD-AFC4-6F175D3DCCD1}">
+            <a:ext uri="{909E8E84-426E-40dd-AFC4-6F175D3DCCD1}">
               <a14:hiddenFill xmlns:a14="http://schemas.microsoft.com/office/drawing/2010/main">
                 <a:solidFill>
                   <a:srgbClr val="FFFFFF"/>
@@ -4148,7 +4148,7 @@
           </a:prstGeom>
           <a:noFill/>
           <a:extLst>
-            <a:ext uri="{909E8E84-426E-40DD-AFC4-6F175D3DCCD1}">
+            <a:ext uri="{909E8E84-426E-40dd-AFC4-6F175D3DCCD1}">
               <a14:hiddenFill xmlns:a14="http://schemas.microsoft.com/office/drawing/2010/main">
                 <a:solidFill>
                   <a:srgbClr val="FFFFFF"/>
@@ -4189,7 +4189,7 @@
           </a:prstGeom>
           <a:noFill/>
           <a:extLst>
-            <a:ext uri="{909E8E84-426E-40DD-AFC4-6F175D3DCCD1}">
+            <a:ext uri="{909E8E84-426E-40dd-AFC4-6F175D3DCCD1}">
               <a14:hiddenFill xmlns:a14="http://schemas.microsoft.com/office/drawing/2010/main">
                 <a:solidFill>
                   <a:srgbClr val="FFFFFF"/>
@@ -4772,10 +4772,7 @@
               <a:rPr lang="en-US" b="1" dirty="0" smtClean="0"/>
               <a:t>versions</a:t>
             </a:r>
-            <a:r>
-              <a:rPr lang="en-US" dirty="0" smtClean="0"/>
-              <a:t>: “committing” a version</a:t>
-            </a:r>
+            <a:endParaRPr lang="en-US" dirty="0" smtClean="0"/>
           </a:p>
           <a:p>
             <a:pPr lvl="1"/>
@@ -4785,21 +4782,20 @@
             </a:r>
             <a:r>
               <a:rPr lang="en-US" b="1" dirty="0" smtClean="0"/>
-              <a:t>a specific version</a:t>
-            </a:r>
-            <a:r>
-              <a:rPr lang="en-US" dirty="0" smtClean="0"/>
-              <a:t>: “pulling” from the cloud</a:t>
-            </a:r>
+              <a:t>a specific </a:t>
+            </a:r>
+            <a:r>
+              <a:rPr lang="en-US" b="1" dirty="0" smtClean="0"/>
+              <a:t>version</a:t>
+            </a:r>
+            <a:endParaRPr lang="en-US" dirty="0" smtClean="0"/>
           </a:p>
           <a:p>
             <a:pPr lvl="1"/>
             <a:r>
               <a:rPr lang="en-US" dirty="0" smtClean="0"/>
-              <a:t>Merge: “merge”</a:t>
-            </a:r>
-          </a:p>
-          <a:p>
+              <a:t>Merge</a:t>
+            </a:r>
             <a:endParaRPr lang="en-US" b="1" dirty="0"/>
           </a:p>
         </p:txBody>
@@ -4807,7 +4803,7 @@
     </p:spTree>
     <p:extLst>
       <p:ext uri="{BB962C8B-B14F-4D97-AF65-F5344CB8AC3E}">
-        <p14:creationId xmlns:p14="http://schemas.microsoft.com/office/powerpoint/2010/main" val="3633171783"/>
+        <p14:creationId xmlns:p14="http://schemas.microsoft.com/office/powerpoint/2010/main" val="1751970652"/>
       </p:ext>
     </p:extLst>
   </p:cSld>
@@ -4850,8 +4846,12 @@
           <a:lstStyle/>
           <a:p>
             <a:r>
-              <a:rPr lang="en-US" dirty="0" smtClean="0"/>
-              <a:t>how will I use version control?</a:t>
+              <a:rPr lang="en-US" dirty="0"/>
+              <a:t>w</a:t>
+            </a:r>
+            <a:r>
+              <a:rPr lang="en-US" dirty="0" smtClean="0"/>
+              <a:t>hat is version control</a:t>
             </a:r>
             <a:endParaRPr lang="en-US" dirty="0"/>
           </a:p>
@@ -4874,59 +4874,89 @@
           </a:bodyPr>
           <a:lstStyle/>
           <a:p>
-            <a:pPr marL="514350" indent="-514350">
-              <a:buAutoNum type="arabicParenBoth"/>
-            </a:pPr>
-            <a:r>
-              <a:rPr lang="en-US" dirty="0" smtClean="0"/>
-              <a:t>Use </a:t>
-            </a:r>
-            <a:r>
-              <a:rPr lang="en-US" dirty="0" err="1" smtClean="0"/>
+            <a:r>
+              <a:rPr lang="en-US" dirty="0" smtClean="0"/>
+              <a:t>We use a program called </a:t>
+            </a:r>
+            <a:r>
+              <a:rPr lang="en-US" b="1" dirty="0" err="1" smtClean="0"/>
               <a:t>git</a:t>
             </a:r>
             <a:r>
               <a:rPr lang="en-US" dirty="0" smtClean="0"/>
-              <a:t> through </a:t>
-            </a:r>
-            <a:r>
-              <a:rPr lang="en-US" dirty="0" err="1" smtClean="0"/>
-              <a:t>RStudio</a:t>
-            </a:r>
-            <a:r>
-              <a:rPr lang="en-US" dirty="0" smtClean="0"/>
-              <a:t>:</a:t>
-            </a:r>
-          </a:p>
-          <a:p>
-            <a:pPr marL="857250" lvl="1" indent="-457200"/>
-            <a:r>
-              <a:rPr lang="en-US" dirty="0" smtClean="0"/>
-              <a:t>Simple</a:t>
-            </a:r>
-          </a:p>
-          <a:p>
-            <a:pPr marL="857250" lvl="1" indent="-457200"/>
-            <a:r>
-              <a:rPr lang="en-US" dirty="0" smtClean="0"/>
-              <a:t>You will probably use </a:t>
-            </a:r>
-            <a:r>
-              <a:rPr lang="en-US" dirty="0" err="1" smtClean="0"/>
-              <a:t>RStudio</a:t>
-            </a:r>
-            <a:r>
-              <a:rPr lang="en-US" dirty="0" smtClean="0"/>
-              <a:t> anyways</a:t>
-            </a:r>
-            <a:endParaRPr lang="en-US" dirty="0"/>
+              <a:t> to do our version control</a:t>
+            </a:r>
+          </a:p>
+          <a:p>
+            <a:r>
+              <a:rPr lang="en-US" b="1" dirty="0" err="1" smtClean="0"/>
+              <a:t>git</a:t>
+            </a:r>
+            <a:r>
+              <a:rPr lang="en-US" dirty="0" smtClean="0"/>
+              <a:t> has a set of tools that let you:</a:t>
+            </a:r>
+          </a:p>
+          <a:p>
+            <a:pPr lvl="1"/>
+            <a:r>
+              <a:rPr lang="en-US" dirty="0" smtClean="0"/>
+              <a:t>Make </a:t>
+            </a:r>
+            <a:r>
+              <a:rPr lang="en-US" b="1" dirty="0" smtClean="0"/>
+              <a:t>changes</a:t>
+            </a:r>
+            <a:r>
+              <a:rPr lang="en-US" dirty="0" smtClean="0"/>
+              <a:t>: “adding” a change</a:t>
+            </a:r>
+          </a:p>
+          <a:p>
+            <a:pPr lvl="1"/>
+            <a:r>
+              <a:rPr lang="en-US" dirty="0" smtClean="0"/>
+              <a:t>Save </a:t>
+            </a:r>
+            <a:r>
+              <a:rPr lang="en-US" b="1" dirty="0" smtClean="0"/>
+              <a:t>versions</a:t>
+            </a:r>
+            <a:r>
+              <a:rPr lang="en-US" dirty="0" smtClean="0"/>
+              <a:t>: “committing” a version</a:t>
+            </a:r>
+          </a:p>
+          <a:p>
+            <a:pPr lvl="1"/>
+            <a:r>
+              <a:rPr lang="en-US" dirty="0" smtClean="0"/>
+              <a:t>Recover </a:t>
+            </a:r>
+            <a:r>
+              <a:rPr lang="en-US" b="1" dirty="0" smtClean="0"/>
+              <a:t>a specific </a:t>
+            </a:r>
+            <a:r>
+              <a:rPr lang="en-US" b="1" dirty="0" smtClean="0"/>
+              <a:t>version</a:t>
+            </a:r>
+            <a:endParaRPr lang="en-US" dirty="0" smtClean="0"/>
+          </a:p>
+          <a:p>
+            <a:pPr lvl="1"/>
+            <a:r>
+              <a:rPr lang="en-US" dirty="0" smtClean="0"/>
+              <a:t>Merge</a:t>
+            </a:r>
+            <a:endParaRPr lang="en-US" b="1" dirty="0"/>
           </a:p>
         </p:txBody>
       </p:sp>
     </p:spTree>
     <p:extLst>
       <p:ext uri="{BB962C8B-B14F-4D97-AF65-F5344CB8AC3E}">
-        <p14:creationId xmlns:p14="http://schemas.microsoft.com/office/powerpoint/2010/main" val="139414334"/>
+        <p14:creationId xmlns:p14="http://schemas.microsoft.com/office/powerpoint/2010/main" val="1067263188"/>
       </p:ext>
     </p:extLst>
   </p:cSld>
@@ -4969,8 +4999,12 @@
           <a:lstStyle/>
           <a:p>
             <a:r>
-              <a:rPr lang="en-US" dirty="0" smtClean="0"/>
-              <a:t>how will I use version control?</a:t>
+              <a:rPr lang="en-US" dirty="0"/>
+              <a:t>w</a:t>
+            </a:r>
+            <a:r>
+              <a:rPr lang="en-US" dirty="0" smtClean="0"/>
+              <a:t>hat is version control</a:t>
             </a:r>
             <a:endParaRPr lang="en-US" dirty="0"/>
           </a:p>
@@ -4993,102 +5027,88 @@
           </a:bodyPr>
           <a:lstStyle/>
           <a:p>
-            <a:pPr marL="514350" indent="-514350">
-              <a:buAutoNum type="arabicParenBoth"/>
-            </a:pPr>
-            <a:r>
-              <a:rPr lang="en-US" dirty="0" smtClean="0"/>
-              <a:t>Use </a:t>
-            </a:r>
-            <a:r>
-              <a:rPr lang="en-US" dirty="0" err="1" smtClean="0"/>
+            <a:r>
+              <a:rPr lang="en-US" dirty="0" smtClean="0"/>
+              <a:t>We use a program called </a:t>
+            </a:r>
+            <a:r>
+              <a:rPr lang="en-US" b="1" dirty="0" err="1" smtClean="0"/>
               <a:t>git</a:t>
             </a:r>
             <a:r>
               <a:rPr lang="en-US" dirty="0" smtClean="0"/>
-              <a:t> through </a:t>
-            </a:r>
-            <a:r>
-              <a:rPr lang="en-US" dirty="0" err="1" smtClean="0"/>
-              <a:t>RStudio</a:t>
-            </a:r>
-            <a:r>
-              <a:rPr lang="en-US" dirty="0" smtClean="0"/>
-              <a:t>:</a:t>
-            </a:r>
-          </a:p>
-          <a:p>
-            <a:pPr marL="857250" lvl="1" indent="-457200"/>
-            <a:r>
-              <a:rPr lang="en-US" dirty="0" smtClean="0"/>
-              <a:t>Simple</a:t>
-            </a:r>
-          </a:p>
-          <a:p>
-            <a:pPr marL="857250" lvl="1" indent="-457200"/>
-            <a:r>
-              <a:rPr lang="en-US" dirty="0" smtClean="0"/>
-              <a:t>You will probably use </a:t>
-            </a:r>
-            <a:r>
-              <a:rPr lang="en-US" dirty="0" err="1" smtClean="0"/>
-              <a:t>RStudio</a:t>
-            </a:r>
-            <a:r>
-              <a:rPr lang="en-US" dirty="0" smtClean="0"/>
-              <a:t> anyways</a:t>
-            </a:r>
-          </a:p>
-          <a:p>
-            <a:pPr marL="0" indent="0">
-              <a:buNone/>
-            </a:pPr>
-            <a:r>
-              <a:rPr lang="en-US" dirty="0" smtClean="0"/>
-              <a:t>(2) Use the </a:t>
-            </a:r>
-            <a:r>
-              <a:rPr lang="en-US" dirty="0" err="1" smtClean="0"/>
-              <a:t>github</a:t>
-            </a:r>
-            <a:r>
-              <a:rPr lang="en-US" dirty="0" smtClean="0"/>
-              <a:t> app</a:t>
+              <a:t> to do our version control</a:t>
+            </a:r>
+          </a:p>
+          <a:p>
+            <a:r>
+              <a:rPr lang="en-US" b="1" dirty="0" err="1" smtClean="0"/>
+              <a:t>git</a:t>
+            </a:r>
+            <a:r>
+              <a:rPr lang="en-US" dirty="0" smtClean="0"/>
+              <a:t> has a set of tools that let you:</a:t>
             </a:r>
           </a:p>
           <a:p>
             <a:pPr lvl="1"/>
             <a:r>
-              <a:rPr lang="en-US" dirty="0"/>
-              <a:t> </a:t>
-            </a:r>
-            <a:r>
-              <a:rPr lang="en-US" dirty="0" smtClean="0"/>
-              <a:t> Simple</a:t>
+              <a:rPr lang="en-US" dirty="0" smtClean="0"/>
+              <a:t>Make </a:t>
+            </a:r>
+            <a:r>
+              <a:rPr lang="en-US" b="1" dirty="0" smtClean="0"/>
+              <a:t>changes</a:t>
+            </a:r>
+            <a:r>
+              <a:rPr lang="en-US" dirty="0" smtClean="0"/>
+              <a:t>: “adding” a change</a:t>
             </a:r>
           </a:p>
           <a:p>
             <a:pPr lvl="1"/>
             <a:r>
-              <a:rPr lang="en-US" dirty="0"/>
-              <a:t> </a:t>
-            </a:r>
-            <a:r>
-              <a:rPr lang="en-US" dirty="0" smtClean="0"/>
-              <a:t> Not tied to R/</a:t>
-            </a:r>
-            <a:r>
-              <a:rPr lang="en-US" dirty="0" err="1" smtClean="0"/>
-              <a:t>RStudio</a:t>
-            </a:r>
-            <a:endParaRPr lang="en-US" dirty="0"/>
+              <a:rPr lang="en-US" dirty="0" smtClean="0"/>
+              <a:t>Save </a:t>
+            </a:r>
+            <a:r>
+              <a:rPr lang="en-US" b="1" dirty="0" smtClean="0"/>
+              <a:t>versions</a:t>
+            </a:r>
+            <a:r>
+              <a:rPr lang="en-US" dirty="0" smtClean="0"/>
+              <a:t>: “committing” a version</a:t>
+            </a:r>
+          </a:p>
+          <a:p>
+            <a:pPr lvl="1"/>
+            <a:r>
+              <a:rPr lang="en-US" dirty="0" smtClean="0"/>
+              <a:t>Recover </a:t>
+            </a:r>
+            <a:r>
+              <a:rPr lang="en-US" b="1" dirty="0" smtClean="0"/>
+              <a:t>a specific version</a:t>
+            </a:r>
+            <a:r>
+              <a:rPr lang="en-US" dirty="0" smtClean="0"/>
+              <a:t>: “pulling” from the cloud</a:t>
+            </a:r>
+          </a:p>
+          <a:p>
+            <a:pPr lvl="1"/>
+            <a:r>
+              <a:rPr lang="en-US" dirty="0" smtClean="0"/>
+              <a:t>Merge</a:t>
+            </a:r>
+            <a:endParaRPr lang="en-US" b="1" dirty="0"/>
           </a:p>
         </p:txBody>
       </p:sp>
     </p:spTree>
     <p:extLst>
       <p:ext uri="{BB962C8B-B14F-4D97-AF65-F5344CB8AC3E}">
-        <p14:creationId xmlns:p14="http://schemas.microsoft.com/office/powerpoint/2010/main" val="3439519034"/>
+        <p14:creationId xmlns:p14="http://schemas.microsoft.com/office/powerpoint/2010/main" val="3297502930"/>
       </p:ext>
     </p:extLst>
   </p:cSld>
@@ -5131,6 +5151,530 @@
           <a:lstStyle/>
           <a:p>
             <a:r>
+              <a:rPr lang="en-US" dirty="0"/>
+              <a:t>w</a:t>
+            </a:r>
+            <a:r>
+              <a:rPr lang="en-US" dirty="0" smtClean="0"/>
+              <a:t>hat is version control</a:t>
+            </a:r>
+            <a:endParaRPr lang="en-US" dirty="0"/>
+          </a:p>
+        </p:txBody>
+      </p:sp>
+      <p:sp>
+        <p:nvSpPr>
+          <p:cNvPr id="5" name="Content Placeholder 4"/>
+          <p:cNvSpPr>
+            <a:spLocks noGrp="1"/>
+          </p:cNvSpPr>
+          <p:nvPr>
+            <p:ph idx="1"/>
+          </p:nvPr>
+        </p:nvSpPr>
+        <p:spPr/>
+        <p:txBody>
+          <a:bodyPr>
+            <a:normAutofit/>
+          </a:bodyPr>
+          <a:lstStyle/>
+          <a:p>
+            <a:r>
+              <a:rPr lang="en-US" dirty="0" smtClean="0"/>
+              <a:t>We use a program called </a:t>
+            </a:r>
+            <a:r>
+              <a:rPr lang="en-US" b="1" dirty="0" err="1" smtClean="0"/>
+              <a:t>git</a:t>
+            </a:r>
+            <a:r>
+              <a:rPr lang="en-US" dirty="0" smtClean="0"/>
+              <a:t> to do our version control</a:t>
+            </a:r>
+          </a:p>
+          <a:p>
+            <a:r>
+              <a:rPr lang="en-US" b="1" dirty="0" err="1" smtClean="0"/>
+              <a:t>git</a:t>
+            </a:r>
+            <a:r>
+              <a:rPr lang="en-US" dirty="0" smtClean="0"/>
+              <a:t> has a set of tools that let you:</a:t>
+            </a:r>
+          </a:p>
+          <a:p>
+            <a:pPr lvl="1"/>
+            <a:r>
+              <a:rPr lang="en-US" dirty="0" smtClean="0"/>
+              <a:t>Make </a:t>
+            </a:r>
+            <a:r>
+              <a:rPr lang="en-US" b="1" dirty="0" smtClean="0"/>
+              <a:t>changes</a:t>
+            </a:r>
+            <a:r>
+              <a:rPr lang="en-US" dirty="0" smtClean="0"/>
+              <a:t>: “adding” a change</a:t>
+            </a:r>
+          </a:p>
+          <a:p>
+            <a:pPr lvl="1"/>
+            <a:r>
+              <a:rPr lang="en-US" dirty="0" smtClean="0"/>
+              <a:t>Save </a:t>
+            </a:r>
+            <a:r>
+              <a:rPr lang="en-US" b="1" dirty="0" smtClean="0"/>
+              <a:t>versions</a:t>
+            </a:r>
+            <a:r>
+              <a:rPr lang="en-US" dirty="0" smtClean="0"/>
+              <a:t>: “committing” a version</a:t>
+            </a:r>
+          </a:p>
+          <a:p>
+            <a:pPr lvl="1"/>
+            <a:r>
+              <a:rPr lang="en-US" dirty="0" smtClean="0"/>
+              <a:t>Recover </a:t>
+            </a:r>
+            <a:r>
+              <a:rPr lang="en-US" b="1" dirty="0" smtClean="0"/>
+              <a:t>a specific version</a:t>
+            </a:r>
+            <a:r>
+              <a:rPr lang="en-US" dirty="0" smtClean="0"/>
+              <a:t>: “pulling” from the cloud</a:t>
+            </a:r>
+          </a:p>
+          <a:p>
+            <a:pPr lvl="1"/>
+            <a:r>
+              <a:rPr lang="en-US" dirty="0" smtClean="0"/>
+              <a:t>Merge: “merge”</a:t>
+            </a:r>
+          </a:p>
+          <a:p>
+            <a:endParaRPr lang="en-US" b="1" dirty="0"/>
+          </a:p>
+        </p:txBody>
+      </p:sp>
+    </p:spTree>
+    <p:extLst>
+      <p:ext uri="{BB962C8B-B14F-4D97-AF65-F5344CB8AC3E}">
+        <p14:creationId xmlns:p14="http://schemas.microsoft.com/office/powerpoint/2010/main" val="3633171783"/>
+      </p:ext>
+    </p:extLst>
+  </p:cSld>
+  <p:clrMapOvr>
+    <a:masterClrMapping/>
+  </p:clrMapOvr>
+</p:sld>
+</file>
+
+<file path=ppt/slides/slide19.xml><?xml version="1.0" encoding="utf-8"?>
+<p:sld xmlns:a="http://schemas.openxmlformats.org/drawingml/2006/main" xmlns:r="http://schemas.openxmlformats.org/officeDocument/2006/relationships" xmlns:p="http://schemas.openxmlformats.org/presentationml/2006/main">
+  <p:cSld>
+    <p:spTree>
+      <p:nvGrpSpPr>
+        <p:cNvPr id="1" name=""/>
+        <p:cNvGrpSpPr/>
+        <p:nvPr/>
+      </p:nvGrpSpPr>
+      <p:grpSpPr>
+        <a:xfrm>
+          <a:off x="0" y="0"/>
+          <a:ext cx="0" cy="0"/>
+          <a:chOff x="0" y="0"/>
+          <a:chExt cx="0" cy="0"/>
+        </a:xfrm>
+      </p:grpSpPr>
+      <p:sp>
+        <p:nvSpPr>
+          <p:cNvPr id="4" name="Title 3"/>
+          <p:cNvSpPr>
+            <a:spLocks noGrp="1"/>
+          </p:cNvSpPr>
+          <p:nvPr>
+            <p:ph type="title"/>
+          </p:nvPr>
+        </p:nvSpPr>
+        <p:spPr/>
+        <p:txBody>
+          <a:bodyPr/>
+          <a:lstStyle/>
+          <a:p>
+            <a:r>
+              <a:rPr lang="en-US" dirty="0" smtClean="0"/>
+              <a:t>how will I use version control?</a:t>
+            </a:r>
+            <a:endParaRPr lang="en-US" dirty="0"/>
+          </a:p>
+        </p:txBody>
+      </p:sp>
+      <p:sp>
+        <p:nvSpPr>
+          <p:cNvPr id="5" name="Content Placeholder 4"/>
+          <p:cNvSpPr>
+            <a:spLocks noGrp="1"/>
+          </p:cNvSpPr>
+          <p:nvPr>
+            <p:ph idx="1"/>
+          </p:nvPr>
+        </p:nvSpPr>
+        <p:spPr/>
+        <p:txBody>
+          <a:bodyPr>
+            <a:normAutofit/>
+          </a:bodyPr>
+          <a:lstStyle/>
+          <a:p>
+            <a:pPr marL="514350" indent="-514350">
+              <a:buAutoNum type="arabicParenBoth"/>
+            </a:pPr>
+            <a:r>
+              <a:rPr lang="en-US" dirty="0" smtClean="0"/>
+              <a:t>Use </a:t>
+            </a:r>
+            <a:r>
+              <a:rPr lang="en-US" dirty="0" err="1" smtClean="0"/>
+              <a:t>git</a:t>
+            </a:r>
+            <a:r>
+              <a:rPr lang="en-US" dirty="0" smtClean="0"/>
+              <a:t> through </a:t>
+            </a:r>
+            <a:r>
+              <a:rPr lang="en-US" dirty="0" err="1" smtClean="0"/>
+              <a:t>RStudio</a:t>
+            </a:r>
+            <a:r>
+              <a:rPr lang="en-US" dirty="0" smtClean="0"/>
+              <a:t>:</a:t>
+            </a:r>
+          </a:p>
+          <a:p>
+            <a:pPr marL="857250" lvl="1" indent="-457200"/>
+            <a:r>
+              <a:rPr lang="en-US" dirty="0" smtClean="0"/>
+              <a:t>Simple</a:t>
+            </a:r>
+          </a:p>
+          <a:p>
+            <a:pPr marL="857250" lvl="1" indent="-457200"/>
+            <a:r>
+              <a:rPr lang="en-US" dirty="0" smtClean="0"/>
+              <a:t>You will probably use </a:t>
+            </a:r>
+            <a:r>
+              <a:rPr lang="en-US" dirty="0" err="1" smtClean="0"/>
+              <a:t>RStudio</a:t>
+            </a:r>
+            <a:r>
+              <a:rPr lang="en-US" dirty="0" smtClean="0"/>
+              <a:t> anyways</a:t>
+            </a:r>
+            <a:endParaRPr lang="en-US" dirty="0"/>
+          </a:p>
+        </p:txBody>
+      </p:sp>
+    </p:spTree>
+    <p:extLst>
+      <p:ext uri="{BB962C8B-B14F-4D97-AF65-F5344CB8AC3E}">
+        <p14:creationId xmlns:p14="http://schemas.microsoft.com/office/powerpoint/2010/main" val="139414334"/>
+      </p:ext>
+    </p:extLst>
+  </p:cSld>
+  <p:clrMapOvr>
+    <a:masterClrMapping/>
+  </p:clrMapOvr>
+</p:sld>
+</file>
+
+<file path=ppt/slides/slide2.xml><?xml version="1.0" encoding="utf-8"?>
+<p:sld xmlns:a="http://schemas.openxmlformats.org/drawingml/2006/main" xmlns:r="http://schemas.openxmlformats.org/officeDocument/2006/relationships" xmlns:p="http://schemas.openxmlformats.org/presentationml/2006/main">
+  <p:cSld>
+    <p:spTree>
+      <p:nvGrpSpPr>
+        <p:cNvPr id="1" name=""/>
+        <p:cNvGrpSpPr/>
+        <p:nvPr/>
+      </p:nvGrpSpPr>
+      <p:grpSpPr>
+        <a:xfrm>
+          <a:off x="0" y="0"/>
+          <a:ext cx="0" cy="0"/>
+          <a:chOff x="0" y="0"/>
+          <a:chExt cx="0" cy="0"/>
+        </a:xfrm>
+      </p:grpSpPr>
+      <p:sp>
+        <p:nvSpPr>
+          <p:cNvPr id="2" name="Title 1"/>
+          <p:cNvSpPr>
+            <a:spLocks noGrp="1"/>
+          </p:cNvSpPr>
+          <p:nvPr>
+            <p:ph type="title"/>
+          </p:nvPr>
+        </p:nvSpPr>
+        <p:spPr/>
+        <p:txBody>
+          <a:bodyPr/>
+          <a:lstStyle/>
+          <a:p>
+            <a:r>
+              <a:rPr lang="en-US" dirty="0" smtClean="0"/>
+              <a:t>why do we need version control?</a:t>
+            </a:r>
+            <a:endParaRPr lang="en-US" dirty="0"/>
+          </a:p>
+        </p:txBody>
+      </p:sp>
+      <p:sp>
+        <p:nvSpPr>
+          <p:cNvPr id="3" name="Content Placeholder 2"/>
+          <p:cNvSpPr>
+            <a:spLocks noGrp="1"/>
+          </p:cNvSpPr>
+          <p:nvPr>
+            <p:ph idx="1"/>
+          </p:nvPr>
+        </p:nvSpPr>
+        <p:spPr/>
+        <p:txBody>
+          <a:bodyPr/>
+          <a:lstStyle/>
+          <a:p>
+            <a:endParaRPr lang="en-US" dirty="0" smtClean="0"/>
+          </a:p>
+          <a:p>
+            <a:endParaRPr lang="en-US" dirty="0"/>
+          </a:p>
+          <a:p>
+            <a:endParaRPr lang="en-US" dirty="0" smtClean="0"/>
+          </a:p>
+          <a:p>
+            <a:r>
+              <a:rPr lang="en-US" dirty="0" smtClean="0"/>
+              <a:t>Head to this link: </a:t>
+            </a:r>
+            <a:r>
+              <a:rPr lang="en-US" b="1" dirty="0" smtClean="0"/>
+              <a:t>bit.ly/2cgYzaF</a:t>
+            </a:r>
+            <a:endParaRPr lang="en-US" b="1" dirty="0"/>
+          </a:p>
+        </p:txBody>
+      </p:sp>
+    </p:spTree>
+    <p:extLst>
+      <p:ext uri="{BB962C8B-B14F-4D97-AF65-F5344CB8AC3E}">
+        <p14:creationId xmlns:p14="http://schemas.microsoft.com/office/powerpoint/2010/main" val="1427416230"/>
+      </p:ext>
+    </p:extLst>
+  </p:cSld>
+  <p:clrMapOvr>
+    <a:masterClrMapping/>
+  </p:clrMapOvr>
+</p:sld>
+</file>
+
+<file path=ppt/slides/slide20.xml><?xml version="1.0" encoding="utf-8"?>
+<p:sld xmlns:a="http://schemas.openxmlformats.org/drawingml/2006/main" xmlns:r="http://schemas.openxmlformats.org/officeDocument/2006/relationships" xmlns:p="http://schemas.openxmlformats.org/presentationml/2006/main">
+  <p:cSld>
+    <p:spTree>
+      <p:nvGrpSpPr>
+        <p:cNvPr id="1" name=""/>
+        <p:cNvGrpSpPr/>
+        <p:nvPr/>
+      </p:nvGrpSpPr>
+      <p:grpSpPr>
+        <a:xfrm>
+          <a:off x="0" y="0"/>
+          <a:ext cx="0" cy="0"/>
+          <a:chOff x="0" y="0"/>
+          <a:chExt cx="0" cy="0"/>
+        </a:xfrm>
+      </p:grpSpPr>
+      <p:sp>
+        <p:nvSpPr>
+          <p:cNvPr id="4" name="Title 3"/>
+          <p:cNvSpPr>
+            <a:spLocks noGrp="1"/>
+          </p:cNvSpPr>
+          <p:nvPr>
+            <p:ph type="title"/>
+          </p:nvPr>
+        </p:nvSpPr>
+        <p:spPr/>
+        <p:txBody>
+          <a:bodyPr/>
+          <a:lstStyle/>
+          <a:p>
+            <a:r>
+              <a:rPr lang="en-US" dirty="0" smtClean="0"/>
+              <a:t>how will I use version control?</a:t>
+            </a:r>
+            <a:endParaRPr lang="en-US" dirty="0"/>
+          </a:p>
+        </p:txBody>
+      </p:sp>
+      <p:sp>
+        <p:nvSpPr>
+          <p:cNvPr id="5" name="Content Placeholder 4"/>
+          <p:cNvSpPr>
+            <a:spLocks noGrp="1"/>
+          </p:cNvSpPr>
+          <p:nvPr>
+            <p:ph idx="1"/>
+          </p:nvPr>
+        </p:nvSpPr>
+        <p:spPr/>
+        <p:txBody>
+          <a:bodyPr>
+            <a:normAutofit/>
+          </a:bodyPr>
+          <a:lstStyle/>
+          <a:p>
+            <a:pPr marL="514350" indent="-514350">
+              <a:buAutoNum type="arabicParenBoth"/>
+            </a:pPr>
+            <a:r>
+              <a:rPr lang="en-US" dirty="0" smtClean="0"/>
+              <a:t>Use </a:t>
+            </a:r>
+            <a:r>
+              <a:rPr lang="en-US" dirty="0" err="1" smtClean="0"/>
+              <a:t>git</a:t>
+            </a:r>
+            <a:r>
+              <a:rPr lang="en-US" dirty="0" smtClean="0"/>
+              <a:t> through </a:t>
+            </a:r>
+            <a:r>
+              <a:rPr lang="en-US" dirty="0" err="1" smtClean="0"/>
+              <a:t>RStudio</a:t>
+            </a:r>
+            <a:r>
+              <a:rPr lang="en-US" dirty="0" smtClean="0"/>
+              <a:t>:</a:t>
+            </a:r>
+          </a:p>
+          <a:p>
+            <a:pPr marL="857250" lvl="1" indent="-457200"/>
+            <a:r>
+              <a:rPr lang="en-US" dirty="0" smtClean="0"/>
+              <a:t>Simple</a:t>
+            </a:r>
+          </a:p>
+          <a:p>
+            <a:pPr marL="857250" lvl="1" indent="-457200"/>
+            <a:r>
+              <a:rPr lang="en-US" dirty="0" smtClean="0"/>
+              <a:t>You will probably use </a:t>
+            </a:r>
+            <a:r>
+              <a:rPr lang="en-US" dirty="0" err="1" smtClean="0"/>
+              <a:t>RStudio</a:t>
+            </a:r>
+            <a:r>
+              <a:rPr lang="en-US" dirty="0" smtClean="0"/>
+              <a:t> anyways</a:t>
+            </a:r>
+          </a:p>
+          <a:p>
+            <a:pPr marL="0" indent="0">
+              <a:buNone/>
+            </a:pPr>
+            <a:r>
+              <a:rPr lang="en-US" dirty="0" smtClean="0"/>
+              <a:t>(2) Use the </a:t>
+            </a:r>
+            <a:r>
+              <a:rPr lang="en-US" dirty="0" err="1" smtClean="0"/>
+              <a:t>github</a:t>
+            </a:r>
+            <a:r>
+              <a:rPr lang="en-US" dirty="0" smtClean="0"/>
+              <a:t> app</a:t>
+            </a:r>
+          </a:p>
+          <a:p>
+            <a:pPr lvl="1"/>
+            <a:r>
+              <a:rPr lang="en-US" dirty="0"/>
+              <a:t> </a:t>
+            </a:r>
+            <a:r>
+              <a:rPr lang="en-US" dirty="0" smtClean="0"/>
+              <a:t> Simple</a:t>
+            </a:r>
+          </a:p>
+          <a:p>
+            <a:pPr lvl="1"/>
+            <a:r>
+              <a:rPr lang="en-US" dirty="0"/>
+              <a:t> </a:t>
+            </a:r>
+            <a:r>
+              <a:rPr lang="en-US" dirty="0" smtClean="0"/>
+              <a:t> Not tied to R/</a:t>
+            </a:r>
+            <a:r>
+              <a:rPr lang="en-US" dirty="0" err="1" smtClean="0"/>
+              <a:t>RStudio</a:t>
+            </a:r>
+            <a:endParaRPr lang="en-US" dirty="0"/>
+          </a:p>
+        </p:txBody>
+      </p:sp>
+    </p:spTree>
+    <p:extLst>
+      <p:ext uri="{BB962C8B-B14F-4D97-AF65-F5344CB8AC3E}">
+        <p14:creationId xmlns:p14="http://schemas.microsoft.com/office/powerpoint/2010/main" val="3439519034"/>
+      </p:ext>
+    </p:extLst>
+  </p:cSld>
+  <p:clrMapOvr>
+    <a:masterClrMapping/>
+  </p:clrMapOvr>
+</p:sld>
+</file>
+
+<file path=ppt/slides/slide21.xml><?xml version="1.0" encoding="utf-8"?>
+<p:sld xmlns:a="http://schemas.openxmlformats.org/drawingml/2006/main" xmlns:r="http://schemas.openxmlformats.org/officeDocument/2006/relationships" xmlns:p="http://schemas.openxmlformats.org/presentationml/2006/main">
+  <p:cSld>
+    <p:spTree>
+      <p:nvGrpSpPr>
+        <p:cNvPr id="1" name=""/>
+        <p:cNvGrpSpPr/>
+        <p:nvPr/>
+      </p:nvGrpSpPr>
+      <p:grpSpPr>
+        <a:xfrm>
+          <a:off x="0" y="0"/>
+          <a:ext cx="0" cy="0"/>
+          <a:chOff x="0" y="0"/>
+          <a:chExt cx="0" cy="0"/>
+        </a:xfrm>
+      </p:grpSpPr>
+      <p:sp>
+        <p:nvSpPr>
+          <p:cNvPr id="4" name="Title 3"/>
+          <p:cNvSpPr>
+            <a:spLocks noGrp="1"/>
+          </p:cNvSpPr>
+          <p:nvPr>
+            <p:ph type="title"/>
+          </p:nvPr>
+        </p:nvSpPr>
+        <p:spPr/>
+        <p:txBody>
+          <a:bodyPr/>
+          <a:lstStyle/>
+          <a:p>
+            <a:r>
               <a:rPr lang="en-US" dirty="0" smtClean="0"/>
               <a:t>how will I use version control?</a:t>
             </a:r>
@@ -5289,7 +5833,7 @@
 </p:sld>
 </file>
 
-<file path=ppt/slides/slide19.xml><?xml version="1.0" encoding="utf-8"?>
+<file path=ppt/slides/slide22.xml><?xml version="1.0" encoding="utf-8"?>
 <p:sld xmlns:a="http://schemas.openxmlformats.org/drawingml/2006/main" xmlns:r="http://schemas.openxmlformats.org/officeDocument/2006/relationships" xmlns:p="http://schemas.openxmlformats.org/presentationml/2006/main">
   <p:cSld>
     <p:spTree>
@@ -5341,14 +5885,14 @@
           </a:ln>
           <a:effectLst/>
           <a:extLst>
-            <a:ext uri="{909E8E84-426E-40DD-AFC4-6F175D3DCCD1}">
+            <a:ext uri="{909E8E84-426E-40dd-AFC4-6F175D3DCCD1}">
               <a14:hiddenFill xmlns:a14="http://schemas.microsoft.com/office/drawing/2010/main">
                 <a:solidFill>
                   <a:schemeClr val="accent1"/>
                 </a:solidFill>
               </a14:hiddenFill>
             </a:ext>
-            <a:ext uri="{91240B29-F687-4F45-9708-019B960494DF}">
+            <a:ext uri="{91240B29-F687-4f45-9708-019B960494DF}">
               <a14:hiddenLine xmlns:a14="http://schemas.microsoft.com/office/drawing/2010/main" w="9525">
                 <a:solidFill>
                   <a:schemeClr val="tx1"/>
@@ -5358,7 +5902,7 @@
                 <a:tailEnd/>
               </a14:hiddenLine>
             </a:ext>
-            <a:ext uri="{AF507438-7753-43E0-B8FC-AC1667EBCBE1}">
+            <a:ext uri="{AF507438-7753-43e0-B8FC-AC1667EBCBE1}">
               <a14:hiddenEffects xmlns:a14="http://schemas.microsoft.com/office/drawing/2010/main">
                 <a:effectLst>
                   <a:outerShdw dist="35921" dir="2700000" algn="ctr" rotWithShape="0">
@@ -5439,14 +5983,14 @@
           </a:ln>
           <a:effectLst/>
           <a:extLst>
-            <a:ext uri="{909E8E84-426E-40DD-AFC4-6F175D3DCCD1}">
+            <a:ext uri="{909E8E84-426E-40dd-AFC4-6F175D3DCCD1}">
               <a14:hiddenFill xmlns:a14="http://schemas.microsoft.com/office/drawing/2010/main">
                 <a:solidFill>
                   <a:schemeClr val="accent1"/>
                 </a:solidFill>
               </a14:hiddenFill>
             </a:ext>
-            <a:ext uri="{91240B29-F687-4F45-9708-019B960494DF}">
+            <a:ext uri="{91240B29-F687-4f45-9708-019B960494DF}">
               <a14:hiddenLine xmlns:a14="http://schemas.microsoft.com/office/drawing/2010/main" w="9525">
                 <a:solidFill>
                   <a:schemeClr val="tx1"/>
@@ -5456,7 +6000,7 @@
                 <a:tailEnd/>
               </a14:hiddenLine>
             </a:ext>
-            <a:ext uri="{AF507438-7753-43E0-B8FC-AC1667EBCBE1}">
+            <a:ext uri="{AF507438-7753-43e0-B8FC-AC1667EBCBE1}">
               <a14:hiddenEffects xmlns:a14="http://schemas.microsoft.com/office/drawing/2010/main">
                 <a:effectLst>
                   <a:outerShdw dist="35921" dir="2700000" algn="ctr" rotWithShape="0">
@@ -5529,7 +6073,7 @@
           </a:prstGeom>
           <a:noFill/>
           <a:extLst>
-            <a:ext uri="{909E8E84-426E-40DD-AFC4-6F175D3DCCD1}">
+            <a:ext uri="{909E8E84-426E-40dd-AFC4-6F175D3DCCD1}">
               <a14:hiddenFill xmlns:a14="http://schemas.microsoft.com/office/drawing/2010/main">
                 <a:solidFill>
                   <a:srgbClr val="FFFFFF"/>
@@ -5577,311 +6121,6 @@
     <p:extLst>
       <p:ext uri="{BB962C8B-B14F-4D97-AF65-F5344CB8AC3E}">
         <p14:creationId xmlns:p14="http://schemas.microsoft.com/office/powerpoint/2010/main" val="1991423311"/>
-      </p:ext>
-    </p:extLst>
-  </p:cSld>
-  <p:clrMapOvr>
-    <a:masterClrMapping/>
-  </p:clrMapOvr>
-</p:sld>
-</file>
-
-<file path=ppt/slides/slide2.xml><?xml version="1.0" encoding="utf-8"?>
-<p:sld xmlns:a="http://schemas.openxmlformats.org/drawingml/2006/main" xmlns:r="http://schemas.openxmlformats.org/officeDocument/2006/relationships" xmlns:p="http://schemas.openxmlformats.org/presentationml/2006/main">
-  <p:cSld>
-    <p:spTree>
-      <p:nvGrpSpPr>
-        <p:cNvPr id="1" name=""/>
-        <p:cNvGrpSpPr/>
-        <p:nvPr/>
-      </p:nvGrpSpPr>
-      <p:grpSpPr>
-        <a:xfrm>
-          <a:off x="0" y="0"/>
-          <a:ext cx="0" cy="0"/>
-          <a:chOff x="0" y="0"/>
-          <a:chExt cx="0" cy="0"/>
-        </a:xfrm>
-      </p:grpSpPr>
-      <p:sp>
-        <p:nvSpPr>
-          <p:cNvPr id="2" name="Title 1"/>
-          <p:cNvSpPr>
-            <a:spLocks noGrp="1"/>
-          </p:cNvSpPr>
-          <p:nvPr>
-            <p:ph type="title"/>
-          </p:nvPr>
-        </p:nvSpPr>
-        <p:spPr/>
-        <p:txBody>
-          <a:bodyPr/>
-          <a:lstStyle/>
-          <a:p>
-            <a:r>
-              <a:rPr lang="en-US" dirty="0" smtClean="0"/>
-              <a:t>why do we need version control?</a:t>
-            </a:r>
-            <a:endParaRPr lang="en-US" dirty="0"/>
-          </a:p>
-        </p:txBody>
-      </p:sp>
-      <p:sp>
-        <p:nvSpPr>
-          <p:cNvPr id="3" name="Content Placeholder 2"/>
-          <p:cNvSpPr>
-            <a:spLocks noGrp="1"/>
-          </p:cNvSpPr>
-          <p:nvPr>
-            <p:ph idx="1"/>
-          </p:nvPr>
-        </p:nvSpPr>
-        <p:spPr/>
-        <p:txBody>
-          <a:bodyPr/>
-          <a:lstStyle/>
-          <a:p>
-            <a:endParaRPr lang="en-US" dirty="0" smtClean="0"/>
-          </a:p>
-          <a:p>
-            <a:endParaRPr lang="en-US" dirty="0"/>
-          </a:p>
-          <a:p>
-            <a:endParaRPr lang="en-US" dirty="0" smtClean="0"/>
-          </a:p>
-          <a:p>
-            <a:r>
-              <a:rPr lang="en-US" dirty="0" smtClean="0"/>
-              <a:t>Head to this link: </a:t>
-            </a:r>
-            <a:r>
-              <a:rPr lang="en-US" b="1" dirty="0" smtClean="0"/>
-              <a:t>bit.ly/2cgYzaF</a:t>
-            </a:r>
-            <a:endParaRPr lang="en-US" b="1" dirty="0"/>
-          </a:p>
-        </p:txBody>
-      </p:sp>
-    </p:spTree>
-    <p:extLst>
-      <p:ext uri="{BB962C8B-B14F-4D97-AF65-F5344CB8AC3E}">
-        <p14:creationId xmlns:p14="http://schemas.microsoft.com/office/powerpoint/2010/main" val="1427416230"/>
-      </p:ext>
-    </p:extLst>
-  </p:cSld>
-  <p:clrMapOvr>
-    <a:masterClrMapping/>
-  </p:clrMapOvr>
-</p:sld>
-</file>
-
-<file path=ppt/slides/slide20.xml><?xml version="1.0" encoding="utf-8"?>
-<p:sld xmlns:a="http://schemas.openxmlformats.org/drawingml/2006/main" xmlns:r="http://schemas.openxmlformats.org/officeDocument/2006/relationships" xmlns:p="http://schemas.openxmlformats.org/presentationml/2006/main">
-  <p:cSld>
-    <p:spTree>
-      <p:nvGrpSpPr>
-        <p:cNvPr id="1" name=""/>
-        <p:cNvGrpSpPr/>
-        <p:nvPr/>
-      </p:nvGrpSpPr>
-      <p:grpSpPr>
-        <a:xfrm>
-          <a:off x="0" y="0"/>
-          <a:ext cx="0" cy="0"/>
-          <a:chOff x="0" y="0"/>
-          <a:chExt cx="0" cy="0"/>
-        </a:xfrm>
-      </p:grpSpPr>
-      <p:sp>
-        <p:nvSpPr>
-          <p:cNvPr id="2" name="Title 1"/>
-          <p:cNvSpPr>
-            <a:spLocks noGrp="1"/>
-          </p:cNvSpPr>
-          <p:nvPr>
-            <p:ph type="title"/>
-          </p:nvPr>
-        </p:nvSpPr>
-        <p:spPr/>
-        <p:txBody>
-          <a:bodyPr/>
-          <a:lstStyle/>
-          <a:p>
-            <a:r>
-              <a:rPr lang="en-US" b="1" dirty="0" smtClean="0"/>
-              <a:t>pull</a:t>
-            </a:r>
-            <a:endParaRPr lang="en-US" b="1" dirty="0"/>
-          </a:p>
-        </p:txBody>
-      </p:sp>
-      <p:sp>
-        <p:nvSpPr>
-          <p:cNvPr id="3" name="Content Placeholder 2"/>
-          <p:cNvSpPr>
-            <a:spLocks noGrp="1"/>
-          </p:cNvSpPr>
-          <p:nvPr>
-            <p:ph idx="1"/>
-          </p:nvPr>
-        </p:nvSpPr>
-        <p:spPr/>
-        <p:txBody>
-          <a:bodyPr/>
-          <a:lstStyle/>
-          <a:p>
-            <a:endParaRPr lang="en-US"/>
-          </a:p>
-        </p:txBody>
-      </p:sp>
-    </p:spTree>
-    <p:extLst>
-      <p:ext uri="{BB962C8B-B14F-4D97-AF65-F5344CB8AC3E}">
-        <p14:creationId xmlns:p14="http://schemas.microsoft.com/office/powerpoint/2010/main" val="381013463"/>
-      </p:ext>
-    </p:extLst>
-  </p:cSld>
-  <p:clrMapOvr>
-    <a:masterClrMapping/>
-  </p:clrMapOvr>
-</p:sld>
-</file>
-
-<file path=ppt/slides/slide21.xml><?xml version="1.0" encoding="utf-8"?>
-<p:sld xmlns:a="http://schemas.openxmlformats.org/drawingml/2006/main" xmlns:r="http://schemas.openxmlformats.org/officeDocument/2006/relationships" xmlns:p="http://schemas.openxmlformats.org/presentationml/2006/main">
-  <p:cSld>
-    <p:spTree>
-      <p:nvGrpSpPr>
-        <p:cNvPr id="1" name=""/>
-        <p:cNvGrpSpPr/>
-        <p:nvPr/>
-      </p:nvGrpSpPr>
-      <p:grpSpPr>
-        <a:xfrm>
-          <a:off x="0" y="0"/>
-          <a:ext cx="0" cy="0"/>
-          <a:chOff x="0" y="0"/>
-          <a:chExt cx="0" cy="0"/>
-        </a:xfrm>
-      </p:grpSpPr>
-      <p:sp>
-        <p:nvSpPr>
-          <p:cNvPr id="2" name="Title 1"/>
-          <p:cNvSpPr>
-            <a:spLocks noGrp="1"/>
-          </p:cNvSpPr>
-          <p:nvPr>
-            <p:ph type="title"/>
-          </p:nvPr>
-        </p:nvSpPr>
-        <p:spPr/>
-        <p:txBody>
-          <a:bodyPr/>
-          <a:lstStyle/>
-          <a:p>
-            <a:r>
-              <a:rPr lang="en-US" b="1" dirty="0" smtClean="0"/>
-              <a:t>add</a:t>
-            </a:r>
-            <a:endParaRPr lang="en-US" b="1" dirty="0"/>
-          </a:p>
-        </p:txBody>
-      </p:sp>
-      <p:sp>
-        <p:nvSpPr>
-          <p:cNvPr id="3" name="Content Placeholder 2"/>
-          <p:cNvSpPr>
-            <a:spLocks noGrp="1"/>
-          </p:cNvSpPr>
-          <p:nvPr>
-            <p:ph idx="1"/>
-          </p:nvPr>
-        </p:nvSpPr>
-        <p:spPr/>
-        <p:txBody>
-          <a:bodyPr/>
-          <a:lstStyle/>
-          <a:p>
-            <a:endParaRPr lang="en-US"/>
-          </a:p>
-        </p:txBody>
-      </p:sp>
-    </p:spTree>
-    <p:extLst>
-      <p:ext uri="{BB962C8B-B14F-4D97-AF65-F5344CB8AC3E}">
-        <p14:creationId xmlns:p14="http://schemas.microsoft.com/office/powerpoint/2010/main" val="1112354265"/>
-      </p:ext>
-    </p:extLst>
-  </p:cSld>
-  <p:clrMapOvr>
-    <a:masterClrMapping/>
-  </p:clrMapOvr>
-</p:sld>
-</file>
-
-<file path=ppt/slides/slide22.xml><?xml version="1.0" encoding="utf-8"?>
-<p:sld xmlns:a="http://schemas.openxmlformats.org/drawingml/2006/main" xmlns:r="http://schemas.openxmlformats.org/officeDocument/2006/relationships" xmlns:p="http://schemas.openxmlformats.org/presentationml/2006/main">
-  <p:cSld>
-    <p:spTree>
-      <p:nvGrpSpPr>
-        <p:cNvPr id="1" name=""/>
-        <p:cNvGrpSpPr/>
-        <p:nvPr/>
-      </p:nvGrpSpPr>
-      <p:grpSpPr>
-        <a:xfrm>
-          <a:off x="0" y="0"/>
-          <a:ext cx="0" cy="0"/>
-          <a:chOff x="0" y="0"/>
-          <a:chExt cx="0" cy="0"/>
-        </a:xfrm>
-      </p:grpSpPr>
-      <p:sp>
-        <p:nvSpPr>
-          <p:cNvPr id="2" name="Title 1"/>
-          <p:cNvSpPr>
-            <a:spLocks noGrp="1"/>
-          </p:cNvSpPr>
-          <p:nvPr>
-            <p:ph type="title"/>
-          </p:nvPr>
-        </p:nvSpPr>
-        <p:spPr/>
-        <p:txBody>
-          <a:bodyPr/>
-          <a:lstStyle/>
-          <a:p>
-            <a:r>
-              <a:rPr lang="en-US" b="1" dirty="0" smtClean="0"/>
-              <a:t>commit</a:t>
-            </a:r>
-            <a:endParaRPr lang="en-US" b="1" dirty="0"/>
-          </a:p>
-        </p:txBody>
-      </p:sp>
-      <p:sp>
-        <p:nvSpPr>
-          <p:cNvPr id="3" name="Content Placeholder 2"/>
-          <p:cNvSpPr>
-            <a:spLocks noGrp="1"/>
-          </p:cNvSpPr>
-          <p:nvPr>
-            <p:ph idx="1"/>
-          </p:nvPr>
-        </p:nvSpPr>
-        <p:spPr/>
-        <p:txBody>
-          <a:bodyPr/>
-          <a:lstStyle/>
-          <a:p>
-            <a:endParaRPr lang="en-US"/>
-          </a:p>
-        </p:txBody>
-      </p:sp>
-    </p:spTree>
-    <p:extLst>
-      <p:ext uri="{BB962C8B-B14F-4D97-AF65-F5344CB8AC3E}">
-        <p14:creationId xmlns:p14="http://schemas.microsoft.com/office/powerpoint/2010/main" val="1018789378"/>
       </p:ext>
     </p:extLst>
   </p:cSld>
@@ -5925,35 +6164,194 @@
           <a:p>
             <a:r>
               <a:rPr lang="en-US" b="1" dirty="0" smtClean="0"/>
-              <a:t>push</a:t>
+              <a:t>pull</a:t>
             </a:r>
             <a:endParaRPr lang="en-US" b="1" dirty="0"/>
           </a:p>
         </p:txBody>
       </p:sp>
-      <p:sp>
-        <p:nvSpPr>
-          <p:cNvPr id="3" name="Content Placeholder 2"/>
-          <p:cNvSpPr>
-            <a:spLocks noGrp="1"/>
-          </p:cNvSpPr>
-          <p:nvPr>
-            <p:ph idx="1"/>
-          </p:nvPr>
-        </p:nvSpPr>
-        <p:spPr/>
-        <p:txBody>
-          <a:bodyPr/>
-          <a:lstStyle/>
-          <a:p>
-            <a:endParaRPr lang="en-US"/>
-          </a:p>
-        </p:txBody>
-      </p:sp>
+      <p:pic>
+        <p:nvPicPr>
+          <p:cNvPr id="4" name="Picture 4" descr="http://allthingsd.com/files/2009/06/macbookpro.jpeg"/>
+          <p:cNvPicPr>
+            <a:picLocks noChangeAspect="1" noChangeArrowheads="1"/>
+          </p:cNvPicPr>
+          <p:nvPr/>
+        </p:nvPicPr>
+        <p:blipFill>
+          <a:blip r:embed="rId2" cstate="print">
+            <a:extLst>
+              <a:ext uri="{28A0092B-C50C-407E-A947-70E740481C1C}">
+                <a14:useLocalDpi xmlns:a14="http://schemas.microsoft.com/office/drawing/2010/main" val="0"/>
+              </a:ext>
+            </a:extLst>
+          </a:blip>
+          <a:srcRect/>
+          <a:stretch>
+            <a:fillRect/>
+          </a:stretch>
+        </p:blipFill>
+        <p:spPr bwMode="auto">
+          <a:xfrm>
+            <a:off x="558658" y="4152900"/>
+            <a:ext cx="2069817" cy="1381126"/>
+          </a:xfrm>
+          <a:prstGeom prst="rect">
+            <a:avLst/>
+          </a:prstGeom>
+          <a:noFill/>
+          <a:extLst>
+            <a:ext uri="{909E8E84-426E-40dd-AFC4-6F175D3DCCD1}">
+              <a14:hiddenFill xmlns:a14="http://schemas.microsoft.com/office/drawing/2010/main">
+                <a:solidFill>
+                  <a:srgbClr val="FFFFFF"/>
+                </a:solidFill>
+              </a14:hiddenFill>
+            </a:ext>
+          </a:extLst>
+        </p:spPr>
+      </p:pic>
+      <p:sp>
+        <p:nvSpPr>
+          <p:cNvPr id="5" name="TextBox 4"/>
+          <p:cNvSpPr txBox="1"/>
+          <p:nvPr/>
+        </p:nvSpPr>
+        <p:spPr>
+          <a:xfrm>
+            <a:off x="914400" y="3334205"/>
+            <a:ext cx="1905000" cy="369332"/>
+          </a:xfrm>
+          <a:prstGeom prst="rect">
+            <a:avLst/>
+          </a:prstGeom>
+          <a:noFill/>
+        </p:spPr>
+        <p:txBody>
+          <a:bodyPr wrap="square" rtlCol="0">
+            <a:spAutoFit/>
+          </a:bodyPr>
+          <a:lstStyle/>
+          <a:p>
+            <a:r>
+              <a:rPr lang="en-US" dirty="0" smtClean="0"/>
+              <a:t>My Computer</a:t>
+            </a:r>
+            <a:endParaRPr lang="en-US" dirty="0"/>
+          </a:p>
+        </p:txBody>
+      </p:sp>
+      <p:sp>
+        <p:nvSpPr>
+          <p:cNvPr id="6" name="TextBox 5"/>
+          <p:cNvSpPr txBox="1"/>
+          <p:nvPr/>
+        </p:nvSpPr>
+        <p:spPr>
+          <a:xfrm>
+            <a:off x="5715000" y="1754787"/>
+            <a:ext cx="1905000" cy="369332"/>
+          </a:xfrm>
+          <a:prstGeom prst="rect">
+            <a:avLst/>
+          </a:prstGeom>
+          <a:noFill/>
+        </p:spPr>
+        <p:txBody>
+          <a:bodyPr wrap="square" rtlCol="0">
+            <a:spAutoFit/>
+          </a:bodyPr>
+          <a:lstStyle/>
+          <a:p>
+            <a:r>
+              <a:rPr lang="en-US" dirty="0" smtClean="0"/>
+              <a:t>The “cloud”</a:t>
+            </a:r>
+            <a:endParaRPr lang="en-US" dirty="0"/>
+          </a:p>
+        </p:txBody>
+      </p:sp>
+      <p:cxnSp>
+        <p:nvCxnSpPr>
+          <p:cNvPr id="8" name="Straight Arrow Connector 7"/>
+          <p:cNvCxnSpPr/>
+          <p:nvPr/>
+        </p:nvCxnSpPr>
+        <p:spPr>
+          <a:xfrm flipH="1">
+            <a:off x="2362200" y="3886200"/>
+            <a:ext cx="2209800" cy="838200"/>
+          </a:xfrm>
+          <a:prstGeom prst="straightConnector1">
+            <a:avLst/>
+          </a:prstGeom>
+          <a:ln>
+            <a:solidFill>
+              <a:schemeClr val="tx1"/>
+            </a:solidFill>
+            <a:tailEnd type="arrow"/>
+          </a:ln>
+        </p:spPr>
+        <p:style>
+          <a:lnRef idx="1">
+            <a:schemeClr val="accent1"/>
+          </a:lnRef>
+          <a:fillRef idx="0">
+            <a:schemeClr val="accent1"/>
+          </a:fillRef>
+          <a:effectRef idx="0">
+            <a:schemeClr val="accent1"/>
+          </a:effectRef>
+          <a:fontRef idx="minor">
+            <a:schemeClr val="tx1"/>
+          </a:fontRef>
+        </p:style>
+      </p:cxnSp>
+      <p:pic>
+        <p:nvPicPr>
+          <p:cNvPr id="12" name="Picture 6" descr="http://pngimg.com/upload/cloud_PNG16.png"/>
+          <p:cNvPicPr>
+            <a:picLocks noChangeAspect="1" noChangeArrowheads="1"/>
+          </p:cNvPicPr>
+          <p:nvPr/>
+        </p:nvPicPr>
+        <p:blipFill>
+          <a:blip r:embed="rId3" cstate="print">
+            <a:extLst>
+              <a:ext uri="{28A0092B-C50C-407E-A947-70E740481C1C}">
+                <a14:useLocalDpi xmlns:a14="http://schemas.microsoft.com/office/drawing/2010/main" val="0"/>
+              </a:ext>
+            </a:extLst>
+          </a:blip>
+          <a:srcRect/>
+          <a:stretch>
+            <a:fillRect/>
+          </a:stretch>
+        </p:blipFill>
+        <p:spPr bwMode="auto">
+          <a:xfrm>
+            <a:off x="3657600" y="1754787"/>
+            <a:ext cx="5096157" cy="3306862"/>
+          </a:xfrm>
+          <a:prstGeom prst="rect">
+            <a:avLst/>
+          </a:prstGeom>
+          <a:noFill/>
+          <a:extLst>
+            <a:ext uri="{909E8E84-426E-40dd-AFC4-6F175D3DCCD1}">
+              <a14:hiddenFill xmlns:a14="http://schemas.microsoft.com/office/drawing/2010/main">
+                <a:solidFill>
+                  <a:srgbClr val="FFFFFF"/>
+                </a:solidFill>
+              </a14:hiddenFill>
+            </a:ext>
+          </a:extLst>
+        </p:spPr>
+      </p:pic>
     </p:spTree>
     <p:extLst>
       <p:ext uri="{BB962C8B-B14F-4D97-AF65-F5344CB8AC3E}">
-        <p14:creationId xmlns:p14="http://schemas.microsoft.com/office/powerpoint/2010/main" val="1029703289"/>
+        <p14:creationId xmlns:p14="http://schemas.microsoft.com/office/powerpoint/2010/main" val="381013463"/>
       </p:ext>
     </p:extLst>
   </p:cSld>
@@ -5997,28 +6395,1524 @@
           <a:p>
             <a:r>
               <a:rPr lang="en-US" b="1" dirty="0" smtClean="0"/>
+              <a:t>add</a:t>
+            </a:r>
+            <a:endParaRPr lang="en-US" b="1" dirty="0"/>
+          </a:p>
+        </p:txBody>
+      </p:sp>
+      <p:pic>
+        <p:nvPicPr>
+          <p:cNvPr id="4" name="Picture 4" descr="http://allthingsd.com/files/2009/06/macbookpro.jpeg"/>
+          <p:cNvPicPr>
+            <a:picLocks noChangeAspect="1" noChangeArrowheads="1"/>
+          </p:cNvPicPr>
+          <p:nvPr/>
+        </p:nvPicPr>
+        <p:blipFill>
+          <a:blip r:embed="rId2" cstate="print">
+            <a:extLst>
+              <a:ext uri="{28A0092B-C50C-407E-A947-70E740481C1C}">
+                <a14:useLocalDpi xmlns:a14="http://schemas.microsoft.com/office/drawing/2010/main" val="0"/>
+              </a:ext>
+            </a:extLst>
+          </a:blip>
+          <a:srcRect/>
+          <a:stretch>
+            <a:fillRect/>
+          </a:stretch>
+        </p:blipFill>
+        <p:spPr bwMode="auto">
+          <a:xfrm>
+            <a:off x="558658" y="4152900"/>
+            <a:ext cx="2069817" cy="1381126"/>
+          </a:xfrm>
+          <a:prstGeom prst="rect">
+            <a:avLst/>
+          </a:prstGeom>
+          <a:noFill/>
+          <a:extLst>
+            <a:ext uri="{909E8E84-426E-40dd-AFC4-6F175D3DCCD1}">
+              <a14:hiddenFill xmlns:a14="http://schemas.microsoft.com/office/drawing/2010/main">
+                <a:solidFill>
+                  <a:srgbClr val="FFFFFF"/>
+                </a:solidFill>
+              </a14:hiddenFill>
+            </a:ext>
+          </a:extLst>
+        </p:spPr>
+      </p:pic>
+      <p:sp>
+        <p:nvSpPr>
+          <p:cNvPr id="5" name="TextBox 4"/>
+          <p:cNvSpPr txBox="1"/>
+          <p:nvPr/>
+        </p:nvSpPr>
+        <p:spPr>
+          <a:xfrm>
+            <a:off x="914400" y="3334205"/>
+            <a:ext cx="1905000" cy="369332"/>
+          </a:xfrm>
+          <a:prstGeom prst="rect">
+            <a:avLst/>
+          </a:prstGeom>
+          <a:noFill/>
+        </p:spPr>
+        <p:txBody>
+          <a:bodyPr wrap="square" rtlCol="0">
+            <a:spAutoFit/>
+          </a:bodyPr>
+          <a:lstStyle/>
+          <a:p>
+            <a:r>
+              <a:rPr lang="en-US" dirty="0" smtClean="0"/>
+              <a:t>My Computer</a:t>
+            </a:r>
+            <a:endParaRPr lang="en-US" dirty="0"/>
+          </a:p>
+        </p:txBody>
+      </p:sp>
+      <p:sp>
+        <p:nvSpPr>
+          <p:cNvPr id="6" name="TextBox 5"/>
+          <p:cNvSpPr txBox="1"/>
+          <p:nvPr/>
+        </p:nvSpPr>
+        <p:spPr>
+          <a:xfrm>
+            <a:off x="5715000" y="1754787"/>
+            <a:ext cx="1905000" cy="369332"/>
+          </a:xfrm>
+          <a:prstGeom prst="rect">
+            <a:avLst/>
+          </a:prstGeom>
+          <a:noFill/>
+        </p:spPr>
+        <p:txBody>
+          <a:bodyPr wrap="square" rtlCol="0">
+            <a:spAutoFit/>
+          </a:bodyPr>
+          <a:lstStyle/>
+          <a:p>
+            <a:r>
+              <a:rPr lang="en-US" dirty="0" smtClean="0"/>
+              <a:t>The “cloud”</a:t>
+            </a:r>
+            <a:endParaRPr lang="en-US" dirty="0"/>
+          </a:p>
+        </p:txBody>
+      </p:sp>
+      <p:cxnSp>
+        <p:nvCxnSpPr>
+          <p:cNvPr id="7" name="Straight Arrow Connector 6"/>
+          <p:cNvCxnSpPr/>
+          <p:nvPr/>
+        </p:nvCxnSpPr>
+        <p:spPr>
+          <a:xfrm>
+            <a:off x="1676400" y="5486400"/>
+            <a:ext cx="304800" cy="381000"/>
+          </a:xfrm>
+          <a:prstGeom prst="straightConnector1">
+            <a:avLst/>
+          </a:prstGeom>
+          <a:ln>
+            <a:solidFill>
+              <a:schemeClr val="tx1"/>
+            </a:solidFill>
+            <a:tailEnd type="arrow"/>
+          </a:ln>
+        </p:spPr>
+        <p:style>
+          <a:lnRef idx="1">
+            <a:schemeClr val="accent1"/>
+          </a:lnRef>
+          <a:fillRef idx="0">
+            <a:schemeClr val="accent1"/>
+          </a:fillRef>
+          <a:effectRef idx="0">
+            <a:schemeClr val="accent1"/>
+          </a:effectRef>
+          <a:fontRef idx="minor">
+            <a:schemeClr val="tx1"/>
+          </a:fontRef>
+        </p:style>
+      </p:cxnSp>
+      <p:pic>
+        <p:nvPicPr>
+          <p:cNvPr id="12" name="Picture 6" descr="http://pngimg.com/upload/cloud_PNG16.png"/>
+          <p:cNvPicPr>
+            <a:picLocks noChangeAspect="1" noChangeArrowheads="1"/>
+          </p:cNvPicPr>
+          <p:nvPr/>
+        </p:nvPicPr>
+        <p:blipFill>
+          <a:blip r:embed="rId3" cstate="print">
+            <a:extLst>
+              <a:ext uri="{28A0092B-C50C-407E-A947-70E740481C1C}">
+                <a14:useLocalDpi xmlns:a14="http://schemas.microsoft.com/office/drawing/2010/main" val="0"/>
+              </a:ext>
+            </a:extLst>
+          </a:blip>
+          <a:srcRect/>
+          <a:stretch>
+            <a:fillRect/>
+          </a:stretch>
+        </p:blipFill>
+        <p:spPr bwMode="auto">
+          <a:xfrm>
+            <a:off x="3657600" y="1754787"/>
+            <a:ext cx="5096157" cy="3306862"/>
+          </a:xfrm>
+          <a:prstGeom prst="rect">
+            <a:avLst/>
+          </a:prstGeom>
+          <a:noFill/>
+          <a:extLst>
+            <a:ext uri="{909E8E84-426E-40dd-AFC4-6F175D3DCCD1}">
+              <a14:hiddenFill xmlns:a14="http://schemas.microsoft.com/office/drawing/2010/main">
+                <a:solidFill>
+                  <a:srgbClr val="FFFFFF"/>
+                </a:solidFill>
+              </a14:hiddenFill>
+            </a:ext>
+          </a:extLst>
+        </p:spPr>
+      </p:pic>
+      <p:pic>
+        <p:nvPicPr>
+          <p:cNvPr id="23" name="Picture 22"/>
+          <p:cNvPicPr>
+            <a:picLocks noChangeAspect="1"/>
+          </p:cNvPicPr>
+          <p:nvPr/>
+        </p:nvPicPr>
+        <p:blipFill>
+          <a:blip r:embed="rId4"/>
+          <a:stretch>
+            <a:fillRect/>
+          </a:stretch>
+        </p:blipFill>
+        <p:spPr>
+          <a:xfrm>
+            <a:off x="1828800" y="5943600"/>
+            <a:ext cx="762000" cy="449072"/>
+          </a:xfrm>
+          <a:prstGeom prst="rect">
+            <a:avLst/>
+          </a:prstGeom>
+        </p:spPr>
+      </p:pic>
+      <p:sp>
+        <p:nvSpPr>
+          <p:cNvPr id="25" name="Rectangle 24"/>
+          <p:cNvSpPr/>
+          <p:nvPr/>
+        </p:nvSpPr>
+        <p:spPr>
+          <a:xfrm>
+            <a:off x="2667000" y="5638800"/>
+            <a:ext cx="1066800" cy="914400"/>
+          </a:xfrm>
+          <a:prstGeom prst="rect">
+            <a:avLst/>
+          </a:prstGeom>
+          <a:solidFill>
+            <a:schemeClr val="bg1">
+              <a:lumMod val="50000"/>
+            </a:schemeClr>
+          </a:solidFill>
+          <a:ln>
+            <a:noFill/>
+          </a:ln>
+        </p:spPr>
+        <p:style>
+          <a:lnRef idx="1">
+            <a:schemeClr val="accent1"/>
+          </a:lnRef>
+          <a:fillRef idx="3">
+            <a:schemeClr val="accent1"/>
+          </a:fillRef>
+          <a:effectRef idx="2">
+            <a:schemeClr val="accent1"/>
+          </a:effectRef>
+          <a:fontRef idx="minor">
+            <a:schemeClr val="lt1"/>
+          </a:fontRef>
+        </p:style>
+        <p:txBody>
+          <a:bodyPr rtlCol="0" anchor="ctr"/>
+          <a:lstStyle/>
+          <a:p>
+            <a:pPr algn="ctr"/>
+            <a:r>
+              <a:rPr lang="en-US" dirty="0" smtClean="0"/>
+              <a:t>Files to keep track of</a:t>
+            </a:r>
+            <a:endParaRPr lang="en-US" dirty="0"/>
+          </a:p>
+        </p:txBody>
+      </p:sp>
+    </p:spTree>
+    <p:extLst>
+      <p:ext uri="{BB962C8B-B14F-4D97-AF65-F5344CB8AC3E}">
+        <p14:creationId xmlns:p14="http://schemas.microsoft.com/office/powerpoint/2010/main" val="1112354265"/>
+      </p:ext>
+    </p:extLst>
+  </p:cSld>
+  <p:clrMapOvr>
+    <a:masterClrMapping/>
+  </p:clrMapOvr>
+</p:sld>
+</file>
+
+<file path=ppt/slides/slide25.xml><?xml version="1.0" encoding="utf-8"?>
+<p:sld xmlns:a="http://schemas.openxmlformats.org/drawingml/2006/main" xmlns:r="http://schemas.openxmlformats.org/officeDocument/2006/relationships" xmlns:p="http://schemas.openxmlformats.org/presentationml/2006/main">
+  <p:cSld>
+    <p:spTree>
+      <p:nvGrpSpPr>
+        <p:cNvPr id="1" name=""/>
+        <p:cNvGrpSpPr/>
+        <p:nvPr/>
+      </p:nvGrpSpPr>
+      <p:grpSpPr>
+        <a:xfrm>
+          <a:off x="0" y="0"/>
+          <a:ext cx="0" cy="0"/>
+          <a:chOff x="0" y="0"/>
+          <a:chExt cx="0" cy="0"/>
+        </a:xfrm>
+      </p:grpSpPr>
+      <p:sp>
+        <p:nvSpPr>
+          <p:cNvPr id="2" name="Title 1"/>
+          <p:cNvSpPr>
+            <a:spLocks noGrp="1"/>
+          </p:cNvSpPr>
+          <p:nvPr>
+            <p:ph type="title"/>
+          </p:nvPr>
+        </p:nvSpPr>
+        <p:spPr/>
+        <p:txBody>
+          <a:bodyPr/>
+          <a:lstStyle/>
+          <a:p>
+            <a:r>
+              <a:rPr lang="en-US" b="1" dirty="0" smtClean="0"/>
+              <a:t>commit</a:t>
+            </a:r>
+            <a:endParaRPr lang="en-US" b="1" dirty="0"/>
+          </a:p>
+        </p:txBody>
+      </p:sp>
+      <p:pic>
+        <p:nvPicPr>
+          <p:cNvPr id="4" name="Picture 4" descr="http://allthingsd.com/files/2009/06/macbookpro.jpeg"/>
+          <p:cNvPicPr>
+            <a:picLocks noChangeAspect="1" noChangeArrowheads="1"/>
+          </p:cNvPicPr>
+          <p:nvPr/>
+        </p:nvPicPr>
+        <p:blipFill>
+          <a:blip r:embed="rId2" cstate="print">
+            <a:extLst>
+              <a:ext uri="{28A0092B-C50C-407E-A947-70E740481C1C}">
+                <a14:useLocalDpi xmlns:a14="http://schemas.microsoft.com/office/drawing/2010/main" val="0"/>
+              </a:ext>
+            </a:extLst>
+          </a:blip>
+          <a:srcRect/>
+          <a:stretch>
+            <a:fillRect/>
+          </a:stretch>
+        </p:blipFill>
+        <p:spPr bwMode="auto">
+          <a:xfrm>
+            <a:off x="558658" y="4152900"/>
+            <a:ext cx="2069817" cy="1381126"/>
+          </a:xfrm>
+          <a:prstGeom prst="rect">
+            <a:avLst/>
+          </a:prstGeom>
+          <a:noFill/>
+          <a:extLst>
+            <a:ext uri="{909E8E84-426E-40dd-AFC4-6F175D3DCCD1}">
+              <a14:hiddenFill xmlns:a14="http://schemas.microsoft.com/office/drawing/2010/main">
+                <a:solidFill>
+                  <a:srgbClr val="FFFFFF"/>
+                </a:solidFill>
+              </a14:hiddenFill>
+            </a:ext>
+          </a:extLst>
+        </p:spPr>
+      </p:pic>
+      <p:sp>
+        <p:nvSpPr>
+          <p:cNvPr id="5" name="TextBox 4"/>
+          <p:cNvSpPr txBox="1"/>
+          <p:nvPr/>
+        </p:nvSpPr>
+        <p:spPr>
+          <a:xfrm>
+            <a:off x="914400" y="3334205"/>
+            <a:ext cx="1905000" cy="369332"/>
+          </a:xfrm>
+          <a:prstGeom prst="rect">
+            <a:avLst/>
+          </a:prstGeom>
+          <a:noFill/>
+        </p:spPr>
+        <p:txBody>
+          <a:bodyPr wrap="square" rtlCol="0">
+            <a:spAutoFit/>
+          </a:bodyPr>
+          <a:lstStyle/>
+          <a:p>
+            <a:r>
+              <a:rPr lang="en-US" dirty="0" smtClean="0"/>
+              <a:t>My Computer</a:t>
+            </a:r>
+            <a:endParaRPr lang="en-US" dirty="0"/>
+          </a:p>
+        </p:txBody>
+      </p:sp>
+      <p:sp>
+        <p:nvSpPr>
+          <p:cNvPr id="6" name="TextBox 5"/>
+          <p:cNvSpPr txBox="1"/>
+          <p:nvPr/>
+        </p:nvSpPr>
+        <p:spPr>
+          <a:xfrm>
+            <a:off x="5715000" y="1754787"/>
+            <a:ext cx="1905000" cy="369332"/>
+          </a:xfrm>
+          <a:prstGeom prst="rect">
+            <a:avLst/>
+          </a:prstGeom>
+          <a:noFill/>
+        </p:spPr>
+        <p:txBody>
+          <a:bodyPr wrap="square" rtlCol="0">
+            <a:spAutoFit/>
+          </a:bodyPr>
+          <a:lstStyle/>
+          <a:p>
+            <a:r>
+              <a:rPr lang="en-US" dirty="0" smtClean="0"/>
+              <a:t>The “cloud”</a:t>
+            </a:r>
+            <a:endParaRPr lang="en-US" dirty="0"/>
+          </a:p>
+        </p:txBody>
+      </p:sp>
+      <p:cxnSp>
+        <p:nvCxnSpPr>
+          <p:cNvPr id="7" name="Straight Arrow Connector 6"/>
+          <p:cNvCxnSpPr/>
+          <p:nvPr/>
+        </p:nvCxnSpPr>
+        <p:spPr>
+          <a:xfrm flipV="1">
+            <a:off x="3200400" y="4953000"/>
+            <a:ext cx="0" cy="609600"/>
+          </a:xfrm>
+          <a:prstGeom prst="straightConnector1">
+            <a:avLst/>
+          </a:prstGeom>
+          <a:ln>
+            <a:solidFill>
+              <a:schemeClr val="tx1"/>
+            </a:solidFill>
+            <a:tailEnd type="arrow"/>
+          </a:ln>
+        </p:spPr>
+        <p:style>
+          <a:lnRef idx="1">
+            <a:schemeClr val="accent1"/>
+          </a:lnRef>
+          <a:fillRef idx="0">
+            <a:schemeClr val="accent1"/>
+          </a:fillRef>
+          <a:effectRef idx="0">
+            <a:schemeClr val="accent1"/>
+          </a:effectRef>
+          <a:fontRef idx="minor">
+            <a:schemeClr val="tx1"/>
+          </a:fontRef>
+        </p:style>
+      </p:cxnSp>
+      <p:pic>
+        <p:nvPicPr>
+          <p:cNvPr id="8" name="Picture 6" descr="http://pngimg.com/upload/cloud_PNG16.png"/>
+          <p:cNvPicPr>
+            <a:picLocks noChangeAspect="1" noChangeArrowheads="1"/>
+          </p:cNvPicPr>
+          <p:nvPr/>
+        </p:nvPicPr>
+        <p:blipFill>
+          <a:blip r:embed="rId3" cstate="print">
+            <a:extLst>
+              <a:ext uri="{28A0092B-C50C-407E-A947-70E740481C1C}">
+                <a14:useLocalDpi xmlns:a14="http://schemas.microsoft.com/office/drawing/2010/main" val="0"/>
+              </a:ext>
+            </a:extLst>
+          </a:blip>
+          <a:srcRect/>
+          <a:stretch>
+            <a:fillRect/>
+          </a:stretch>
+        </p:blipFill>
+        <p:spPr bwMode="auto">
+          <a:xfrm>
+            <a:off x="3657600" y="1754787"/>
+            <a:ext cx="5096157" cy="3306862"/>
+          </a:xfrm>
+          <a:prstGeom prst="rect">
+            <a:avLst/>
+          </a:prstGeom>
+          <a:noFill/>
+          <a:extLst>
+            <a:ext uri="{909E8E84-426E-40dd-AFC4-6F175D3DCCD1}">
+              <a14:hiddenFill xmlns:a14="http://schemas.microsoft.com/office/drawing/2010/main">
+                <a:solidFill>
+                  <a:srgbClr val="FFFFFF"/>
+                </a:solidFill>
+              </a14:hiddenFill>
+            </a:ext>
+          </a:extLst>
+        </p:spPr>
+      </p:pic>
+      <p:sp>
+        <p:nvSpPr>
+          <p:cNvPr id="9" name="Rectangle 8"/>
+          <p:cNvSpPr/>
+          <p:nvPr/>
+        </p:nvSpPr>
+        <p:spPr>
+          <a:xfrm>
+            <a:off x="2667000" y="3962400"/>
+            <a:ext cx="1066800" cy="914400"/>
+          </a:xfrm>
+          <a:prstGeom prst="rect">
+            <a:avLst/>
+          </a:prstGeom>
+          <a:solidFill>
+            <a:schemeClr val="bg1">
+              <a:lumMod val="50000"/>
+            </a:schemeClr>
+          </a:solidFill>
+          <a:ln>
+            <a:noFill/>
+          </a:ln>
+        </p:spPr>
+        <p:style>
+          <a:lnRef idx="1">
+            <a:schemeClr val="accent1"/>
+          </a:lnRef>
+          <a:fillRef idx="3">
+            <a:schemeClr val="accent1"/>
+          </a:fillRef>
+          <a:effectRef idx="2">
+            <a:schemeClr val="accent1"/>
+          </a:effectRef>
+          <a:fontRef idx="minor">
+            <a:schemeClr val="lt1"/>
+          </a:fontRef>
+        </p:style>
+        <p:txBody>
+          <a:bodyPr rtlCol="0" anchor="ctr"/>
+          <a:lstStyle/>
+          <a:p>
+            <a:pPr algn="ctr"/>
+            <a:r>
+              <a:rPr lang="en-US" dirty="0" smtClean="0"/>
+              <a:t>Saved</a:t>
+            </a:r>
+          </a:p>
+          <a:p>
+            <a:pPr algn="ctr"/>
+            <a:r>
+              <a:rPr lang="en-US" dirty="0" smtClean="0"/>
+              <a:t>Local Changes</a:t>
+            </a:r>
+            <a:endParaRPr lang="en-US" dirty="0"/>
+          </a:p>
+        </p:txBody>
+      </p:sp>
+      <p:cxnSp>
+        <p:nvCxnSpPr>
+          <p:cNvPr id="12" name="Straight Arrow Connector 11"/>
+          <p:cNvCxnSpPr/>
+          <p:nvPr/>
+        </p:nvCxnSpPr>
+        <p:spPr>
+          <a:xfrm>
+            <a:off x="1676400" y="5486400"/>
+            <a:ext cx="304800" cy="381000"/>
+          </a:xfrm>
+          <a:prstGeom prst="straightConnector1">
+            <a:avLst/>
+          </a:prstGeom>
+          <a:ln>
+            <a:solidFill>
+              <a:schemeClr val="tx1"/>
+            </a:solidFill>
+            <a:tailEnd type="arrow"/>
+          </a:ln>
+        </p:spPr>
+        <p:style>
+          <a:lnRef idx="1">
+            <a:schemeClr val="accent1"/>
+          </a:lnRef>
+          <a:fillRef idx="0">
+            <a:schemeClr val="accent1"/>
+          </a:fillRef>
+          <a:effectRef idx="0">
+            <a:schemeClr val="accent1"/>
+          </a:effectRef>
+          <a:fontRef idx="minor">
+            <a:schemeClr val="tx1"/>
+          </a:fontRef>
+        </p:style>
+      </p:cxnSp>
+      <p:pic>
+        <p:nvPicPr>
+          <p:cNvPr id="13" name="Picture 12"/>
+          <p:cNvPicPr>
+            <a:picLocks noChangeAspect="1"/>
+          </p:cNvPicPr>
+          <p:nvPr/>
+        </p:nvPicPr>
+        <p:blipFill>
+          <a:blip r:embed="rId4"/>
+          <a:stretch>
+            <a:fillRect/>
+          </a:stretch>
+        </p:blipFill>
+        <p:spPr>
+          <a:xfrm>
+            <a:off x="1828800" y="5943600"/>
+            <a:ext cx="762000" cy="449072"/>
+          </a:xfrm>
+          <a:prstGeom prst="rect">
+            <a:avLst/>
+          </a:prstGeom>
+        </p:spPr>
+      </p:pic>
+      <p:sp>
+        <p:nvSpPr>
+          <p:cNvPr id="14" name="Rectangle 13"/>
+          <p:cNvSpPr/>
+          <p:nvPr/>
+        </p:nvSpPr>
+        <p:spPr>
+          <a:xfrm>
+            <a:off x="2667000" y="5638800"/>
+            <a:ext cx="1066800" cy="914400"/>
+          </a:xfrm>
+          <a:prstGeom prst="rect">
+            <a:avLst/>
+          </a:prstGeom>
+          <a:solidFill>
+            <a:schemeClr val="bg1">
+              <a:lumMod val="50000"/>
+            </a:schemeClr>
+          </a:solidFill>
+          <a:ln>
+            <a:noFill/>
+          </a:ln>
+        </p:spPr>
+        <p:style>
+          <a:lnRef idx="1">
+            <a:schemeClr val="accent1"/>
+          </a:lnRef>
+          <a:fillRef idx="3">
+            <a:schemeClr val="accent1"/>
+          </a:fillRef>
+          <a:effectRef idx="2">
+            <a:schemeClr val="accent1"/>
+          </a:effectRef>
+          <a:fontRef idx="minor">
+            <a:schemeClr val="lt1"/>
+          </a:fontRef>
+        </p:style>
+        <p:txBody>
+          <a:bodyPr rtlCol="0" anchor="ctr"/>
+          <a:lstStyle/>
+          <a:p>
+            <a:pPr algn="ctr"/>
+            <a:r>
+              <a:rPr lang="en-US" dirty="0" smtClean="0"/>
+              <a:t>Files to keep track of</a:t>
+            </a:r>
+            <a:endParaRPr lang="en-US" dirty="0"/>
+          </a:p>
+        </p:txBody>
+      </p:sp>
+    </p:spTree>
+    <p:extLst>
+      <p:ext uri="{BB962C8B-B14F-4D97-AF65-F5344CB8AC3E}">
+        <p14:creationId xmlns:p14="http://schemas.microsoft.com/office/powerpoint/2010/main" val="1018789378"/>
+      </p:ext>
+    </p:extLst>
+  </p:cSld>
+  <p:clrMapOvr>
+    <a:masterClrMapping/>
+  </p:clrMapOvr>
+</p:sld>
+</file>
+
+<file path=ppt/slides/slide26.xml><?xml version="1.0" encoding="utf-8"?>
+<p:sld xmlns:a="http://schemas.openxmlformats.org/drawingml/2006/main" xmlns:r="http://schemas.openxmlformats.org/officeDocument/2006/relationships" xmlns:p="http://schemas.openxmlformats.org/presentationml/2006/main">
+  <p:cSld>
+    <p:spTree>
+      <p:nvGrpSpPr>
+        <p:cNvPr id="1" name=""/>
+        <p:cNvGrpSpPr/>
+        <p:nvPr/>
+      </p:nvGrpSpPr>
+      <p:grpSpPr>
+        <a:xfrm>
+          <a:off x="0" y="0"/>
+          <a:ext cx="0" cy="0"/>
+          <a:chOff x="0" y="0"/>
+          <a:chExt cx="0" cy="0"/>
+        </a:xfrm>
+      </p:grpSpPr>
+      <p:sp>
+        <p:nvSpPr>
+          <p:cNvPr id="2" name="Title 1"/>
+          <p:cNvSpPr>
+            <a:spLocks noGrp="1"/>
+          </p:cNvSpPr>
+          <p:nvPr>
+            <p:ph type="title"/>
+          </p:nvPr>
+        </p:nvSpPr>
+        <p:spPr/>
+        <p:txBody>
+          <a:bodyPr/>
+          <a:lstStyle/>
+          <a:p>
+            <a:r>
+              <a:rPr lang="en-US" b="1" dirty="0" smtClean="0"/>
+              <a:t>push</a:t>
+            </a:r>
+            <a:endParaRPr lang="en-US" b="1" dirty="0"/>
+          </a:p>
+        </p:txBody>
+      </p:sp>
+      <p:pic>
+        <p:nvPicPr>
+          <p:cNvPr id="4" name="Picture 4" descr="http://allthingsd.com/files/2009/06/macbookpro.jpeg"/>
+          <p:cNvPicPr>
+            <a:picLocks noChangeAspect="1" noChangeArrowheads="1"/>
+          </p:cNvPicPr>
+          <p:nvPr/>
+        </p:nvPicPr>
+        <p:blipFill>
+          <a:blip r:embed="rId2" cstate="print">
+            <a:extLst>
+              <a:ext uri="{28A0092B-C50C-407E-A947-70E740481C1C}">
+                <a14:useLocalDpi xmlns:a14="http://schemas.microsoft.com/office/drawing/2010/main" val="0"/>
+              </a:ext>
+            </a:extLst>
+          </a:blip>
+          <a:srcRect/>
+          <a:stretch>
+            <a:fillRect/>
+          </a:stretch>
+        </p:blipFill>
+        <p:spPr bwMode="auto">
+          <a:xfrm>
+            <a:off x="558658" y="4152900"/>
+            <a:ext cx="2069817" cy="1381126"/>
+          </a:xfrm>
+          <a:prstGeom prst="rect">
+            <a:avLst/>
+          </a:prstGeom>
+          <a:noFill/>
+          <a:extLst>
+            <a:ext uri="{909E8E84-426E-40dd-AFC4-6F175D3DCCD1}">
+              <a14:hiddenFill xmlns:a14="http://schemas.microsoft.com/office/drawing/2010/main">
+                <a:solidFill>
+                  <a:srgbClr val="FFFFFF"/>
+                </a:solidFill>
+              </a14:hiddenFill>
+            </a:ext>
+          </a:extLst>
+        </p:spPr>
+      </p:pic>
+      <p:sp>
+        <p:nvSpPr>
+          <p:cNvPr id="5" name="TextBox 4"/>
+          <p:cNvSpPr txBox="1"/>
+          <p:nvPr/>
+        </p:nvSpPr>
+        <p:spPr>
+          <a:xfrm>
+            <a:off x="914400" y="3334205"/>
+            <a:ext cx="1905000" cy="369332"/>
+          </a:xfrm>
+          <a:prstGeom prst="rect">
+            <a:avLst/>
+          </a:prstGeom>
+          <a:noFill/>
+        </p:spPr>
+        <p:txBody>
+          <a:bodyPr wrap="square" rtlCol="0">
+            <a:spAutoFit/>
+          </a:bodyPr>
+          <a:lstStyle/>
+          <a:p>
+            <a:r>
+              <a:rPr lang="en-US" dirty="0" smtClean="0"/>
+              <a:t>My Computer</a:t>
+            </a:r>
+            <a:endParaRPr lang="en-US" dirty="0"/>
+          </a:p>
+        </p:txBody>
+      </p:sp>
+      <p:sp>
+        <p:nvSpPr>
+          <p:cNvPr id="6" name="TextBox 5"/>
+          <p:cNvSpPr txBox="1"/>
+          <p:nvPr/>
+        </p:nvSpPr>
+        <p:spPr>
+          <a:xfrm>
+            <a:off x="5715000" y="1754787"/>
+            <a:ext cx="1905000" cy="369332"/>
+          </a:xfrm>
+          <a:prstGeom prst="rect">
+            <a:avLst/>
+          </a:prstGeom>
+          <a:noFill/>
+        </p:spPr>
+        <p:txBody>
+          <a:bodyPr wrap="square" rtlCol="0">
+            <a:spAutoFit/>
+          </a:bodyPr>
+          <a:lstStyle/>
+          <a:p>
+            <a:r>
+              <a:rPr lang="en-US" dirty="0" smtClean="0"/>
+              <a:t>The “cloud”</a:t>
+            </a:r>
+            <a:endParaRPr lang="en-US" dirty="0"/>
+          </a:p>
+        </p:txBody>
+      </p:sp>
+      <p:cxnSp>
+        <p:nvCxnSpPr>
+          <p:cNvPr id="7" name="Straight Arrow Connector 6"/>
+          <p:cNvCxnSpPr/>
+          <p:nvPr/>
+        </p:nvCxnSpPr>
+        <p:spPr>
+          <a:xfrm flipV="1">
+            <a:off x="3200400" y="4953000"/>
+            <a:ext cx="0" cy="609600"/>
+          </a:xfrm>
+          <a:prstGeom prst="straightConnector1">
+            <a:avLst/>
+          </a:prstGeom>
+          <a:ln>
+            <a:solidFill>
+              <a:schemeClr val="tx1"/>
+            </a:solidFill>
+            <a:tailEnd type="arrow"/>
+          </a:ln>
+        </p:spPr>
+        <p:style>
+          <a:lnRef idx="1">
+            <a:schemeClr val="accent1"/>
+          </a:lnRef>
+          <a:fillRef idx="0">
+            <a:schemeClr val="accent1"/>
+          </a:fillRef>
+          <a:effectRef idx="0">
+            <a:schemeClr val="accent1"/>
+          </a:effectRef>
+          <a:fontRef idx="minor">
+            <a:schemeClr val="tx1"/>
+          </a:fontRef>
+        </p:style>
+      </p:cxnSp>
+      <p:pic>
+        <p:nvPicPr>
+          <p:cNvPr id="8" name="Picture 6" descr="http://pngimg.com/upload/cloud_PNG16.png"/>
+          <p:cNvPicPr>
+            <a:picLocks noChangeAspect="1" noChangeArrowheads="1"/>
+          </p:cNvPicPr>
+          <p:nvPr/>
+        </p:nvPicPr>
+        <p:blipFill>
+          <a:blip r:embed="rId3" cstate="print">
+            <a:extLst>
+              <a:ext uri="{28A0092B-C50C-407E-A947-70E740481C1C}">
+                <a14:useLocalDpi xmlns:a14="http://schemas.microsoft.com/office/drawing/2010/main" val="0"/>
+              </a:ext>
+            </a:extLst>
+          </a:blip>
+          <a:srcRect/>
+          <a:stretch>
+            <a:fillRect/>
+          </a:stretch>
+        </p:blipFill>
+        <p:spPr bwMode="auto">
+          <a:xfrm>
+            <a:off x="3657600" y="1754787"/>
+            <a:ext cx="5096157" cy="3306862"/>
+          </a:xfrm>
+          <a:prstGeom prst="rect">
+            <a:avLst/>
+          </a:prstGeom>
+          <a:noFill/>
+          <a:extLst>
+            <a:ext uri="{909E8E84-426E-40dd-AFC4-6F175D3DCCD1}">
+              <a14:hiddenFill xmlns:a14="http://schemas.microsoft.com/office/drawing/2010/main">
+                <a:solidFill>
+                  <a:srgbClr val="FFFFFF"/>
+                </a:solidFill>
+              </a14:hiddenFill>
+            </a:ext>
+          </a:extLst>
+        </p:spPr>
+      </p:pic>
+      <p:sp>
+        <p:nvSpPr>
+          <p:cNvPr id="9" name="Rectangle 8"/>
+          <p:cNvSpPr/>
+          <p:nvPr/>
+        </p:nvSpPr>
+        <p:spPr>
+          <a:xfrm>
+            <a:off x="2667000" y="3962400"/>
+            <a:ext cx="1066800" cy="914400"/>
+          </a:xfrm>
+          <a:prstGeom prst="rect">
+            <a:avLst/>
+          </a:prstGeom>
+          <a:solidFill>
+            <a:schemeClr val="bg1">
+              <a:lumMod val="50000"/>
+            </a:schemeClr>
+          </a:solidFill>
+          <a:ln>
+            <a:noFill/>
+          </a:ln>
+        </p:spPr>
+        <p:style>
+          <a:lnRef idx="1">
+            <a:schemeClr val="accent1"/>
+          </a:lnRef>
+          <a:fillRef idx="3">
+            <a:schemeClr val="accent1"/>
+          </a:fillRef>
+          <a:effectRef idx="2">
+            <a:schemeClr val="accent1"/>
+          </a:effectRef>
+          <a:fontRef idx="minor">
+            <a:schemeClr val="lt1"/>
+          </a:fontRef>
+        </p:style>
+        <p:txBody>
+          <a:bodyPr rtlCol="0" anchor="ctr"/>
+          <a:lstStyle/>
+          <a:p>
+            <a:pPr algn="ctr"/>
+            <a:r>
+              <a:rPr lang="en-US" dirty="0" smtClean="0"/>
+              <a:t>Saved</a:t>
+            </a:r>
+          </a:p>
+          <a:p>
+            <a:pPr algn="ctr"/>
+            <a:r>
+              <a:rPr lang="en-US" dirty="0" smtClean="0"/>
+              <a:t>Local Changes</a:t>
+            </a:r>
+            <a:endParaRPr lang="en-US" dirty="0"/>
+          </a:p>
+        </p:txBody>
+      </p:sp>
+      <p:cxnSp>
+        <p:nvCxnSpPr>
+          <p:cNvPr id="12" name="Straight Arrow Connector 11"/>
+          <p:cNvCxnSpPr/>
+          <p:nvPr/>
+        </p:nvCxnSpPr>
+        <p:spPr>
+          <a:xfrm>
+            <a:off x="1676400" y="5486400"/>
+            <a:ext cx="304800" cy="381000"/>
+          </a:xfrm>
+          <a:prstGeom prst="straightConnector1">
+            <a:avLst/>
+          </a:prstGeom>
+          <a:ln>
+            <a:solidFill>
+              <a:schemeClr val="tx1"/>
+            </a:solidFill>
+            <a:tailEnd type="arrow"/>
+          </a:ln>
+        </p:spPr>
+        <p:style>
+          <a:lnRef idx="1">
+            <a:schemeClr val="accent1"/>
+          </a:lnRef>
+          <a:fillRef idx="0">
+            <a:schemeClr val="accent1"/>
+          </a:fillRef>
+          <a:effectRef idx="0">
+            <a:schemeClr val="accent1"/>
+          </a:effectRef>
+          <a:fontRef idx="minor">
+            <a:schemeClr val="tx1"/>
+          </a:fontRef>
+        </p:style>
+      </p:cxnSp>
+      <p:pic>
+        <p:nvPicPr>
+          <p:cNvPr id="13" name="Picture 12"/>
+          <p:cNvPicPr>
+            <a:picLocks noChangeAspect="1"/>
+          </p:cNvPicPr>
+          <p:nvPr/>
+        </p:nvPicPr>
+        <p:blipFill>
+          <a:blip r:embed="rId4"/>
+          <a:stretch>
+            <a:fillRect/>
+          </a:stretch>
+        </p:blipFill>
+        <p:spPr>
+          <a:xfrm>
+            <a:off x="1828800" y="5943600"/>
+            <a:ext cx="762000" cy="449072"/>
+          </a:xfrm>
+          <a:prstGeom prst="rect">
+            <a:avLst/>
+          </a:prstGeom>
+        </p:spPr>
+      </p:pic>
+      <p:sp>
+        <p:nvSpPr>
+          <p:cNvPr id="14" name="Rectangle 13"/>
+          <p:cNvSpPr/>
+          <p:nvPr/>
+        </p:nvSpPr>
+        <p:spPr>
+          <a:xfrm>
+            <a:off x="2667000" y="5638800"/>
+            <a:ext cx="1066800" cy="914400"/>
+          </a:xfrm>
+          <a:prstGeom prst="rect">
+            <a:avLst/>
+          </a:prstGeom>
+          <a:solidFill>
+            <a:schemeClr val="bg1">
+              <a:lumMod val="50000"/>
+            </a:schemeClr>
+          </a:solidFill>
+          <a:ln>
+            <a:noFill/>
+          </a:ln>
+        </p:spPr>
+        <p:style>
+          <a:lnRef idx="1">
+            <a:schemeClr val="accent1"/>
+          </a:lnRef>
+          <a:fillRef idx="3">
+            <a:schemeClr val="accent1"/>
+          </a:fillRef>
+          <a:effectRef idx="2">
+            <a:schemeClr val="accent1"/>
+          </a:effectRef>
+          <a:fontRef idx="minor">
+            <a:schemeClr val="lt1"/>
+          </a:fontRef>
+        </p:style>
+        <p:txBody>
+          <a:bodyPr rtlCol="0" anchor="ctr"/>
+          <a:lstStyle/>
+          <a:p>
+            <a:pPr algn="ctr"/>
+            <a:r>
+              <a:rPr lang="en-US" dirty="0" smtClean="0"/>
+              <a:t>Files to keep track of</a:t>
+            </a:r>
+            <a:endParaRPr lang="en-US" dirty="0"/>
+          </a:p>
+        </p:txBody>
+      </p:sp>
+      <p:cxnSp>
+        <p:nvCxnSpPr>
+          <p:cNvPr id="15" name="Straight Arrow Connector 14"/>
+          <p:cNvCxnSpPr/>
+          <p:nvPr/>
+        </p:nvCxnSpPr>
+        <p:spPr>
+          <a:xfrm flipV="1">
+            <a:off x="3810000" y="3810000"/>
+            <a:ext cx="609600" cy="381000"/>
+          </a:xfrm>
+          <a:prstGeom prst="straightConnector1">
+            <a:avLst/>
+          </a:prstGeom>
+          <a:ln>
+            <a:solidFill>
+              <a:schemeClr val="tx1"/>
+            </a:solidFill>
+            <a:tailEnd type="arrow"/>
+          </a:ln>
+        </p:spPr>
+        <p:style>
+          <a:lnRef idx="1">
+            <a:schemeClr val="accent1"/>
+          </a:lnRef>
+          <a:fillRef idx="0">
+            <a:schemeClr val="accent1"/>
+          </a:fillRef>
+          <a:effectRef idx="0">
+            <a:schemeClr val="accent1"/>
+          </a:effectRef>
+          <a:fontRef idx="minor">
+            <a:schemeClr val="tx1"/>
+          </a:fontRef>
+        </p:style>
+      </p:cxnSp>
+    </p:spTree>
+    <p:extLst>
+      <p:ext uri="{BB962C8B-B14F-4D97-AF65-F5344CB8AC3E}">
+        <p14:creationId xmlns:p14="http://schemas.microsoft.com/office/powerpoint/2010/main" val="3722737120"/>
+      </p:ext>
+    </p:extLst>
+  </p:cSld>
+  <p:clrMapOvr>
+    <a:masterClrMapping/>
+  </p:clrMapOvr>
+</p:sld>
+</file>
+
+<file path=ppt/slides/slide27.xml><?xml version="1.0" encoding="utf-8"?>
+<p:sld xmlns:a="http://schemas.openxmlformats.org/drawingml/2006/main" xmlns:r="http://schemas.openxmlformats.org/officeDocument/2006/relationships" xmlns:p="http://schemas.openxmlformats.org/presentationml/2006/main">
+  <p:cSld>
+    <p:spTree>
+      <p:nvGrpSpPr>
+        <p:cNvPr id="1" name=""/>
+        <p:cNvGrpSpPr/>
+        <p:nvPr/>
+      </p:nvGrpSpPr>
+      <p:grpSpPr>
+        <a:xfrm>
+          <a:off x="0" y="0"/>
+          <a:ext cx="0" cy="0"/>
+          <a:chOff x="0" y="0"/>
+          <a:chExt cx="0" cy="0"/>
+        </a:xfrm>
+      </p:grpSpPr>
+      <p:sp>
+        <p:nvSpPr>
+          <p:cNvPr id="2" name="Title 1"/>
+          <p:cNvSpPr>
+            <a:spLocks noGrp="1"/>
+          </p:cNvSpPr>
+          <p:nvPr>
+            <p:ph type="title"/>
+          </p:nvPr>
+        </p:nvSpPr>
+        <p:spPr/>
+        <p:txBody>
+          <a:bodyPr/>
+          <a:lstStyle/>
+          <a:p>
+            <a:r>
+              <a:rPr lang="en-US" b="1" dirty="0" smtClean="0"/>
               <a:t>merge</a:t>
             </a:r>
             <a:endParaRPr lang="en-US" b="1" dirty="0"/>
           </a:p>
         </p:txBody>
       </p:sp>
-      <p:sp>
-        <p:nvSpPr>
-          <p:cNvPr id="3" name="Content Placeholder 2"/>
-          <p:cNvSpPr>
-            <a:spLocks noGrp="1"/>
-          </p:cNvSpPr>
-          <p:nvPr>
-            <p:ph idx="1"/>
-          </p:nvPr>
-        </p:nvSpPr>
-        <p:spPr/>
-        <p:txBody>
-          <a:bodyPr/>
-          <a:lstStyle/>
-          <a:p>
-            <a:endParaRPr lang="en-US"/>
+      <p:pic>
+        <p:nvPicPr>
+          <p:cNvPr id="4" name="Picture 4" descr="http://allthingsd.com/files/2009/06/macbookpro.jpeg"/>
+          <p:cNvPicPr>
+            <a:picLocks noChangeAspect="1" noChangeArrowheads="1"/>
+          </p:cNvPicPr>
+          <p:nvPr/>
+        </p:nvPicPr>
+        <p:blipFill>
+          <a:blip r:embed="rId2" cstate="print">
+            <a:extLst>
+              <a:ext uri="{28A0092B-C50C-407E-A947-70E740481C1C}">
+                <a14:useLocalDpi xmlns:a14="http://schemas.microsoft.com/office/drawing/2010/main" val="0"/>
+              </a:ext>
+            </a:extLst>
+          </a:blip>
+          <a:srcRect/>
+          <a:stretch>
+            <a:fillRect/>
+          </a:stretch>
+        </p:blipFill>
+        <p:spPr bwMode="auto">
+          <a:xfrm>
+            <a:off x="558658" y="4152900"/>
+            <a:ext cx="2069817" cy="1381126"/>
+          </a:xfrm>
+          <a:prstGeom prst="rect">
+            <a:avLst/>
+          </a:prstGeom>
+          <a:noFill/>
+          <a:extLst>
+            <a:ext uri="{909E8E84-426E-40dd-AFC4-6F175D3DCCD1}">
+              <a14:hiddenFill xmlns:a14="http://schemas.microsoft.com/office/drawing/2010/main">
+                <a:solidFill>
+                  <a:srgbClr val="FFFFFF"/>
+                </a:solidFill>
+              </a14:hiddenFill>
+            </a:ext>
+          </a:extLst>
+        </p:spPr>
+      </p:pic>
+      <p:sp>
+        <p:nvSpPr>
+          <p:cNvPr id="5" name="TextBox 4"/>
+          <p:cNvSpPr txBox="1"/>
+          <p:nvPr/>
+        </p:nvSpPr>
+        <p:spPr>
+          <a:xfrm>
+            <a:off x="914400" y="3334205"/>
+            <a:ext cx="1905000" cy="369332"/>
+          </a:xfrm>
+          <a:prstGeom prst="rect">
+            <a:avLst/>
+          </a:prstGeom>
+          <a:noFill/>
+        </p:spPr>
+        <p:txBody>
+          <a:bodyPr wrap="square" rtlCol="0">
+            <a:spAutoFit/>
+          </a:bodyPr>
+          <a:lstStyle/>
+          <a:p>
+            <a:r>
+              <a:rPr lang="en-US" dirty="0" smtClean="0"/>
+              <a:t>My Computer</a:t>
+            </a:r>
+            <a:endParaRPr lang="en-US" dirty="0"/>
+          </a:p>
+        </p:txBody>
+      </p:sp>
+      <p:sp>
+        <p:nvSpPr>
+          <p:cNvPr id="6" name="TextBox 5"/>
+          <p:cNvSpPr txBox="1"/>
+          <p:nvPr/>
+        </p:nvSpPr>
+        <p:spPr>
+          <a:xfrm>
+            <a:off x="5715000" y="1754787"/>
+            <a:ext cx="1905000" cy="369332"/>
+          </a:xfrm>
+          <a:prstGeom prst="rect">
+            <a:avLst/>
+          </a:prstGeom>
+          <a:noFill/>
+        </p:spPr>
+        <p:txBody>
+          <a:bodyPr wrap="square" rtlCol="0">
+            <a:spAutoFit/>
+          </a:bodyPr>
+          <a:lstStyle/>
+          <a:p>
+            <a:r>
+              <a:rPr lang="en-US" dirty="0" smtClean="0"/>
+              <a:t>The “cloud”</a:t>
+            </a:r>
+            <a:endParaRPr lang="en-US" dirty="0"/>
+          </a:p>
+        </p:txBody>
+      </p:sp>
+      <p:cxnSp>
+        <p:nvCxnSpPr>
+          <p:cNvPr id="7" name="Straight Arrow Connector 6"/>
+          <p:cNvCxnSpPr/>
+          <p:nvPr/>
+        </p:nvCxnSpPr>
+        <p:spPr>
+          <a:xfrm flipV="1">
+            <a:off x="2362200" y="3733800"/>
+            <a:ext cx="2209800" cy="838200"/>
+          </a:xfrm>
+          <a:prstGeom prst="straightConnector1">
+            <a:avLst/>
+          </a:prstGeom>
+          <a:ln>
+            <a:solidFill>
+              <a:schemeClr val="tx1"/>
+            </a:solidFill>
+            <a:tailEnd type="arrow"/>
+          </a:ln>
+        </p:spPr>
+        <p:style>
+          <a:lnRef idx="1">
+            <a:schemeClr val="accent1"/>
+          </a:lnRef>
+          <a:fillRef idx="0">
+            <a:schemeClr val="accent1"/>
+          </a:fillRef>
+          <a:effectRef idx="0">
+            <a:schemeClr val="accent1"/>
+          </a:effectRef>
+          <a:fontRef idx="minor">
+            <a:schemeClr val="tx1"/>
+          </a:fontRef>
+        </p:style>
+      </p:cxnSp>
+      <p:pic>
+        <p:nvPicPr>
+          <p:cNvPr id="9" name="Picture 4" descr="http://allthingsd.com/files/2009/06/macbookpro.jpeg"/>
+          <p:cNvPicPr>
+            <a:picLocks noChangeAspect="1" noChangeArrowheads="1"/>
+          </p:cNvPicPr>
+          <p:nvPr/>
+        </p:nvPicPr>
+        <p:blipFill>
+          <a:blip r:embed="rId3" cstate="print">
+            <a:extLst>
+              <a:ext uri="{28A0092B-C50C-407E-A947-70E740481C1C}">
+                <a14:useLocalDpi xmlns:a14="http://schemas.microsoft.com/office/drawing/2010/main" val="0"/>
+              </a:ext>
+            </a:extLst>
+          </a:blip>
+          <a:srcRect/>
+          <a:stretch>
+            <a:fillRect/>
+          </a:stretch>
+        </p:blipFill>
+        <p:spPr bwMode="auto">
+          <a:xfrm>
+            <a:off x="4724401" y="6096000"/>
+            <a:ext cx="927850" cy="619126"/>
+          </a:xfrm>
+          <a:prstGeom prst="rect">
+            <a:avLst/>
+          </a:prstGeom>
+          <a:noFill/>
+          <a:extLst>
+            <a:ext uri="{909E8E84-426E-40dd-AFC4-6F175D3DCCD1}">
+              <a14:hiddenFill xmlns:a14="http://schemas.microsoft.com/office/drawing/2010/main">
+                <a:solidFill>
+                  <a:srgbClr val="FFFFFF"/>
+                </a:solidFill>
+              </a14:hiddenFill>
+            </a:ext>
+          </a:extLst>
+        </p:spPr>
+      </p:pic>
+      <p:pic>
+        <p:nvPicPr>
+          <p:cNvPr id="12" name="Picture 6" descr="http://pngimg.com/upload/cloud_PNG16.png"/>
+          <p:cNvPicPr>
+            <a:picLocks noChangeAspect="1" noChangeArrowheads="1"/>
+          </p:cNvPicPr>
+          <p:nvPr/>
+        </p:nvPicPr>
+        <p:blipFill>
+          <a:blip r:embed="rId4" cstate="print">
+            <a:extLst>
+              <a:ext uri="{28A0092B-C50C-407E-A947-70E740481C1C}">
+                <a14:useLocalDpi xmlns:a14="http://schemas.microsoft.com/office/drawing/2010/main" val="0"/>
+              </a:ext>
+            </a:extLst>
+          </a:blip>
+          <a:srcRect/>
+          <a:stretch>
+            <a:fillRect/>
+          </a:stretch>
+        </p:blipFill>
+        <p:spPr bwMode="auto">
+          <a:xfrm>
+            <a:off x="3657600" y="1754787"/>
+            <a:ext cx="5096157" cy="3306862"/>
+          </a:xfrm>
+          <a:prstGeom prst="rect">
+            <a:avLst/>
+          </a:prstGeom>
+          <a:noFill/>
+          <a:extLst>
+            <a:ext uri="{909E8E84-426E-40dd-AFC4-6F175D3DCCD1}">
+              <a14:hiddenFill xmlns:a14="http://schemas.microsoft.com/office/drawing/2010/main">
+                <a:solidFill>
+                  <a:srgbClr val="FFFFFF"/>
+                </a:solidFill>
+              </a14:hiddenFill>
+            </a:ext>
+          </a:extLst>
+        </p:spPr>
+      </p:pic>
+      <p:cxnSp>
+        <p:nvCxnSpPr>
+          <p:cNvPr id="13" name="Straight Arrow Connector 12"/>
+          <p:cNvCxnSpPr/>
+          <p:nvPr/>
+        </p:nvCxnSpPr>
+        <p:spPr>
+          <a:xfrm flipV="1">
+            <a:off x="5029200" y="4305300"/>
+            <a:ext cx="685800" cy="1638300"/>
+          </a:xfrm>
+          <a:prstGeom prst="straightConnector1">
+            <a:avLst/>
+          </a:prstGeom>
+          <a:ln>
+            <a:solidFill>
+              <a:schemeClr val="tx1"/>
+            </a:solidFill>
+            <a:tailEnd type="arrow"/>
+          </a:ln>
+        </p:spPr>
+        <p:style>
+          <a:lnRef idx="1">
+            <a:schemeClr val="accent1"/>
+          </a:lnRef>
+          <a:fillRef idx="0">
+            <a:schemeClr val="accent1"/>
+          </a:fillRef>
+          <a:effectRef idx="0">
+            <a:schemeClr val="accent1"/>
+          </a:effectRef>
+          <a:fontRef idx="minor">
+            <a:schemeClr val="tx1"/>
+          </a:fontRef>
+        </p:style>
+      </p:cxnSp>
+      <p:sp>
+        <p:nvSpPr>
+          <p:cNvPr id="19" name="Rectangle 18"/>
+          <p:cNvSpPr/>
+          <p:nvPr/>
+        </p:nvSpPr>
+        <p:spPr>
+          <a:xfrm>
+            <a:off x="2743200" y="3048000"/>
+            <a:ext cx="1066800" cy="914400"/>
+          </a:xfrm>
+          <a:prstGeom prst="rect">
+            <a:avLst/>
+          </a:prstGeom>
+          <a:solidFill>
+            <a:schemeClr val="bg1">
+              <a:lumMod val="50000"/>
+            </a:schemeClr>
+          </a:solidFill>
+          <a:ln>
+            <a:noFill/>
+          </a:ln>
+        </p:spPr>
+        <p:style>
+          <a:lnRef idx="1">
+            <a:schemeClr val="accent1"/>
+          </a:lnRef>
+          <a:fillRef idx="3">
+            <a:schemeClr val="accent1"/>
+          </a:fillRef>
+          <a:effectRef idx="2">
+            <a:schemeClr val="accent1"/>
+          </a:effectRef>
+          <a:fontRef idx="minor">
+            <a:schemeClr val="lt1"/>
+          </a:fontRef>
+        </p:style>
+        <p:txBody>
+          <a:bodyPr rtlCol="0" anchor="ctr"/>
+          <a:lstStyle/>
+          <a:p>
+            <a:pPr algn="ctr"/>
+            <a:r>
+              <a:rPr lang="en-US" dirty="0" smtClean="0"/>
+              <a:t>Changed ‘</a:t>
+            </a:r>
+            <a:r>
+              <a:rPr lang="en-US" dirty="0" err="1" smtClean="0"/>
+              <a:t>a.txt</a:t>
+            </a:r>
+            <a:r>
+              <a:rPr lang="en-US" dirty="0" smtClean="0"/>
+              <a:t>’</a:t>
+            </a:r>
+            <a:endParaRPr lang="en-US" dirty="0"/>
+          </a:p>
+        </p:txBody>
+      </p:sp>
+      <p:sp>
+        <p:nvSpPr>
+          <p:cNvPr id="20" name="Rectangle 19"/>
+          <p:cNvSpPr/>
+          <p:nvPr/>
+        </p:nvSpPr>
+        <p:spPr>
+          <a:xfrm>
+            <a:off x="4114800" y="4495800"/>
+            <a:ext cx="1066800" cy="914400"/>
+          </a:xfrm>
+          <a:prstGeom prst="rect">
+            <a:avLst/>
+          </a:prstGeom>
+          <a:solidFill>
+            <a:schemeClr val="bg1">
+              <a:lumMod val="50000"/>
+            </a:schemeClr>
+          </a:solidFill>
+          <a:ln>
+            <a:noFill/>
+          </a:ln>
+        </p:spPr>
+        <p:style>
+          <a:lnRef idx="1">
+            <a:schemeClr val="accent1"/>
+          </a:lnRef>
+          <a:fillRef idx="3">
+            <a:schemeClr val="accent1"/>
+          </a:fillRef>
+          <a:effectRef idx="2">
+            <a:schemeClr val="accent1"/>
+          </a:effectRef>
+          <a:fontRef idx="minor">
+            <a:schemeClr val="lt1"/>
+          </a:fontRef>
+        </p:style>
+        <p:txBody>
+          <a:bodyPr rtlCol="0" anchor="ctr"/>
+          <a:lstStyle/>
+          <a:p>
+            <a:pPr algn="ctr"/>
+            <a:r>
+              <a:rPr lang="en-US" dirty="0" smtClean="0"/>
+              <a:t>Also changed</a:t>
+            </a:r>
+          </a:p>
+          <a:p>
+            <a:pPr algn="ctr"/>
+            <a:r>
+              <a:rPr lang="en-US" dirty="0" smtClean="0"/>
+              <a:t>‘</a:t>
+            </a:r>
+            <a:r>
+              <a:rPr lang="en-US" dirty="0" err="1" smtClean="0"/>
+              <a:t>a.txt</a:t>
+            </a:r>
+            <a:r>
+              <a:rPr lang="en-US" dirty="0" smtClean="0"/>
+              <a:t>’</a:t>
+            </a:r>
+            <a:endParaRPr lang="en-US" dirty="0"/>
           </a:p>
         </p:txBody>
       </p:sp>
@@ -6026,6 +7920,635 @@
     <p:extLst>
       <p:ext uri="{BB962C8B-B14F-4D97-AF65-F5344CB8AC3E}">
         <p14:creationId xmlns:p14="http://schemas.microsoft.com/office/powerpoint/2010/main" val="1365298603"/>
+      </p:ext>
+    </p:extLst>
+  </p:cSld>
+  <p:clrMapOvr>
+    <a:masterClrMapping/>
+  </p:clrMapOvr>
+</p:sld>
+</file>
+
+<file path=ppt/slides/slide28.xml><?xml version="1.0" encoding="utf-8"?>
+<p:sld xmlns:a="http://schemas.openxmlformats.org/drawingml/2006/main" xmlns:r="http://schemas.openxmlformats.org/officeDocument/2006/relationships" xmlns:p="http://schemas.openxmlformats.org/presentationml/2006/main">
+  <p:cSld>
+    <p:spTree>
+      <p:nvGrpSpPr>
+        <p:cNvPr id="1" name=""/>
+        <p:cNvGrpSpPr/>
+        <p:nvPr/>
+      </p:nvGrpSpPr>
+      <p:grpSpPr>
+        <a:xfrm>
+          <a:off x="0" y="0"/>
+          <a:ext cx="0" cy="0"/>
+          <a:chOff x="0" y="0"/>
+          <a:chExt cx="0" cy="0"/>
+        </a:xfrm>
+      </p:grpSpPr>
+      <p:pic>
+        <p:nvPicPr>
+          <p:cNvPr id="1028" name="Picture 4" descr="http://allthingsd.com/files/2009/06/macbookpro.jpeg"/>
+          <p:cNvPicPr>
+            <a:picLocks noChangeAspect="1" noChangeArrowheads="1"/>
+          </p:cNvPicPr>
+          <p:nvPr/>
+        </p:nvPicPr>
+        <p:blipFill>
+          <a:blip r:embed="rId2" cstate="print">
+            <a:extLst>
+              <a:ext uri="{28A0092B-C50C-407E-A947-70E740481C1C}">
+                <a14:useLocalDpi xmlns:a14="http://schemas.microsoft.com/office/drawing/2010/main" val="0"/>
+              </a:ext>
+            </a:extLst>
+          </a:blip>
+          <a:srcRect/>
+          <a:stretch>
+            <a:fillRect/>
+          </a:stretch>
+        </p:blipFill>
+        <p:spPr bwMode="auto">
+          <a:xfrm>
+            <a:off x="558658" y="4152900"/>
+            <a:ext cx="2069817" cy="1381126"/>
+          </a:xfrm>
+          <a:prstGeom prst="rect">
+            <a:avLst/>
+          </a:prstGeom>
+          <a:noFill/>
+          <a:extLst>
+            <a:ext uri="{909E8E84-426E-40dd-AFC4-6F175D3DCCD1}">
+              <a14:hiddenFill xmlns:a14="http://schemas.microsoft.com/office/drawing/2010/main">
+                <a:solidFill>
+                  <a:srgbClr val="FFFFFF"/>
+                </a:solidFill>
+              </a14:hiddenFill>
+            </a:ext>
+          </a:extLst>
+        </p:spPr>
+      </p:pic>
+      <p:sp>
+        <p:nvSpPr>
+          <p:cNvPr id="4" name="Title 3"/>
+          <p:cNvSpPr>
+            <a:spLocks noGrp="1"/>
+          </p:cNvSpPr>
+          <p:nvPr>
+            <p:ph type="title"/>
+          </p:nvPr>
+        </p:nvSpPr>
+        <p:spPr/>
+        <p:txBody>
+          <a:bodyPr/>
+          <a:lstStyle/>
+          <a:p>
+            <a:r>
+              <a:rPr lang="en-US" dirty="0" smtClean="0"/>
+              <a:t>philosophy</a:t>
+            </a:r>
+            <a:endParaRPr lang="en-US" dirty="0"/>
+          </a:p>
+        </p:txBody>
+      </p:sp>
+      <p:sp>
+        <p:nvSpPr>
+          <p:cNvPr id="5" name="Content Placeholder 4"/>
+          <p:cNvSpPr>
+            <a:spLocks noGrp="1"/>
+          </p:cNvSpPr>
+          <p:nvPr>
+            <p:ph idx="1"/>
+          </p:nvPr>
+        </p:nvSpPr>
+        <p:spPr/>
+        <p:txBody>
+          <a:bodyPr/>
+          <a:lstStyle/>
+          <a:p>
+            <a:r>
+              <a:rPr lang="en-US" dirty="0" smtClean="0"/>
+              <a:t>Why?</a:t>
+            </a:r>
+            <a:endParaRPr lang="en-US" dirty="0"/>
+          </a:p>
+        </p:txBody>
+      </p:sp>
+      <p:sp>
+        <p:nvSpPr>
+          <p:cNvPr id="7" name="TextBox 6"/>
+          <p:cNvSpPr txBox="1"/>
+          <p:nvPr/>
+        </p:nvSpPr>
+        <p:spPr>
+          <a:xfrm>
+            <a:off x="914400" y="3334205"/>
+            <a:ext cx="1905000" cy="369332"/>
+          </a:xfrm>
+          <a:prstGeom prst="rect">
+            <a:avLst/>
+          </a:prstGeom>
+          <a:noFill/>
+        </p:spPr>
+        <p:txBody>
+          <a:bodyPr wrap="square" rtlCol="0">
+            <a:spAutoFit/>
+          </a:bodyPr>
+          <a:lstStyle/>
+          <a:p>
+            <a:r>
+              <a:rPr lang="en-US" dirty="0" smtClean="0"/>
+              <a:t>My Computer</a:t>
+            </a:r>
+            <a:endParaRPr lang="en-US" dirty="0"/>
+          </a:p>
+        </p:txBody>
+      </p:sp>
+      <p:sp>
+        <p:nvSpPr>
+          <p:cNvPr id="10" name="TextBox 9"/>
+          <p:cNvSpPr txBox="1"/>
+          <p:nvPr/>
+        </p:nvSpPr>
+        <p:spPr>
+          <a:xfrm>
+            <a:off x="5715000" y="1754787"/>
+            <a:ext cx="1905000" cy="369332"/>
+          </a:xfrm>
+          <a:prstGeom prst="rect">
+            <a:avLst/>
+          </a:prstGeom>
+          <a:noFill/>
+        </p:spPr>
+        <p:txBody>
+          <a:bodyPr wrap="square" rtlCol="0">
+            <a:spAutoFit/>
+          </a:bodyPr>
+          <a:lstStyle/>
+          <a:p>
+            <a:r>
+              <a:rPr lang="en-US" dirty="0" smtClean="0"/>
+              <a:t>The “cloud”</a:t>
+            </a:r>
+            <a:endParaRPr lang="en-US" dirty="0"/>
+          </a:p>
+        </p:txBody>
+      </p:sp>
+      <p:cxnSp>
+        <p:nvCxnSpPr>
+          <p:cNvPr id="12" name="Straight Arrow Connector 11"/>
+          <p:cNvCxnSpPr/>
+          <p:nvPr/>
+        </p:nvCxnSpPr>
+        <p:spPr>
+          <a:xfrm flipV="1">
+            <a:off x="2362200" y="3733800"/>
+            <a:ext cx="2209800" cy="838200"/>
+          </a:xfrm>
+          <a:prstGeom prst="straightConnector1">
+            <a:avLst/>
+          </a:prstGeom>
+          <a:ln>
+            <a:solidFill>
+              <a:schemeClr val="tx1"/>
+            </a:solidFill>
+            <a:tailEnd type="arrow"/>
+          </a:ln>
+        </p:spPr>
+        <p:style>
+          <a:lnRef idx="1">
+            <a:schemeClr val="accent1"/>
+          </a:lnRef>
+          <a:fillRef idx="0">
+            <a:schemeClr val="accent1"/>
+          </a:fillRef>
+          <a:effectRef idx="0">
+            <a:schemeClr val="accent1"/>
+          </a:effectRef>
+          <a:fontRef idx="minor">
+            <a:schemeClr val="tx1"/>
+          </a:fontRef>
+        </p:style>
+      </p:cxnSp>
+      <p:cxnSp>
+        <p:nvCxnSpPr>
+          <p:cNvPr id="16" name="Straight Arrow Connector 15"/>
+          <p:cNvCxnSpPr/>
+          <p:nvPr/>
+        </p:nvCxnSpPr>
+        <p:spPr>
+          <a:xfrm flipH="1">
+            <a:off x="2362200" y="3886200"/>
+            <a:ext cx="2209800" cy="838200"/>
+          </a:xfrm>
+          <a:prstGeom prst="straightConnector1">
+            <a:avLst/>
+          </a:prstGeom>
+          <a:ln>
+            <a:solidFill>
+              <a:schemeClr val="tx1"/>
+            </a:solidFill>
+            <a:tailEnd type="arrow"/>
+          </a:ln>
+        </p:spPr>
+        <p:style>
+          <a:lnRef idx="1">
+            <a:schemeClr val="accent1"/>
+          </a:lnRef>
+          <a:fillRef idx="0">
+            <a:schemeClr val="accent1"/>
+          </a:fillRef>
+          <a:effectRef idx="0">
+            <a:schemeClr val="accent1"/>
+          </a:effectRef>
+          <a:fontRef idx="minor">
+            <a:schemeClr val="tx1"/>
+          </a:fontRef>
+        </p:style>
+      </p:cxnSp>
+      <p:pic>
+        <p:nvPicPr>
+          <p:cNvPr id="24" name="Picture 4" descr="http://allthingsd.com/files/2009/06/macbookpro.jpeg"/>
+          <p:cNvPicPr>
+            <a:picLocks noChangeAspect="1" noChangeArrowheads="1"/>
+          </p:cNvPicPr>
+          <p:nvPr/>
+        </p:nvPicPr>
+        <p:blipFill>
+          <a:blip r:embed="rId3" cstate="print">
+            <a:extLst>
+              <a:ext uri="{28A0092B-C50C-407E-A947-70E740481C1C}">
+                <a14:useLocalDpi xmlns:a14="http://schemas.microsoft.com/office/drawing/2010/main" val="0"/>
+              </a:ext>
+            </a:extLst>
+          </a:blip>
+          <a:srcRect/>
+          <a:stretch>
+            <a:fillRect/>
+          </a:stretch>
+        </p:blipFill>
+        <p:spPr bwMode="auto">
+          <a:xfrm>
+            <a:off x="4724401" y="6096000"/>
+            <a:ext cx="927850" cy="619126"/>
+          </a:xfrm>
+          <a:prstGeom prst="rect">
+            <a:avLst/>
+          </a:prstGeom>
+          <a:noFill/>
+          <a:extLst>
+            <a:ext uri="{909E8E84-426E-40dd-AFC4-6F175D3DCCD1}">
+              <a14:hiddenFill xmlns:a14="http://schemas.microsoft.com/office/drawing/2010/main">
+                <a:solidFill>
+                  <a:srgbClr val="FFFFFF"/>
+                </a:solidFill>
+              </a14:hiddenFill>
+            </a:ext>
+          </a:extLst>
+        </p:spPr>
+      </p:pic>
+      <p:pic>
+        <p:nvPicPr>
+          <p:cNvPr id="25" name="Picture 4" descr="http://allthingsd.com/files/2009/06/macbookpro.jpeg"/>
+          <p:cNvPicPr>
+            <a:picLocks noChangeAspect="1" noChangeArrowheads="1"/>
+          </p:cNvPicPr>
+          <p:nvPr/>
+        </p:nvPicPr>
+        <p:blipFill>
+          <a:blip r:embed="rId3" cstate="print">
+            <a:extLst>
+              <a:ext uri="{28A0092B-C50C-407E-A947-70E740481C1C}">
+                <a14:useLocalDpi xmlns:a14="http://schemas.microsoft.com/office/drawing/2010/main" val="0"/>
+              </a:ext>
+            </a:extLst>
+          </a:blip>
+          <a:srcRect/>
+          <a:stretch>
+            <a:fillRect/>
+          </a:stretch>
+        </p:blipFill>
+        <p:spPr bwMode="auto">
+          <a:xfrm>
+            <a:off x="6013075" y="6096000"/>
+            <a:ext cx="927850" cy="619126"/>
+          </a:xfrm>
+          <a:prstGeom prst="rect">
+            <a:avLst/>
+          </a:prstGeom>
+          <a:noFill/>
+          <a:extLst>
+            <a:ext uri="{909E8E84-426E-40dd-AFC4-6F175D3DCCD1}">
+              <a14:hiddenFill xmlns:a14="http://schemas.microsoft.com/office/drawing/2010/main">
+                <a:solidFill>
+                  <a:srgbClr val="FFFFFF"/>
+                </a:solidFill>
+              </a14:hiddenFill>
+            </a:ext>
+          </a:extLst>
+        </p:spPr>
+      </p:pic>
+      <p:pic>
+        <p:nvPicPr>
+          <p:cNvPr id="26" name="Picture 4" descr="http://allthingsd.com/files/2009/06/macbookpro.jpeg"/>
+          <p:cNvPicPr>
+            <a:picLocks noChangeAspect="1" noChangeArrowheads="1"/>
+          </p:cNvPicPr>
+          <p:nvPr/>
+        </p:nvPicPr>
+        <p:blipFill>
+          <a:blip r:embed="rId3" cstate="print">
+            <a:extLst>
+              <a:ext uri="{28A0092B-C50C-407E-A947-70E740481C1C}">
+                <a14:useLocalDpi xmlns:a14="http://schemas.microsoft.com/office/drawing/2010/main" val="0"/>
+              </a:ext>
+            </a:extLst>
+          </a:blip>
+          <a:srcRect/>
+          <a:stretch>
+            <a:fillRect/>
+          </a:stretch>
+        </p:blipFill>
+        <p:spPr bwMode="auto">
+          <a:xfrm>
+            <a:off x="7211493" y="6100763"/>
+            <a:ext cx="927850" cy="619126"/>
+          </a:xfrm>
+          <a:prstGeom prst="rect">
+            <a:avLst/>
+          </a:prstGeom>
+          <a:noFill/>
+          <a:extLst>
+            <a:ext uri="{909E8E84-426E-40dd-AFC4-6F175D3DCCD1}">
+              <a14:hiddenFill xmlns:a14="http://schemas.microsoft.com/office/drawing/2010/main">
+                <a:solidFill>
+                  <a:srgbClr val="FFFFFF"/>
+                </a:solidFill>
+              </a14:hiddenFill>
+            </a:ext>
+          </a:extLst>
+        </p:spPr>
+      </p:pic>
+      <p:pic>
+        <p:nvPicPr>
+          <p:cNvPr id="1030" name="Picture 6" descr="http://pngimg.com/upload/cloud_PNG16.png"/>
+          <p:cNvPicPr>
+            <a:picLocks noChangeAspect="1" noChangeArrowheads="1"/>
+          </p:cNvPicPr>
+          <p:nvPr/>
+        </p:nvPicPr>
+        <p:blipFill>
+          <a:blip r:embed="rId4" cstate="print">
+            <a:extLst>
+              <a:ext uri="{28A0092B-C50C-407E-A947-70E740481C1C}">
+                <a14:useLocalDpi xmlns:a14="http://schemas.microsoft.com/office/drawing/2010/main" val="0"/>
+              </a:ext>
+            </a:extLst>
+          </a:blip>
+          <a:srcRect/>
+          <a:stretch>
+            <a:fillRect/>
+          </a:stretch>
+        </p:blipFill>
+        <p:spPr bwMode="auto">
+          <a:xfrm>
+            <a:off x="3657600" y="1754787"/>
+            <a:ext cx="5096157" cy="3306862"/>
+          </a:xfrm>
+          <a:prstGeom prst="rect">
+            <a:avLst/>
+          </a:prstGeom>
+          <a:noFill/>
+          <a:extLst>
+            <a:ext uri="{909E8E84-426E-40dd-AFC4-6F175D3DCCD1}">
+              <a14:hiddenFill xmlns:a14="http://schemas.microsoft.com/office/drawing/2010/main">
+                <a:solidFill>
+                  <a:srgbClr val="FFFFFF"/>
+                </a:solidFill>
+              </a14:hiddenFill>
+            </a:ext>
+          </a:extLst>
+        </p:spPr>
+      </p:pic>
+      <p:cxnSp>
+        <p:nvCxnSpPr>
+          <p:cNvPr id="23" name="Straight Arrow Connector 22"/>
+          <p:cNvCxnSpPr/>
+          <p:nvPr/>
+        </p:nvCxnSpPr>
+        <p:spPr>
+          <a:xfrm flipV="1">
+            <a:off x="5029200" y="4305300"/>
+            <a:ext cx="685800" cy="1638300"/>
+          </a:xfrm>
+          <a:prstGeom prst="straightConnector1">
+            <a:avLst/>
+          </a:prstGeom>
+          <a:ln>
+            <a:solidFill>
+              <a:schemeClr val="tx1"/>
+            </a:solidFill>
+            <a:tailEnd type="arrow"/>
+          </a:ln>
+        </p:spPr>
+        <p:style>
+          <a:lnRef idx="1">
+            <a:schemeClr val="accent1"/>
+          </a:lnRef>
+          <a:fillRef idx="0">
+            <a:schemeClr val="accent1"/>
+          </a:fillRef>
+          <a:effectRef idx="0">
+            <a:schemeClr val="accent1"/>
+          </a:effectRef>
+          <a:fontRef idx="minor">
+            <a:schemeClr val="tx1"/>
+          </a:fontRef>
+        </p:style>
+      </p:cxnSp>
+      <p:cxnSp>
+        <p:nvCxnSpPr>
+          <p:cNvPr id="28" name="Straight Arrow Connector 27"/>
+          <p:cNvCxnSpPr/>
+          <p:nvPr/>
+        </p:nvCxnSpPr>
+        <p:spPr>
+          <a:xfrm flipV="1">
+            <a:off x="6324600" y="4305300"/>
+            <a:ext cx="0" cy="1638300"/>
+          </a:xfrm>
+          <a:prstGeom prst="straightConnector1">
+            <a:avLst/>
+          </a:prstGeom>
+          <a:ln>
+            <a:solidFill>
+              <a:schemeClr val="tx1"/>
+            </a:solidFill>
+            <a:tailEnd type="arrow"/>
+          </a:ln>
+        </p:spPr>
+        <p:style>
+          <a:lnRef idx="1">
+            <a:schemeClr val="accent1"/>
+          </a:lnRef>
+          <a:fillRef idx="0">
+            <a:schemeClr val="accent1"/>
+          </a:fillRef>
+          <a:effectRef idx="0">
+            <a:schemeClr val="accent1"/>
+          </a:effectRef>
+          <a:fontRef idx="minor">
+            <a:schemeClr val="tx1"/>
+          </a:fontRef>
+        </p:style>
+      </p:cxnSp>
+      <p:cxnSp>
+        <p:nvCxnSpPr>
+          <p:cNvPr id="30" name="Straight Arrow Connector 29"/>
+          <p:cNvCxnSpPr/>
+          <p:nvPr/>
+        </p:nvCxnSpPr>
+        <p:spPr>
+          <a:xfrm flipH="1" flipV="1">
+            <a:off x="6940925" y="4305300"/>
+            <a:ext cx="679075" cy="1638300"/>
+          </a:xfrm>
+          <a:prstGeom prst="straightConnector1">
+            <a:avLst/>
+          </a:prstGeom>
+          <a:ln>
+            <a:solidFill>
+              <a:schemeClr val="tx1"/>
+            </a:solidFill>
+            <a:tailEnd type="arrow"/>
+          </a:ln>
+        </p:spPr>
+        <p:style>
+          <a:lnRef idx="1">
+            <a:schemeClr val="accent1"/>
+          </a:lnRef>
+          <a:fillRef idx="0">
+            <a:schemeClr val="accent1"/>
+          </a:fillRef>
+          <a:effectRef idx="0">
+            <a:schemeClr val="accent1"/>
+          </a:effectRef>
+          <a:fontRef idx="minor">
+            <a:schemeClr val="tx1"/>
+          </a:fontRef>
+        </p:style>
+      </p:cxnSp>
+      <p:cxnSp>
+        <p:nvCxnSpPr>
+          <p:cNvPr id="1027" name="Straight Arrow Connector 1026"/>
+          <p:cNvCxnSpPr/>
+          <p:nvPr/>
+        </p:nvCxnSpPr>
+        <p:spPr>
+          <a:xfrm flipH="1">
+            <a:off x="5188326" y="4305300"/>
+            <a:ext cx="679074" cy="1638300"/>
+          </a:xfrm>
+          <a:prstGeom prst="straightConnector1">
+            <a:avLst/>
+          </a:prstGeom>
+          <a:ln>
+            <a:solidFill>
+              <a:schemeClr val="tx1"/>
+            </a:solidFill>
+            <a:tailEnd type="arrow"/>
+          </a:ln>
+        </p:spPr>
+        <p:style>
+          <a:lnRef idx="1">
+            <a:schemeClr val="accent1"/>
+          </a:lnRef>
+          <a:fillRef idx="0">
+            <a:schemeClr val="accent1"/>
+          </a:fillRef>
+          <a:effectRef idx="0">
+            <a:schemeClr val="accent1"/>
+          </a:effectRef>
+          <a:fontRef idx="minor">
+            <a:schemeClr val="tx1"/>
+          </a:fontRef>
+        </p:style>
+      </p:cxnSp>
+      <p:cxnSp>
+        <p:nvCxnSpPr>
+          <p:cNvPr id="1031" name="Straight Arrow Connector 1030"/>
+          <p:cNvCxnSpPr/>
+          <p:nvPr/>
+        </p:nvCxnSpPr>
+        <p:spPr>
+          <a:xfrm>
+            <a:off x="6477000" y="4419600"/>
+            <a:ext cx="0" cy="1524000"/>
+          </a:xfrm>
+          <a:prstGeom prst="straightConnector1">
+            <a:avLst/>
+          </a:prstGeom>
+          <a:ln>
+            <a:solidFill>
+              <a:schemeClr val="tx1"/>
+            </a:solidFill>
+            <a:tailEnd type="arrow"/>
+          </a:ln>
+        </p:spPr>
+        <p:style>
+          <a:lnRef idx="1">
+            <a:schemeClr val="accent1"/>
+          </a:lnRef>
+          <a:fillRef idx="0">
+            <a:schemeClr val="accent1"/>
+          </a:fillRef>
+          <a:effectRef idx="0">
+            <a:schemeClr val="accent1"/>
+          </a:effectRef>
+          <a:fontRef idx="minor">
+            <a:schemeClr val="tx1"/>
+          </a:fontRef>
+        </p:style>
+      </p:cxnSp>
+      <p:cxnSp>
+        <p:nvCxnSpPr>
+          <p:cNvPr id="1033" name="Straight Arrow Connector 1032"/>
+          <p:cNvCxnSpPr/>
+          <p:nvPr/>
+        </p:nvCxnSpPr>
+        <p:spPr>
+          <a:xfrm>
+            <a:off x="7086600" y="4305300"/>
+            <a:ext cx="685800" cy="1638300"/>
+          </a:xfrm>
+          <a:prstGeom prst="straightConnector1">
+            <a:avLst/>
+          </a:prstGeom>
+          <a:ln>
+            <a:solidFill>
+              <a:schemeClr val="tx1"/>
+            </a:solidFill>
+            <a:tailEnd type="arrow"/>
+          </a:ln>
+        </p:spPr>
+        <p:style>
+          <a:lnRef idx="1">
+            <a:schemeClr val="accent1"/>
+          </a:lnRef>
+          <a:fillRef idx="0">
+            <a:schemeClr val="accent1"/>
+          </a:fillRef>
+          <a:effectRef idx="0">
+            <a:schemeClr val="accent1"/>
+          </a:effectRef>
+          <a:fontRef idx="minor">
+            <a:schemeClr val="tx1"/>
+          </a:fontRef>
+        </p:style>
+      </p:cxnSp>
+    </p:spTree>
+    <p:extLst>
+      <p:ext uri="{BB962C8B-B14F-4D97-AF65-F5344CB8AC3E}">
+        <p14:creationId xmlns:p14="http://schemas.microsoft.com/office/powerpoint/2010/main" val="1953134873"/>
       </p:ext>
     </p:extLst>
   </p:cSld>
@@ -6589,7 +9112,7 @@
           </a:prstGeom>
           <a:noFill/>
           <a:extLst>
-            <a:ext uri="{909E8E84-426E-40DD-AFC4-6F175D3DCCD1}">
+            <a:ext uri="{909E8E84-426E-40dd-AFC4-6F175D3DCCD1}">
               <a14:hiddenFill xmlns:a14="http://schemas.microsoft.com/office/drawing/2010/main">
                 <a:solidFill>
                   <a:srgbClr val="FFFFFF"/>
@@ -6740,7 +9263,7 @@
           </a:prstGeom>
           <a:noFill/>
           <a:extLst>
-            <a:ext uri="{909E8E84-426E-40DD-AFC4-6F175D3DCCD1}">
+            <a:ext uri="{909E8E84-426E-40dd-AFC4-6F175D3DCCD1}">
               <a14:hiddenFill xmlns:a14="http://schemas.microsoft.com/office/drawing/2010/main">
                 <a:solidFill>
                   <a:srgbClr val="FFFFFF"/>
@@ -6963,7 +9486,7 @@
           </a:prstGeom>
           <a:noFill/>
           <a:extLst>
-            <a:ext uri="{909E8E84-426E-40DD-AFC4-6F175D3DCCD1}">
+            <a:ext uri="{909E8E84-426E-40dd-AFC4-6F175D3DCCD1}">
               <a14:hiddenFill xmlns:a14="http://schemas.microsoft.com/office/drawing/2010/main">
                 <a:solidFill>
                   <a:srgbClr val="FFFFFF"/>

--- a/git_group1.pptx
+++ b/git_group1.pptx
@@ -27,12 +27,13 @@
     <p:sldId id="272" r:id="rId21"/>
     <p:sldId id="271" r:id="rId22"/>
     <p:sldId id="274" r:id="rId23"/>
-    <p:sldId id="278" r:id="rId24"/>
-    <p:sldId id="275" r:id="rId25"/>
-    <p:sldId id="276" r:id="rId26"/>
-    <p:sldId id="283" r:id="rId27"/>
-    <p:sldId id="279" r:id="rId28"/>
-    <p:sldId id="284" r:id="rId29"/>
+    <p:sldId id="285" r:id="rId24"/>
+    <p:sldId id="278" r:id="rId25"/>
+    <p:sldId id="275" r:id="rId26"/>
+    <p:sldId id="276" r:id="rId27"/>
+    <p:sldId id="283" r:id="rId28"/>
+    <p:sldId id="279" r:id="rId29"/>
+    <p:sldId id="284" r:id="rId30"/>
   </p:sldIdLst>
   <p:sldSz cx="9144000" cy="6858000" type="screen4x3"/>
   <p:notesSz cx="6858000" cy="9144000"/>
@@ -315,7 +316,7 @@
           <a:p>
             <a:fld id="{E3D73925-1C9D-4260-9916-5C888C48B0A2}" type="datetimeFigureOut">
               <a:rPr lang="en-US" smtClean="0"/>
-              <a:t>9/20/16</a:t>
+              <a:t>9/21/2016</a:t>
             </a:fld>
             <a:endParaRPr lang="en-US"/>
           </a:p>
@@ -485,7 +486,7 @@
           <a:p>
             <a:fld id="{E3D73925-1C9D-4260-9916-5C888C48B0A2}" type="datetimeFigureOut">
               <a:rPr lang="en-US" smtClean="0"/>
-              <a:t>9/20/16</a:t>
+              <a:t>9/21/2016</a:t>
             </a:fld>
             <a:endParaRPr lang="en-US"/>
           </a:p>
@@ -665,7 +666,7 @@
           <a:p>
             <a:fld id="{E3D73925-1C9D-4260-9916-5C888C48B0A2}" type="datetimeFigureOut">
               <a:rPr lang="en-US" smtClean="0"/>
-              <a:t>9/20/16</a:t>
+              <a:t>9/21/2016</a:t>
             </a:fld>
             <a:endParaRPr lang="en-US"/>
           </a:p>
@@ -835,7 +836,7 @@
           <a:p>
             <a:fld id="{E3D73925-1C9D-4260-9916-5C888C48B0A2}" type="datetimeFigureOut">
               <a:rPr lang="en-US" smtClean="0"/>
-              <a:t>9/20/16</a:t>
+              <a:t>9/21/2016</a:t>
             </a:fld>
             <a:endParaRPr lang="en-US"/>
           </a:p>
@@ -1081,7 +1082,7 @@
           <a:p>
             <a:fld id="{E3D73925-1C9D-4260-9916-5C888C48B0A2}" type="datetimeFigureOut">
               <a:rPr lang="en-US" smtClean="0"/>
-              <a:t>9/20/16</a:t>
+              <a:t>9/21/2016</a:t>
             </a:fld>
             <a:endParaRPr lang="en-US"/>
           </a:p>
@@ -1369,7 +1370,7 @@
           <a:p>
             <a:fld id="{E3D73925-1C9D-4260-9916-5C888C48B0A2}" type="datetimeFigureOut">
               <a:rPr lang="en-US" smtClean="0"/>
-              <a:t>9/20/16</a:t>
+              <a:t>9/21/2016</a:t>
             </a:fld>
             <a:endParaRPr lang="en-US"/>
           </a:p>
@@ -1791,7 +1792,7 @@
           <a:p>
             <a:fld id="{E3D73925-1C9D-4260-9916-5C888C48B0A2}" type="datetimeFigureOut">
               <a:rPr lang="en-US" smtClean="0"/>
-              <a:t>9/20/16</a:t>
+              <a:t>9/21/2016</a:t>
             </a:fld>
             <a:endParaRPr lang="en-US"/>
           </a:p>
@@ -1909,7 +1910,7 @@
           <a:p>
             <a:fld id="{E3D73925-1C9D-4260-9916-5C888C48B0A2}" type="datetimeFigureOut">
               <a:rPr lang="en-US" smtClean="0"/>
-              <a:t>9/20/16</a:t>
+              <a:t>9/21/2016</a:t>
             </a:fld>
             <a:endParaRPr lang="en-US"/>
           </a:p>
@@ -2004,7 +2005,7 @@
           <a:p>
             <a:fld id="{E3D73925-1C9D-4260-9916-5C888C48B0A2}" type="datetimeFigureOut">
               <a:rPr lang="en-US" smtClean="0"/>
-              <a:t>9/20/16</a:t>
+              <a:t>9/21/2016</a:t>
             </a:fld>
             <a:endParaRPr lang="en-US"/>
           </a:p>
@@ -2281,7 +2282,7 @@
           <a:p>
             <a:fld id="{E3D73925-1C9D-4260-9916-5C888C48B0A2}" type="datetimeFigureOut">
               <a:rPr lang="en-US" smtClean="0"/>
-              <a:t>9/20/16</a:t>
+              <a:t>9/21/2016</a:t>
             </a:fld>
             <a:endParaRPr lang="en-US"/>
           </a:p>
@@ -2534,7 +2535,7 @@
           <a:p>
             <a:fld id="{E3D73925-1C9D-4260-9916-5C888C48B0A2}" type="datetimeFigureOut">
               <a:rPr lang="en-US" smtClean="0"/>
-              <a:t>9/20/16</a:t>
+              <a:t>9/21/2016</a:t>
             </a:fld>
             <a:endParaRPr lang="en-US"/>
           </a:p>
@@ -2747,7 +2748,7 @@
           <a:p>
             <a:fld id="{E3D73925-1C9D-4260-9916-5C888C48B0A2}" type="datetimeFigureOut">
               <a:rPr lang="en-US" smtClean="0"/>
-              <a:t>9/20/16</a:t>
+              <a:t>9/21/2016</a:t>
             </a:fld>
             <a:endParaRPr lang="en-US"/>
           </a:p>
@@ -3214,7 +3215,7 @@
           </a:prstGeom>
           <a:noFill/>
           <a:extLst>
-            <a:ext uri="{909E8E84-426E-40dd-AFC4-6F175D3DCCD1}">
+            <a:ext uri="{909E8E84-426E-40DD-AFC4-6F175D3DCCD1}">
               <a14:hiddenFill xmlns:a14="http://schemas.microsoft.com/office/drawing/2010/main">
                 <a:solidFill>
                   <a:srgbClr val="FFFFFF"/>
@@ -3255,7 +3256,7 @@
           </a:prstGeom>
           <a:noFill/>
           <a:extLst>
-            <a:ext uri="{909E8E84-426E-40dd-AFC4-6F175D3DCCD1}">
+            <a:ext uri="{909E8E84-426E-40DD-AFC4-6F175D3DCCD1}">
               <a14:hiddenFill xmlns:a14="http://schemas.microsoft.com/office/drawing/2010/main">
                 <a:solidFill>
                   <a:srgbClr val="FFFFFF"/>
@@ -3478,7 +3479,7 @@
           </a:prstGeom>
           <a:noFill/>
           <a:extLst>
-            <a:ext uri="{909E8E84-426E-40dd-AFC4-6F175D3DCCD1}">
+            <a:ext uri="{909E8E84-426E-40DD-AFC4-6F175D3DCCD1}">
               <a14:hiddenFill xmlns:a14="http://schemas.microsoft.com/office/drawing/2010/main">
                 <a:solidFill>
                   <a:srgbClr val="FFFFFF"/>
@@ -3549,7 +3550,7 @@
           </a:prstGeom>
           <a:noFill/>
           <a:extLst>
-            <a:ext uri="{909E8E84-426E-40dd-AFC4-6F175D3DCCD1}">
+            <a:ext uri="{909E8E84-426E-40DD-AFC4-6F175D3DCCD1}">
               <a14:hiddenFill xmlns:a14="http://schemas.microsoft.com/office/drawing/2010/main">
                 <a:solidFill>
                   <a:srgbClr val="FFFFFF"/>
@@ -3772,7 +3773,7 @@
           </a:prstGeom>
           <a:noFill/>
           <a:extLst>
-            <a:ext uri="{909E8E84-426E-40dd-AFC4-6F175D3DCCD1}">
+            <a:ext uri="{909E8E84-426E-40DD-AFC4-6F175D3DCCD1}">
               <a14:hiddenFill xmlns:a14="http://schemas.microsoft.com/office/drawing/2010/main">
                 <a:solidFill>
                   <a:srgbClr val="FFFFFF"/>
@@ -3843,7 +3844,7 @@
           </a:prstGeom>
           <a:noFill/>
           <a:extLst>
-            <a:ext uri="{909E8E84-426E-40dd-AFC4-6F175D3DCCD1}">
+            <a:ext uri="{909E8E84-426E-40DD-AFC4-6F175D3DCCD1}">
               <a14:hiddenFill xmlns:a14="http://schemas.microsoft.com/office/drawing/2010/main">
                 <a:solidFill>
                   <a:srgbClr val="FFFFFF"/>
@@ -4066,7 +4067,7 @@
           </a:prstGeom>
           <a:noFill/>
           <a:extLst>
-            <a:ext uri="{909E8E84-426E-40dd-AFC4-6F175D3DCCD1}">
+            <a:ext uri="{909E8E84-426E-40DD-AFC4-6F175D3DCCD1}">
               <a14:hiddenFill xmlns:a14="http://schemas.microsoft.com/office/drawing/2010/main">
                 <a:solidFill>
                   <a:srgbClr val="FFFFFF"/>
@@ -4107,7 +4108,7 @@
           </a:prstGeom>
           <a:noFill/>
           <a:extLst>
-            <a:ext uri="{909E8E84-426E-40dd-AFC4-6F175D3DCCD1}">
+            <a:ext uri="{909E8E84-426E-40DD-AFC4-6F175D3DCCD1}">
               <a14:hiddenFill xmlns:a14="http://schemas.microsoft.com/office/drawing/2010/main">
                 <a:solidFill>
                   <a:srgbClr val="FFFFFF"/>
@@ -4148,7 +4149,7 @@
           </a:prstGeom>
           <a:noFill/>
           <a:extLst>
-            <a:ext uri="{909E8E84-426E-40dd-AFC4-6F175D3DCCD1}">
+            <a:ext uri="{909E8E84-426E-40DD-AFC4-6F175D3DCCD1}">
               <a14:hiddenFill xmlns:a14="http://schemas.microsoft.com/office/drawing/2010/main">
                 <a:solidFill>
                   <a:srgbClr val="FFFFFF"/>
@@ -4189,7 +4190,7 @@
           </a:prstGeom>
           <a:noFill/>
           <a:extLst>
-            <a:ext uri="{909E8E84-426E-40dd-AFC4-6F175D3DCCD1}">
+            <a:ext uri="{909E8E84-426E-40DD-AFC4-6F175D3DCCD1}">
               <a14:hiddenFill xmlns:a14="http://schemas.microsoft.com/office/drawing/2010/main">
                 <a:solidFill>
                   <a:srgbClr val="FFFFFF"/>
@@ -4782,11 +4783,7 @@
             </a:r>
             <a:r>
               <a:rPr lang="en-US" b="1" dirty="0" smtClean="0"/>
-              <a:t>a specific </a:t>
-            </a:r>
-            <a:r>
-              <a:rPr lang="en-US" b="1" dirty="0" smtClean="0"/>
-              <a:t>version</a:t>
+              <a:t>a specific version</a:t>
             </a:r>
             <a:endParaRPr lang="en-US" dirty="0" smtClean="0"/>
           </a:p>
@@ -4935,11 +4932,7 @@
             </a:r>
             <a:r>
               <a:rPr lang="en-US" b="1" dirty="0" smtClean="0"/>
-              <a:t>a specific </a:t>
-            </a:r>
-            <a:r>
-              <a:rPr lang="en-US" b="1" dirty="0" smtClean="0"/>
-              <a:t>version</a:t>
+              <a:t>a specific version</a:t>
             </a:r>
             <a:endParaRPr lang="en-US" dirty="0" smtClean="0"/>
           </a:p>
@@ -5885,14 +5878,14 @@
           </a:ln>
           <a:effectLst/>
           <a:extLst>
-            <a:ext uri="{909E8E84-426E-40dd-AFC4-6F175D3DCCD1}">
+            <a:ext uri="{909E8E84-426E-40DD-AFC4-6F175D3DCCD1}">
               <a14:hiddenFill xmlns:a14="http://schemas.microsoft.com/office/drawing/2010/main">
                 <a:solidFill>
                   <a:schemeClr val="accent1"/>
                 </a:solidFill>
               </a14:hiddenFill>
             </a:ext>
-            <a:ext uri="{91240B29-F687-4f45-9708-019B960494DF}">
+            <a:ext uri="{91240B29-F687-4F45-9708-019B960494DF}">
               <a14:hiddenLine xmlns:a14="http://schemas.microsoft.com/office/drawing/2010/main" w="9525">
                 <a:solidFill>
                   <a:schemeClr val="tx1"/>
@@ -5902,7 +5895,7 @@
                 <a:tailEnd/>
               </a14:hiddenLine>
             </a:ext>
-            <a:ext uri="{AF507438-7753-43e0-B8FC-AC1667EBCBE1}">
+            <a:ext uri="{AF507438-7753-43E0-B8FC-AC1667EBCBE1}">
               <a14:hiddenEffects xmlns:a14="http://schemas.microsoft.com/office/drawing/2010/main">
                 <a:effectLst>
                   <a:outerShdw dist="35921" dir="2700000" algn="ctr" rotWithShape="0">
@@ -5983,14 +5976,14 @@
           </a:ln>
           <a:effectLst/>
           <a:extLst>
-            <a:ext uri="{909E8E84-426E-40dd-AFC4-6F175D3DCCD1}">
+            <a:ext uri="{909E8E84-426E-40DD-AFC4-6F175D3DCCD1}">
               <a14:hiddenFill xmlns:a14="http://schemas.microsoft.com/office/drawing/2010/main">
                 <a:solidFill>
                   <a:schemeClr val="accent1"/>
                 </a:solidFill>
               </a14:hiddenFill>
             </a:ext>
-            <a:ext uri="{91240B29-F687-4f45-9708-019B960494DF}">
+            <a:ext uri="{91240B29-F687-4F45-9708-019B960494DF}">
               <a14:hiddenLine xmlns:a14="http://schemas.microsoft.com/office/drawing/2010/main" w="9525">
                 <a:solidFill>
                   <a:schemeClr val="tx1"/>
@@ -6000,7 +5993,7 @@
                 <a:tailEnd/>
               </a14:hiddenLine>
             </a:ext>
-            <a:ext uri="{AF507438-7753-43e0-B8FC-AC1667EBCBE1}">
+            <a:ext uri="{AF507438-7753-43E0-B8FC-AC1667EBCBE1}">
               <a14:hiddenEffects xmlns:a14="http://schemas.microsoft.com/office/drawing/2010/main">
                 <a:effectLst>
                   <a:outerShdw dist="35921" dir="2700000" algn="ctr" rotWithShape="0">
@@ -6073,7 +6066,7 @@
           </a:prstGeom>
           <a:noFill/>
           <a:extLst>
-            <a:ext uri="{909E8E84-426E-40dd-AFC4-6F175D3DCCD1}">
+            <a:ext uri="{909E8E84-426E-40DD-AFC4-6F175D3DCCD1}">
               <a14:hiddenFill xmlns:a14="http://schemas.microsoft.com/office/drawing/2010/main">
                 <a:solidFill>
                   <a:srgbClr val="FFFFFF"/>
@@ -6147,39 +6140,16 @@
           <a:chExt cx="0" cy="0"/>
         </a:xfrm>
       </p:grpSpPr>
-      <p:sp>
-        <p:nvSpPr>
-          <p:cNvPr id="2" name="Title 1"/>
-          <p:cNvSpPr>
-            <a:spLocks noGrp="1"/>
-          </p:cNvSpPr>
-          <p:nvPr>
-            <p:ph type="title"/>
-          </p:nvPr>
-        </p:nvSpPr>
-        <p:spPr/>
-        <p:txBody>
-          <a:bodyPr/>
-          <a:lstStyle/>
-          <a:p>
-            <a:r>
-              <a:rPr lang="en-US" b="1" dirty="0" smtClean="0"/>
-              <a:t>pull</a:t>
-            </a:r>
-            <a:endParaRPr lang="en-US" b="1" dirty="0"/>
-          </a:p>
-        </p:txBody>
-      </p:sp>
       <p:pic>
         <p:nvPicPr>
-          <p:cNvPr id="4" name="Picture 4" descr="http://allthingsd.com/files/2009/06/macbookpro.jpeg"/>
+          <p:cNvPr id="7170" name="Picture 2"/>
           <p:cNvPicPr>
             <a:picLocks noChangeAspect="1" noChangeArrowheads="1"/>
           </p:cNvPicPr>
           <p:nvPr/>
         </p:nvPicPr>
         <p:blipFill>
-          <a:blip r:embed="rId2" cstate="print">
+          <a:blip r:embed="rId2">
             <a:extLst>
               <a:ext uri="{28A0092B-C50C-407E-A947-70E740481C1C}">
                 <a14:useLocalDpi xmlns:a14="http://schemas.microsoft.com/office/drawing/2010/main" val="0"/>
@@ -6193,34 +6163,57 @@
         </p:blipFill>
         <p:spPr bwMode="auto">
           <a:xfrm>
-            <a:off x="558658" y="4152900"/>
-            <a:ext cx="2069817" cy="1381126"/>
+            <a:off x="381000" y="3929063"/>
+            <a:ext cx="5186362" cy="2776537"/>
           </a:xfrm>
           <a:prstGeom prst="rect">
             <a:avLst/>
           </a:prstGeom>
           <a:noFill/>
+          <a:ln>
+            <a:noFill/>
+          </a:ln>
+          <a:effectLst/>
           <a:extLst>
-            <a:ext uri="{909E8E84-426E-40dd-AFC4-6F175D3DCCD1}">
+            <a:ext uri="{909E8E84-426E-40DD-AFC4-6F175D3DCCD1}">
               <a14:hiddenFill xmlns:a14="http://schemas.microsoft.com/office/drawing/2010/main">
                 <a:solidFill>
-                  <a:srgbClr val="FFFFFF"/>
+                  <a:schemeClr val="accent1"/>
                 </a:solidFill>
               </a14:hiddenFill>
             </a:ext>
+            <a:ext uri="{91240B29-F687-4F45-9708-019B960494DF}">
+              <a14:hiddenLine xmlns:a14="http://schemas.microsoft.com/office/drawing/2010/main" w="9525">
+                <a:solidFill>
+                  <a:schemeClr val="tx1"/>
+                </a:solidFill>
+                <a:miter lim="800000"/>
+                <a:headEnd/>
+                <a:tailEnd/>
+              </a14:hiddenLine>
+            </a:ext>
+            <a:ext uri="{AF507438-7753-43E0-B8FC-AC1667EBCBE1}">
+              <a14:hiddenEffects xmlns:a14="http://schemas.microsoft.com/office/drawing/2010/main">
+                <a:effectLst>
+                  <a:outerShdw dist="35921" dir="2700000" algn="ctr" rotWithShape="0">
+                    <a:schemeClr val="bg2"/>
+                  </a:outerShdw>
+                </a:effectLst>
+              </a14:hiddenEffects>
+            </a:ext>
           </a:extLst>
         </p:spPr>
       </p:pic>
       <p:sp>
         <p:nvSpPr>
-          <p:cNvPr id="5" name="TextBox 4"/>
+          <p:cNvPr id="6" name="TextBox 5"/>
           <p:cNvSpPr txBox="1"/>
           <p:nvPr/>
         </p:nvSpPr>
         <p:spPr>
           <a:xfrm>
-            <a:off x="914400" y="3334205"/>
-            <a:ext cx="1905000" cy="369332"/>
+            <a:off x="2315186" y="3360843"/>
+            <a:ext cx="1342034" cy="369332"/>
           </a:xfrm>
           <a:prstGeom prst="rect">
             <a:avLst/>
@@ -6228,95 +6221,33 @@
           <a:noFill/>
         </p:spPr>
         <p:txBody>
-          <a:bodyPr wrap="square" rtlCol="0">
+          <a:bodyPr wrap="none" rtlCol="0">
             <a:spAutoFit/>
           </a:bodyPr>
           <a:lstStyle/>
           <a:p>
             <a:r>
-              <a:rPr lang="en-US" dirty="0" smtClean="0"/>
-              <a:t>My Computer</a:t>
-            </a:r>
-            <a:endParaRPr lang="en-US" dirty="0"/>
-          </a:p>
-        </p:txBody>
-      </p:sp>
-      <p:sp>
-        <p:nvSpPr>
-          <p:cNvPr id="6" name="TextBox 5"/>
-          <p:cNvSpPr txBox="1"/>
-          <p:nvPr/>
-        </p:nvSpPr>
-        <p:spPr>
-          <a:xfrm>
-            <a:off x="5715000" y="1754787"/>
-            <a:ext cx="1905000" cy="369332"/>
-          </a:xfrm>
-          <a:prstGeom prst="rect">
-            <a:avLst/>
-          </a:prstGeom>
-          <a:noFill/>
-        </p:spPr>
-        <p:txBody>
-          <a:bodyPr wrap="square" rtlCol="0">
-            <a:spAutoFit/>
-          </a:bodyPr>
-          <a:lstStyle/>
-          <a:p>
-            <a:r>
-              <a:rPr lang="en-US" dirty="0" smtClean="0"/>
-              <a:t>The “cloud”</a:t>
-            </a:r>
-            <a:endParaRPr lang="en-US" dirty="0"/>
-          </a:p>
-        </p:txBody>
-      </p:sp>
-      <p:cxnSp>
-        <p:nvCxnSpPr>
-          <p:cNvPr id="8" name="Straight Arrow Connector 7"/>
-          <p:cNvCxnSpPr/>
-          <p:nvPr/>
-        </p:nvCxnSpPr>
-        <p:spPr>
-          <a:xfrm flipH="1">
-            <a:off x="2362200" y="3886200"/>
-            <a:ext cx="2209800" cy="838200"/>
-          </a:xfrm>
-          <a:prstGeom prst="straightConnector1">
-            <a:avLst/>
-          </a:prstGeom>
-          <a:ln>
-            <a:solidFill>
-              <a:schemeClr val="tx1"/>
-            </a:solidFill>
-            <a:tailEnd type="arrow"/>
-          </a:ln>
-        </p:spPr>
-        <p:style>
-          <a:lnRef idx="1">
-            <a:schemeClr val="accent1"/>
-          </a:lnRef>
-          <a:fillRef idx="0">
-            <a:schemeClr val="accent1"/>
-          </a:fillRef>
-          <a:effectRef idx="0">
-            <a:schemeClr val="accent1"/>
-          </a:effectRef>
-          <a:fontRef idx="minor">
-            <a:schemeClr val="tx1"/>
-          </a:fontRef>
-        </p:style>
-      </p:cxnSp>
+              <a:rPr lang="en-US" b="1" dirty="0" err="1" smtClean="0"/>
+              <a:t>Github</a:t>
+            </a:r>
+            <a:r>
+              <a:rPr lang="en-US" b="1" dirty="0" smtClean="0"/>
+              <a:t> App:</a:t>
+            </a:r>
+            <a:endParaRPr lang="en-US" b="1" dirty="0"/>
+          </a:p>
+        </p:txBody>
+      </p:sp>
       <p:pic>
         <p:nvPicPr>
-          <p:cNvPr id="12" name="Picture 6" descr="http://pngimg.com/upload/cloud_PNG16.png"/>
+          <p:cNvPr id="7171" name="Picture 3"/>
           <p:cNvPicPr>
             <a:picLocks noChangeAspect="1" noChangeArrowheads="1"/>
           </p:cNvPicPr>
           <p:nvPr/>
         </p:nvPicPr>
         <p:blipFill>
-          <a:blip r:embed="rId3" cstate="print">
+          <a:blip r:embed="rId3">
             <a:extLst>
               <a:ext uri="{28A0092B-C50C-407E-A947-70E740481C1C}">
                 <a14:useLocalDpi xmlns:a14="http://schemas.microsoft.com/office/drawing/2010/main" val="0"/>
@@ -6330,15 +6261,109 @@
         </p:blipFill>
         <p:spPr bwMode="auto">
           <a:xfrm>
-            <a:off x="3657600" y="1754787"/>
-            <a:ext cx="5096157" cy="3306862"/>
+            <a:off x="5410200" y="2441518"/>
+            <a:ext cx="3627989" cy="2114074"/>
+          </a:xfrm>
+          <a:prstGeom prst="rect">
+            <a:avLst/>
+          </a:prstGeom>
+          <a:noFill/>
+          <a:ln>
+            <a:noFill/>
+          </a:ln>
+          <a:effectLst/>
+          <a:extLst>
+            <a:ext uri="{909E8E84-426E-40DD-AFC4-6F175D3DCCD1}">
+              <a14:hiddenFill xmlns:a14="http://schemas.microsoft.com/office/drawing/2010/main">
+                <a:solidFill>
+                  <a:schemeClr val="accent1"/>
+                </a:solidFill>
+              </a14:hiddenFill>
+            </a:ext>
+            <a:ext uri="{91240B29-F687-4F45-9708-019B960494DF}">
+              <a14:hiddenLine xmlns:a14="http://schemas.microsoft.com/office/drawing/2010/main" w="9525">
+                <a:solidFill>
+                  <a:schemeClr val="tx1"/>
+                </a:solidFill>
+                <a:miter lim="800000"/>
+                <a:headEnd/>
+                <a:tailEnd/>
+              </a14:hiddenLine>
+            </a:ext>
+            <a:ext uri="{AF507438-7753-43E0-B8FC-AC1667EBCBE1}">
+              <a14:hiddenEffects xmlns:a14="http://schemas.microsoft.com/office/drawing/2010/main">
+                <a:effectLst>
+                  <a:outerShdw dist="35921" dir="2700000" algn="ctr" rotWithShape="0">
+                    <a:schemeClr val="bg2"/>
+                  </a:outerShdw>
+                </a:effectLst>
+              </a14:hiddenEffects>
+            </a:ext>
+          </a:extLst>
+        </p:spPr>
+      </p:pic>
+      <p:sp>
+        <p:nvSpPr>
+          <p:cNvPr id="9" name="TextBox 8"/>
+          <p:cNvSpPr txBox="1"/>
+          <p:nvPr/>
+        </p:nvSpPr>
+        <p:spPr>
+          <a:xfrm>
+            <a:off x="6553177" y="1892445"/>
+            <a:ext cx="1634678" cy="369332"/>
+          </a:xfrm>
+          <a:prstGeom prst="rect">
+            <a:avLst/>
+          </a:prstGeom>
+          <a:noFill/>
+        </p:spPr>
+        <p:txBody>
+          <a:bodyPr wrap="none" rtlCol="0">
+            <a:spAutoFit/>
+          </a:bodyPr>
+          <a:lstStyle/>
+          <a:p>
+            <a:r>
+              <a:rPr lang="en-US" b="1" dirty="0" smtClean="0"/>
+              <a:t>Terminal/Bash:</a:t>
+            </a:r>
+            <a:endParaRPr lang="en-US" b="1" dirty="0"/>
+          </a:p>
+        </p:txBody>
+      </p:sp>
+      <p:pic>
+        <p:nvPicPr>
+          <p:cNvPr id="7173" name="Picture 5" descr="Image"/>
+          <p:cNvPicPr>
+            <a:picLocks noChangeAspect="1" noChangeArrowheads="1"/>
+          </p:cNvPicPr>
+          <p:nvPr/>
+        </p:nvPicPr>
+        <p:blipFill>
+          <a:blip r:embed="rId4" cstate="print">
+            <a:extLst>
+              <a:ext uri="{28A0092B-C50C-407E-A947-70E740481C1C}">
+                <a14:useLocalDpi xmlns:a14="http://schemas.microsoft.com/office/drawing/2010/main" val="0"/>
+              </a:ext>
+            </a:extLst>
+          </a:blip>
+          <a:srcRect/>
+          <a:stretch>
+            <a:fillRect/>
+          </a:stretch>
+        </p:blipFill>
+        <p:spPr bwMode="auto">
+          <a:xfrm>
+            <a:off x="838200" y="753374"/>
+            <a:ext cx="3910590" cy="2554864"/>
           </a:xfrm>
           <a:prstGeom prst="rect">
             <a:avLst/>
           </a:prstGeom>
           <a:noFill/>
           <a:extLst>
-            <a:ext uri="{909E8E84-426E-40dd-AFC4-6F175D3DCCD1}">
+            <a:ext uri="{909E8E84-426E-40DD-AFC4-6F175D3DCCD1}">
               <a14:hiddenFill xmlns:a14="http://schemas.microsoft.com/office/drawing/2010/main">
                 <a:solidFill>
                   <a:srgbClr val="FFFFFF"/>
@@ -6348,10 +6373,180 @@
           </a:extLst>
         </p:spPr>
       </p:pic>
+      <p:sp>
+        <p:nvSpPr>
+          <p:cNvPr id="11" name="TextBox 10"/>
+          <p:cNvSpPr txBox="1"/>
+          <p:nvPr/>
+        </p:nvSpPr>
+        <p:spPr>
+          <a:xfrm>
+            <a:off x="2057400" y="152400"/>
+            <a:ext cx="991938" cy="369332"/>
+          </a:xfrm>
+          <a:prstGeom prst="rect">
+            <a:avLst/>
+          </a:prstGeom>
+          <a:noFill/>
+        </p:spPr>
+        <p:txBody>
+          <a:bodyPr wrap="none" rtlCol="0">
+            <a:spAutoFit/>
+          </a:bodyPr>
+          <a:lstStyle/>
+          <a:p>
+            <a:r>
+              <a:rPr lang="en-US" b="1" dirty="0" err="1" smtClean="0"/>
+              <a:t>Rstudio</a:t>
+            </a:r>
+            <a:r>
+              <a:rPr lang="en-US" b="1" dirty="0" smtClean="0"/>
+              <a:t>:</a:t>
+            </a:r>
+            <a:endParaRPr lang="en-US" b="1" dirty="0"/>
+          </a:p>
+        </p:txBody>
+      </p:sp>
+      <p:sp>
+        <p:nvSpPr>
+          <p:cNvPr id="2" name="TextBox 1"/>
+          <p:cNvSpPr txBox="1"/>
+          <p:nvPr/>
+        </p:nvSpPr>
+        <p:spPr>
+          <a:xfrm>
+            <a:off x="6096000" y="337066"/>
+            <a:ext cx="697627" cy="369332"/>
+          </a:xfrm>
+          <a:prstGeom prst="rect">
+            <a:avLst/>
+          </a:prstGeom>
+          <a:noFill/>
+        </p:spPr>
+        <p:txBody>
+          <a:bodyPr wrap="none" rtlCol="0">
+            <a:spAutoFit/>
+          </a:bodyPr>
+          <a:lstStyle/>
+          <a:p>
+            <a:r>
+              <a:rPr lang="en-US" dirty="0" smtClean="0"/>
+              <a:t>Mac?</a:t>
+            </a:r>
+            <a:endParaRPr lang="en-US" dirty="0"/>
+          </a:p>
+        </p:txBody>
+      </p:sp>
+      <p:cxnSp>
+        <p:nvCxnSpPr>
+          <p:cNvPr id="4" name="Straight Arrow Connector 3"/>
+          <p:cNvCxnSpPr>
+            <a:stCxn id="2" idx="1"/>
+          </p:cNvCxnSpPr>
+          <p:nvPr/>
+        </p:nvCxnSpPr>
+        <p:spPr>
+          <a:xfrm flipH="1" flipV="1">
+            <a:off x="3276600" y="337066"/>
+            <a:ext cx="2819400" cy="184666"/>
+          </a:xfrm>
+          <a:prstGeom prst="straightConnector1">
+            <a:avLst/>
+          </a:prstGeom>
+          <a:ln>
+            <a:solidFill>
+              <a:schemeClr val="tx1"/>
+            </a:solidFill>
+            <a:tailEnd type="arrow"/>
+          </a:ln>
+        </p:spPr>
+        <p:style>
+          <a:lnRef idx="1">
+            <a:schemeClr val="accent1"/>
+          </a:lnRef>
+          <a:fillRef idx="0">
+            <a:schemeClr val="accent1"/>
+          </a:fillRef>
+          <a:effectRef idx="0">
+            <a:schemeClr val="accent1"/>
+          </a:effectRef>
+          <a:fontRef idx="minor">
+            <a:schemeClr val="tx1"/>
+          </a:fontRef>
+        </p:style>
+      </p:cxnSp>
+      <p:sp>
+        <p:nvSpPr>
+          <p:cNvPr id="12" name="TextBox 11"/>
+          <p:cNvSpPr txBox="1"/>
+          <p:nvPr/>
+        </p:nvSpPr>
+        <p:spPr>
+          <a:xfrm>
+            <a:off x="6474225" y="779834"/>
+            <a:ext cx="1167564" cy="369332"/>
+          </a:xfrm>
+          <a:prstGeom prst="rect">
+            <a:avLst/>
+          </a:prstGeom>
+          <a:noFill/>
+        </p:spPr>
+        <p:txBody>
+          <a:bodyPr wrap="none" rtlCol="0">
+            <a:spAutoFit/>
+          </a:bodyPr>
+          <a:lstStyle/>
+          <a:p>
+            <a:r>
+              <a:rPr lang="en-US" dirty="0" smtClean="0"/>
+              <a:t>Windows?</a:t>
+            </a:r>
+            <a:endParaRPr lang="en-US" dirty="0"/>
+          </a:p>
+        </p:txBody>
+      </p:sp>
+      <p:cxnSp>
+        <p:nvCxnSpPr>
+          <p:cNvPr id="7" name="Straight Arrow Connector 6"/>
+          <p:cNvCxnSpPr>
+            <a:stCxn id="12" idx="1"/>
+          </p:cNvCxnSpPr>
+          <p:nvPr/>
+        </p:nvCxnSpPr>
+        <p:spPr>
+          <a:xfrm flipH="1">
+            <a:off x="3733800" y="964500"/>
+            <a:ext cx="2740425" cy="2581009"/>
+          </a:xfrm>
+          <a:prstGeom prst="straightConnector1">
+            <a:avLst/>
+          </a:prstGeom>
+          <a:ln>
+            <a:solidFill>
+              <a:schemeClr val="tx1"/>
+            </a:solidFill>
+            <a:tailEnd type="arrow"/>
+          </a:ln>
+        </p:spPr>
+        <p:style>
+          <a:lnRef idx="1">
+            <a:schemeClr val="accent1"/>
+          </a:lnRef>
+          <a:fillRef idx="0">
+            <a:schemeClr val="accent1"/>
+          </a:fillRef>
+          <a:effectRef idx="0">
+            <a:schemeClr val="accent1"/>
+          </a:effectRef>
+          <a:fontRef idx="minor">
+            <a:schemeClr val="tx1"/>
+          </a:fontRef>
+        </p:style>
+      </p:cxnSp>
     </p:spTree>
     <p:extLst>
       <p:ext uri="{BB962C8B-B14F-4D97-AF65-F5344CB8AC3E}">
-        <p14:creationId xmlns:p14="http://schemas.microsoft.com/office/powerpoint/2010/main" val="381013463"/>
+        <p14:creationId xmlns:p14="http://schemas.microsoft.com/office/powerpoint/2010/main" val="2500523600"/>
       </p:ext>
     </p:extLst>
   </p:cSld>
@@ -6395,7 +6590,7 @@
           <a:p>
             <a:r>
               <a:rPr lang="en-US" b="1" dirty="0" smtClean="0"/>
-              <a:t>add</a:t>
+              <a:t>pull</a:t>
             </a:r>
             <a:endParaRPr lang="en-US" b="1" dirty="0"/>
           </a:p>
@@ -6432,7 +6627,7 @@
           </a:prstGeom>
           <a:noFill/>
           <a:extLst>
-            <a:ext uri="{909E8E84-426E-40dd-AFC4-6F175D3DCCD1}">
+            <a:ext uri="{909E8E84-426E-40DD-AFC4-6F175D3DCCD1}">
               <a14:hiddenFill xmlns:a14="http://schemas.microsoft.com/office/drawing/2010/main">
                 <a:solidFill>
                   <a:srgbClr val="FFFFFF"/>
@@ -6504,14 +6699,14 @@
       </p:sp>
       <p:cxnSp>
         <p:nvCxnSpPr>
-          <p:cNvPr id="7" name="Straight Arrow Connector 6"/>
+          <p:cNvPr id="8" name="Straight Arrow Connector 7"/>
           <p:cNvCxnSpPr/>
           <p:nvPr/>
         </p:nvCxnSpPr>
         <p:spPr>
-          <a:xfrm>
-            <a:off x="1676400" y="5486400"/>
-            <a:ext cx="304800" cy="381000"/>
+          <a:xfrm flipH="1">
+            <a:off x="2362200" y="3886200"/>
+            <a:ext cx="2209800" cy="838200"/>
           </a:xfrm>
           <a:prstGeom prst="straightConnector1">
             <a:avLst/>
@@ -6569,7 +6764,7 @@
           </a:prstGeom>
           <a:noFill/>
           <a:extLst>
-            <a:ext uri="{909E8E84-426E-40dd-AFC4-6F175D3DCCD1}">
+            <a:ext uri="{909E8E84-426E-40DD-AFC4-6F175D3DCCD1}">
               <a14:hiddenFill xmlns:a14="http://schemas.microsoft.com/office/drawing/2010/main">
                 <a:solidFill>
                   <a:srgbClr val="FFFFFF"/>
@@ -6579,84 +6774,10 @@
           </a:extLst>
         </p:spPr>
       </p:pic>
-      <p:pic>
-        <p:nvPicPr>
-          <p:cNvPr id="23" name="Picture 22"/>
-          <p:cNvPicPr>
-            <a:picLocks noChangeAspect="1"/>
-          </p:cNvPicPr>
-          <p:nvPr/>
-        </p:nvPicPr>
-        <p:blipFill>
-          <a:blip r:embed="rId4"/>
-          <a:stretch>
-            <a:fillRect/>
-          </a:stretch>
-        </p:blipFill>
-        <p:spPr>
-          <a:xfrm>
-            <a:off x="1828800" y="5943600"/>
-            <a:ext cx="762000" cy="449072"/>
-          </a:xfrm>
-          <a:prstGeom prst="rect">
-            <a:avLst/>
-          </a:prstGeom>
-        </p:spPr>
-      </p:pic>
-      <p:sp>
-        <p:nvSpPr>
-          <p:cNvPr id="25" name="Rectangle 24"/>
-          <p:cNvSpPr/>
-          <p:nvPr/>
-        </p:nvSpPr>
-        <p:spPr>
-          <a:xfrm>
-            <a:off x="2667000" y="5638800"/>
-            <a:ext cx="1066800" cy="914400"/>
-          </a:xfrm>
-          <a:prstGeom prst="rect">
-            <a:avLst/>
-          </a:prstGeom>
-          <a:solidFill>
-            <a:schemeClr val="bg1">
-              <a:lumMod val="50000"/>
-            </a:schemeClr>
-          </a:solidFill>
-          <a:ln>
-            <a:noFill/>
-          </a:ln>
-        </p:spPr>
-        <p:style>
-          <a:lnRef idx="1">
-            <a:schemeClr val="accent1"/>
-          </a:lnRef>
-          <a:fillRef idx="3">
-            <a:schemeClr val="accent1"/>
-          </a:fillRef>
-          <a:effectRef idx="2">
-            <a:schemeClr val="accent1"/>
-          </a:effectRef>
-          <a:fontRef idx="minor">
-            <a:schemeClr val="lt1"/>
-          </a:fontRef>
-        </p:style>
-        <p:txBody>
-          <a:bodyPr rtlCol="0" anchor="ctr"/>
-          <a:lstStyle/>
-          <a:p>
-            <a:pPr algn="ctr"/>
-            <a:r>
-              <a:rPr lang="en-US" dirty="0" smtClean="0"/>
-              <a:t>Files to keep track of</a:t>
-            </a:r>
-            <a:endParaRPr lang="en-US" dirty="0"/>
-          </a:p>
-        </p:txBody>
-      </p:sp>
     </p:spTree>
     <p:extLst>
       <p:ext uri="{BB962C8B-B14F-4D97-AF65-F5344CB8AC3E}">
-        <p14:creationId xmlns:p14="http://schemas.microsoft.com/office/powerpoint/2010/main" val="1112354265"/>
+        <p14:creationId xmlns:p14="http://schemas.microsoft.com/office/powerpoint/2010/main" val="381013463"/>
       </p:ext>
     </p:extLst>
   </p:cSld>
@@ -6700,7 +6821,7 @@
           <a:p>
             <a:r>
               <a:rPr lang="en-US" b="1" dirty="0" smtClean="0"/>
-              <a:t>commit</a:t>
+              <a:t>add</a:t>
             </a:r>
             <a:endParaRPr lang="en-US" b="1" dirty="0"/>
           </a:p>
@@ -6737,7 +6858,7 @@
           </a:prstGeom>
           <a:noFill/>
           <a:extLst>
-            <a:ext uri="{909E8E84-426E-40dd-AFC4-6F175D3DCCD1}">
+            <a:ext uri="{909E8E84-426E-40DD-AFC4-6F175D3DCCD1}">
               <a14:hiddenFill xmlns:a14="http://schemas.microsoft.com/office/drawing/2010/main">
                 <a:solidFill>
                   <a:srgbClr val="FFFFFF"/>
@@ -6814,9 +6935,9 @@
           <p:nvPr/>
         </p:nvCxnSpPr>
         <p:spPr>
-          <a:xfrm flipV="1">
-            <a:off x="3200400" y="4953000"/>
-            <a:ext cx="0" cy="609600"/>
+          <a:xfrm>
+            <a:off x="1676400" y="5486400"/>
+            <a:ext cx="304800" cy="381000"/>
           </a:xfrm>
           <a:prstGeom prst="straightConnector1">
             <a:avLst/>
@@ -6845,7 +6966,7 @@
       </p:cxnSp>
       <p:pic>
         <p:nvPicPr>
-          <p:cNvPr id="8" name="Picture 6" descr="http://pngimg.com/upload/cloud_PNG16.png"/>
+          <p:cNvPr id="12" name="Picture 6" descr="http://pngimg.com/upload/cloud_PNG16.png"/>
           <p:cNvPicPr>
             <a:picLocks noChangeAspect="1" noChangeArrowheads="1"/>
           </p:cNvPicPr>
@@ -6874,7 +6995,7 @@
           </a:prstGeom>
           <a:noFill/>
           <a:extLst>
-            <a:ext uri="{909E8E84-426E-40dd-AFC4-6F175D3DCCD1}">
+            <a:ext uri="{909E8E84-426E-40DD-AFC4-6F175D3DCCD1}">
               <a14:hiddenFill xmlns:a14="http://schemas.microsoft.com/office/drawing/2010/main">
                 <a:solidFill>
                   <a:srgbClr val="FFFFFF"/>
@@ -6884,15 +7005,39 @@
           </a:extLst>
         </p:spPr>
       </p:pic>
-      <p:sp>
-        <p:nvSpPr>
-          <p:cNvPr id="9" name="Rectangle 8"/>
+      <p:pic>
+        <p:nvPicPr>
+          <p:cNvPr id="23" name="Picture 22"/>
+          <p:cNvPicPr>
+            <a:picLocks noChangeAspect="1"/>
+          </p:cNvPicPr>
+          <p:nvPr/>
+        </p:nvPicPr>
+        <p:blipFill>
+          <a:blip r:embed="rId4"/>
+          <a:stretch>
+            <a:fillRect/>
+          </a:stretch>
+        </p:blipFill>
+        <p:spPr>
+          <a:xfrm>
+            <a:off x="1828800" y="5943600"/>
+            <a:ext cx="762000" cy="449072"/>
+          </a:xfrm>
+          <a:prstGeom prst="rect">
+            <a:avLst/>
+          </a:prstGeom>
+        </p:spPr>
+      </p:pic>
+      <p:sp>
+        <p:nvSpPr>
+          <p:cNvPr id="25" name="Rectangle 24"/>
           <p:cNvSpPr/>
           <p:nvPr/>
         </p:nvSpPr>
         <p:spPr>
           <a:xfrm>
-            <a:off x="2667000" y="3962400"/>
+            <a:off x="2667000" y="5638800"/>
             <a:ext cx="1066800" cy="914400"/>
           </a:xfrm>
           <a:prstGeom prst="rect">
@@ -6928,123 +7073,6 @@
             <a:pPr algn="ctr"/>
             <a:r>
               <a:rPr lang="en-US" dirty="0" smtClean="0"/>
-              <a:t>Saved</a:t>
-            </a:r>
-          </a:p>
-          <a:p>
-            <a:pPr algn="ctr"/>
-            <a:r>
-              <a:rPr lang="en-US" dirty="0" smtClean="0"/>
-              <a:t>Local Changes</a:t>
-            </a:r>
-            <a:endParaRPr lang="en-US" dirty="0"/>
-          </a:p>
-        </p:txBody>
-      </p:sp>
-      <p:cxnSp>
-        <p:nvCxnSpPr>
-          <p:cNvPr id="12" name="Straight Arrow Connector 11"/>
-          <p:cNvCxnSpPr/>
-          <p:nvPr/>
-        </p:nvCxnSpPr>
-        <p:spPr>
-          <a:xfrm>
-            <a:off x="1676400" y="5486400"/>
-            <a:ext cx="304800" cy="381000"/>
-          </a:xfrm>
-          <a:prstGeom prst="straightConnector1">
-            <a:avLst/>
-          </a:prstGeom>
-          <a:ln>
-            <a:solidFill>
-              <a:schemeClr val="tx1"/>
-            </a:solidFill>
-            <a:tailEnd type="arrow"/>
-          </a:ln>
-        </p:spPr>
-        <p:style>
-          <a:lnRef idx="1">
-            <a:schemeClr val="accent1"/>
-          </a:lnRef>
-          <a:fillRef idx="0">
-            <a:schemeClr val="accent1"/>
-          </a:fillRef>
-          <a:effectRef idx="0">
-            <a:schemeClr val="accent1"/>
-          </a:effectRef>
-          <a:fontRef idx="minor">
-            <a:schemeClr val="tx1"/>
-          </a:fontRef>
-        </p:style>
-      </p:cxnSp>
-      <p:pic>
-        <p:nvPicPr>
-          <p:cNvPr id="13" name="Picture 12"/>
-          <p:cNvPicPr>
-            <a:picLocks noChangeAspect="1"/>
-          </p:cNvPicPr>
-          <p:nvPr/>
-        </p:nvPicPr>
-        <p:blipFill>
-          <a:blip r:embed="rId4"/>
-          <a:stretch>
-            <a:fillRect/>
-          </a:stretch>
-        </p:blipFill>
-        <p:spPr>
-          <a:xfrm>
-            <a:off x="1828800" y="5943600"/>
-            <a:ext cx="762000" cy="449072"/>
-          </a:xfrm>
-          <a:prstGeom prst="rect">
-            <a:avLst/>
-          </a:prstGeom>
-        </p:spPr>
-      </p:pic>
-      <p:sp>
-        <p:nvSpPr>
-          <p:cNvPr id="14" name="Rectangle 13"/>
-          <p:cNvSpPr/>
-          <p:nvPr/>
-        </p:nvSpPr>
-        <p:spPr>
-          <a:xfrm>
-            <a:off x="2667000" y="5638800"/>
-            <a:ext cx="1066800" cy="914400"/>
-          </a:xfrm>
-          <a:prstGeom prst="rect">
-            <a:avLst/>
-          </a:prstGeom>
-          <a:solidFill>
-            <a:schemeClr val="bg1">
-              <a:lumMod val="50000"/>
-            </a:schemeClr>
-          </a:solidFill>
-          <a:ln>
-            <a:noFill/>
-          </a:ln>
-        </p:spPr>
-        <p:style>
-          <a:lnRef idx="1">
-            <a:schemeClr val="accent1"/>
-          </a:lnRef>
-          <a:fillRef idx="3">
-            <a:schemeClr val="accent1"/>
-          </a:fillRef>
-          <a:effectRef idx="2">
-            <a:schemeClr val="accent1"/>
-          </a:effectRef>
-          <a:fontRef idx="minor">
-            <a:schemeClr val="lt1"/>
-          </a:fontRef>
-        </p:style>
-        <p:txBody>
-          <a:bodyPr rtlCol="0" anchor="ctr"/>
-          <a:lstStyle/>
-          <a:p>
-            <a:pPr algn="ctr"/>
-            <a:r>
-              <a:rPr lang="en-US" dirty="0" smtClean="0"/>
               <a:t>Files to keep track of</a:t>
             </a:r>
             <a:endParaRPr lang="en-US" dirty="0"/>
@@ -7054,7 +7082,7 @@
     </p:spTree>
     <p:extLst>
       <p:ext uri="{BB962C8B-B14F-4D97-AF65-F5344CB8AC3E}">
-        <p14:creationId xmlns:p14="http://schemas.microsoft.com/office/powerpoint/2010/main" val="1018789378"/>
+        <p14:creationId xmlns:p14="http://schemas.microsoft.com/office/powerpoint/2010/main" val="1112354265"/>
       </p:ext>
     </p:extLst>
   </p:cSld>
@@ -7098,7 +7126,7 @@
           <a:p>
             <a:r>
               <a:rPr lang="en-US" b="1" dirty="0" smtClean="0"/>
-              <a:t>push</a:t>
+              <a:t>commit</a:t>
             </a:r>
             <a:endParaRPr lang="en-US" b="1" dirty="0"/>
           </a:p>
@@ -7135,7 +7163,7 @@
           </a:prstGeom>
           <a:noFill/>
           <a:extLst>
-            <a:ext uri="{909E8E84-426E-40dd-AFC4-6F175D3DCCD1}">
+            <a:ext uri="{909E8E84-426E-40DD-AFC4-6F175D3DCCD1}">
               <a14:hiddenFill xmlns:a14="http://schemas.microsoft.com/office/drawing/2010/main">
                 <a:solidFill>
                   <a:srgbClr val="FFFFFF"/>
@@ -7272,7 +7300,7 @@
           </a:prstGeom>
           <a:noFill/>
           <a:extLst>
-            <a:ext uri="{909E8E84-426E-40dd-AFC4-6F175D3DCCD1}">
+            <a:ext uri="{909E8E84-426E-40DD-AFC4-6F175D3DCCD1}">
               <a14:hiddenFill xmlns:a14="http://schemas.microsoft.com/office/drawing/2010/main">
                 <a:solidFill>
                   <a:srgbClr val="FFFFFF"/>
@@ -7449,46 +7477,10 @@
           </a:p>
         </p:txBody>
       </p:sp>
-      <p:cxnSp>
-        <p:nvCxnSpPr>
-          <p:cNvPr id="15" name="Straight Arrow Connector 14"/>
-          <p:cNvCxnSpPr/>
-          <p:nvPr/>
-        </p:nvCxnSpPr>
-        <p:spPr>
-          <a:xfrm flipV="1">
-            <a:off x="3810000" y="3810000"/>
-            <a:ext cx="609600" cy="381000"/>
-          </a:xfrm>
-          <a:prstGeom prst="straightConnector1">
-            <a:avLst/>
-          </a:prstGeom>
-          <a:ln>
-            <a:solidFill>
-              <a:schemeClr val="tx1"/>
-            </a:solidFill>
-            <a:tailEnd type="arrow"/>
-          </a:ln>
-        </p:spPr>
-        <p:style>
-          <a:lnRef idx="1">
-            <a:schemeClr val="accent1"/>
-          </a:lnRef>
-          <a:fillRef idx="0">
-            <a:schemeClr val="accent1"/>
-          </a:fillRef>
-          <a:effectRef idx="0">
-            <a:schemeClr val="accent1"/>
-          </a:effectRef>
-          <a:fontRef idx="minor">
-            <a:schemeClr val="tx1"/>
-          </a:fontRef>
-        </p:style>
-      </p:cxnSp>
     </p:spTree>
     <p:extLst>
       <p:ext uri="{BB962C8B-B14F-4D97-AF65-F5344CB8AC3E}">
-        <p14:creationId xmlns:p14="http://schemas.microsoft.com/office/powerpoint/2010/main" val="3722737120"/>
+        <p14:creationId xmlns:p14="http://schemas.microsoft.com/office/powerpoint/2010/main" val="1018789378"/>
       </p:ext>
     </p:extLst>
   </p:cSld>
@@ -7532,7 +7524,7 @@
           <a:p>
             <a:r>
               <a:rPr lang="en-US" b="1" dirty="0" smtClean="0"/>
-              <a:t>merge</a:t>
+              <a:t>push</a:t>
             </a:r>
             <a:endParaRPr lang="en-US" b="1" dirty="0"/>
           </a:p>
@@ -7569,7 +7561,7 @@
           </a:prstGeom>
           <a:noFill/>
           <a:extLst>
-            <a:ext uri="{909E8E84-426E-40dd-AFC4-6F175D3DCCD1}">
+            <a:ext uri="{909E8E84-426E-40DD-AFC4-6F175D3DCCD1}">
               <a14:hiddenFill xmlns:a14="http://schemas.microsoft.com/office/drawing/2010/main">
                 <a:solidFill>
                   <a:srgbClr val="FFFFFF"/>
@@ -7647,8 +7639,8 @@
         </p:nvCxnSpPr>
         <p:spPr>
           <a:xfrm flipV="1">
-            <a:off x="2362200" y="3733800"/>
-            <a:ext cx="2209800" cy="838200"/>
+            <a:off x="3200400" y="4953000"/>
+            <a:ext cx="0" cy="609600"/>
           </a:xfrm>
           <a:prstGeom prst="straightConnector1">
             <a:avLst/>
@@ -7677,7 +7669,7 @@
       </p:cxnSp>
       <p:pic>
         <p:nvPicPr>
-          <p:cNvPr id="9" name="Picture 4" descr="http://allthingsd.com/files/2009/06/macbookpro.jpeg"/>
+          <p:cNvPr id="8" name="Picture 6" descr="http://pngimg.com/upload/cloud_PNG16.png"/>
           <p:cNvPicPr>
             <a:picLocks noChangeAspect="1" noChangeArrowheads="1"/>
           </p:cNvPicPr>
@@ -7698,15 +7690,15 @@
         </p:blipFill>
         <p:spPr bwMode="auto">
           <a:xfrm>
-            <a:off x="4724401" y="6096000"/>
-            <a:ext cx="927850" cy="619126"/>
+            <a:off x="3657600" y="1754787"/>
+            <a:ext cx="5096157" cy="3306862"/>
           </a:xfrm>
           <a:prstGeom prst="rect">
             <a:avLst/>
           </a:prstGeom>
           <a:noFill/>
           <a:extLst>
-            <a:ext uri="{909E8E84-426E-40dd-AFC4-6F175D3DCCD1}">
+            <a:ext uri="{909E8E84-426E-40DD-AFC4-6F175D3DCCD1}">
               <a14:hiddenFill xmlns:a14="http://schemas.microsoft.com/office/drawing/2010/main">
                 <a:solidFill>
                   <a:srgbClr val="FFFFFF"/>
@@ -7716,92 +7708,15 @@
           </a:extLst>
         </p:spPr>
       </p:pic>
-      <p:pic>
-        <p:nvPicPr>
-          <p:cNvPr id="12" name="Picture 6" descr="http://pngimg.com/upload/cloud_PNG16.png"/>
-          <p:cNvPicPr>
-            <a:picLocks noChangeAspect="1" noChangeArrowheads="1"/>
-          </p:cNvPicPr>
-          <p:nvPr/>
-        </p:nvPicPr>
-        <p:blipFill>
-          <a:blip r:embed="rId4" cstate="print">
-            <a:extLst>
-              <a:ext uri="{28A0092B-C50C-407E-A947-70E740481C1C}">
-                <a14:useLocalDpi xmlns:a14="http://schemas.microsoft.com/office/drawing/2010/main" val="0"/>
-              </a:ext>
-            </a:extLst>
-          </a:blip>
-          <a:srcRect/>
-          <a:stretch>
-            <a:fillRect/>
-          </a:stretch>
-        </p:blipFill>
-        <p:spPr bwMode="auto">
-          <a:xfrm>
-            <a:off x="3657600" y="1754787"/>
-            <a:ext cx="5096157" cy="3306862"/>
-          </a:xfrm>
-          <a:prstGeom prst="rect">
-            <a:avLst/>
-          </a:prstGeom>
-          <a:noFill/>
-          <a:extLst>
-            <a:ext uri="{909E8E84-426E-40dd-AFC4-6F175D3DCCD1}">
-              <a14:hiddenFill xmlns:a14="http://schemas.microsoft.com/office/drawing/2010/main">
-                <a:solidFill>
-                  <a:srgbClr val="FFFFFF"/>
-                </a:solidFill>
-              </a14:hiddenFill>
-            </a:ext>
-          </a:extLst>
-        </p:spPr>
-      </p:pic>
-      <p:cxnSp>
-        <p:nvCxnSpPr>
-          <p:cNvPr id="13" name="Straight Arrow Connector 12"/>
-          <p:cNvCxnSpPr/>
-          <p:nvPr/>
-        </p:nvCxnSpPr>
+      <p:sp>
+        <p:nvSpPr>
+          <p:cNvPr id="9" name="Rectangle 8"/>
+          <p:cNvSpPr/>
+          <p:nvPr/>
+        </p:nvSpPr>
         <p:spPr>
-          <a:xfrm flipV="1">
-            <a:off x="5029200" y="4305300"/>
-            <a:ext cx="685800" cy="1638300"/>
-          </a:xfrm>
-          <a:prstGeom prst="straightConnector1">
-            <a:avLst/>
-          </a:prstGeom>
-          <a:ln>
-            <a:solidFill>
-              <a:schemeClr val="tx1"/>
-            </a:solidFill>
-            <a:tailEnd type="arrow"/>
-          </a:ln>
-        </p:spPr>
-        <p:style>
-          <a:lnRef idx="1">
-            <a:schemeClr val="accent1"/>
-          </a:lnRef>
-          <a:fillRef idx="0">
-            <a:schemeClr val="accent1"/>
-          </a:fillRef>
-          <a:effectRef idx="0">
-            <a:schemeClr val="accent1"/>
-          </a:effectRef>
-          <a:fontRef idx="minor">
-            <a:schemeClr val="tx1"/>
-          </a:fontRef>
-        </p:style>
-      </p:cxnSp>
-      <p:sp>
-        <p:nvSpPr>
-          <p:cNvPr id="19" name="Rectangle 18"/>
-          <p:cNvSpPr/>
-          <p:nvPr/>
-        </p:nvSpPr>
-        <p:spPr>
-          <a:xfrm>
-            <a:off x="2743200" y="3048000"/>
+          <a:xfrm>
+            <a:off x="2667000" y="3962400"/>
             <a:ext cx="1066800" cy="914400"/>
           </a:xfrm>
           <a:prstGeom prst="rect">
@@ -7837,29 +7752,88 @@
             <a:pPr algn="ctr"/>
             <a:r>
               <a:rPr lang="en-US" dirty="0" smtClean="0"/>
-              <a:t>Changed ‘</a:t>
-            </a:r>
-            <a:r>
-              <a:rPr lang="en-US" dirty="0" err="1" smtClean="0"/>
-              <a:t>a.txt</a:t>
-            </a:r>
-            <a:r>
-              <a:rPr lang="en-US" dirty="0" smtClean="0"/>
-              <a:t>’</a:t>
+              <a:t>Saved</a:t>
+            </a:r>
+          </a:p>
+          <a:p>
+            <a:pPr algn="ctr"/>
+            <a:r>
+              <a:rPr lang="en-US" dirty="0" smtClean="0"/>
+              <a:t>Local Changes</a:t>
             </a:r>
             <a:endParaRPr lang="en-US" dirty="0"/>
           </a:p>
         </p:txBody>
       </p:sp>
-      <p:sp>
-        <p:nvSpPr>
-          <p:cNvPr id="20" name="Rectangle 19"/>
+      <p:cxnSp>
+        <p:nvCxnSpPr>
+          <p:cNvPr id="12" name="Straight Arrow Connector 11"/>
+          <p:cNvCxnSpPr/>
+          <p:nvPr/>
+        </p:nvCxnSpPr>
+        <p:spPr>
+          <a:xfrm>
+            <a:off x="1676400" y="5486400"/>
+            <a:ext cx="304800" cy="381000"/>
+          </a:xfrm>
+          <a:prstGeom prst="straightConnector1">
+            <a:avLst/>
+          </a:prstGeom>
+          <a:ln>
+            <a:solidFill>
+              <a:schemeClr val="tx1"/>
+            </a:solidFill>
+            <a:tailEnd type="arrow"/>
+          </a:ln>
+        </p:spPr>
+        <p:style>
+          <a:lnRef idx="1">
+            <a:schemeClr val="accent1"/>
+          </a:lnRef>
+          <a:fillRef idx="0">
+            <a:schemeClr val="accent1"/>
+          </a:fillRef>
+          <a:effectRef idx="0">
+            <a:schemeClr val="accent1"/>
+          </a:effectRef>
+          <a:fontRef idx="minor">
+            <a:schemeClr val="tx1"/>
+          </a:fontRef>
+        </p:style>
+      </p:cxnSp>
+      <p:pic>
+        <p:nvPicPr>
+          <p:cNvPr id="13" name="Picture 12"/>
+          <p:cNvPicPr>
+            <a:picLocks noChangeAspect="1"/>
+          </p:cNvPicPr>
+          <p:nvPr/>
+        </p:nvPicPr>
+        <p:blipFill>
+          <a:blip r:embed="rId4"/>
+          <a:stretch>
+            <a:fillRect/>
+          </a:stretch>
+        </p:blipFill>
+        <p:spPr>
+          <a:xfrm>
+            <a:off x="1828800" y="5943600"/>
+            <a:ext cx="762000" cy="449072"/>
+          </a:xfrm>
+          <a:prstGeom prst="rect">
+            <a:avLst/>
+          </a:prstGeom>
+        </p:spPr>
+      </p:pic>
+      <p:sp>
+        <p:nvSpPr>
+          <p:cNvPr id="14" name="Rectangle 13"/>
           <p:cNvSpPr/>
           <p:nvPr/>
         </p:nvSpPr>
         <p:spPr>
           <a:xfrm>
-            <a:off x="4114800" y="4495800"/>
+            <a:off x="2667000" y="5638800"/>
             <a:ext cx="1066800" cy="914400"/>
           </a:xfrm>
           <a:prstGeom prst="rect">
@@ -7895,31 +7869,52 @@
             <a:pPr algn="ctr"/>
             <a:r>
               <a:rPr lang="en-US" dirty="0" smtClean="0"/>
-              <a:t>Also changed</a:t>
-            </a:r>
-          </a:p>
-          <a:p>
-            <a:pPr algn="ctr"/>
-            <a:r>
-              <a:rPr lang="en-US" dirty="0" smtClean="0"/>
-              <a:t>‘</a:t>
-            </a:r>
-            <a:r>
-              <a:rPr lang="en-US" dirty="0" err="1" smtClean="0"/>
-              <a:t>a.txt</a:t>
-            </a:r>
-            <a:r>
-              <a:rPr lang="en-US" dirty="0" smtClean="0"/>
-              <a:t>’</a:t>
+              <a:t>Files to keep track of</a:t>
             </a:r>
             <a:endParaRPr lang="en-US" dirty="0"/>
           </a:p>
         </p:txBody>
       </p:sp>
+      <p:cxnSp>
+        <p:nvCxnSpPr>
+          <p:cNvPr id="15" name="Straight Arrow Connector 14"/>
+          <p:cNvCxnSpPr/>
+          <p:nvPr/>
+        </p:nvCxnSpPr>
+        <p:spPr>
+          <a:xfrm flipV="1">
+            <a:off x="3810000" y="3810000"/>
+            <a:ext cx="609600" cy="381000"/>
+          </a:xfrm>
+          <a:prstGeom prst="straightConnector1">
+            <a:avLst/>
+          </a:prstGeom>
+          <a:ln>
+            <a:solidFill>
+              <a:schemeClr val="tx1"/>
+            </a:solidFill>
+            <a:tailEnd type="arrow"/>
+          </a:ln>
+        </p:spPr>
+        <p:style>
+          <a:lnRef idx="1">
+            <a:schemeClr val="accent1"/>
+          </a:lnRef>
+          <a:fillRef idx="0">
+            <a:schemeClr val="accent1"/>
+          </a:fillRef>
+          <a:effectRef idx="0">
+            <a:schemeClr val="accent1"/>
+          </a:effectRef>
+          <a:fontRef idx="minor">
+            <a:schemeClr val="tx1"/>
+          </a:fontRef>
+        </p:style>
+      </p:cxnSp>
     </p:spTree>
     <p:extLst>
       <p:ext uri="{BB962C8B-B14F-4D97-AF65-F5344CB8AC3E}">
-        <p14:creationId xmlns:p14="http://schemas.microsoft.com/office/powerpoint/2010/main" val="1365298603"/>
+        <p14:creationId xmlns:p14="http://schemas.microsoft.com/office/powerpoint/2010/main" val="3722737120"/>
       </p:ext>
     </p:extLst>
   </p:cSld>
@@ -7946,9 +7941,32 @@
           <a:chExt cx="0" cy="0"/>
         </a:xfrm>
       </p:grpSpPr>
+      <p:sp>
+        <p:nvSpPr>
+          <p:cNvPr id="2" name="Title 1"/>
+          <p:cNvSpPr>
+            <a:spLocks noGrp="1"/>
+          </p:cNvSpPr>
+          <p:nvPr>
+            <p:ph type="title"/>
+          </p:nvPr>
+        </p:nvSpPr>
+        <p:spPr/>
+        <p:txBody>
+          <a:bodyPr/>
+          <a:lstStyle/>
+          <a:p>
+            <a:r>
+              <a:rPr lang="en-US" b="1" dirty="0" smtClean="0"/>
+              <a:t>merge</a:t>
+            </a:r>
+            <a:endParaRPr lang="en-US" b="1" dirty="0"/>
+          </a:p>
+        </p:txBody>
+      </p:sp>
       <p:pic>
         <p:nvPicPr>
-          <p:cNvPr id="1028" name="Picture 4" descr="http://allthingsd.com/files/2009/06/macbookpro.jpeg"/>
+          <p:cNvPr id="4" name="Picture 4" descr="http://allthingsd.com/files/2009/06/macbookpro.jpeg"/>
           <p:cNvPicPr>
             <a:picLocks noChangeAspect="1" noChangeArrowheads="1"/>
           </p:cNvPicPr>
@@ -7977,7 +7995,7 @@
           </a:prstGeom>
           <a:noFill/>
           <a:extLst>
-            <a:ext uri="{909E8E84-426E-40dd-AFC4-6F175D3DCCD1}">
+            <a:ext uri="{909E8E84-426E-40DD-AFC4-6F175D3DCCD1}">
               <a14:hiddenFill xmlns:a14="http://schemas.microsoft.com/office/drawing/2010/main">
                 <a:solidFill>
                   <a:srgbClr val="FFFFFF"/>
@@ -7989,53 +8007,7 @@
       </p:pic>
       <p:sp>
         <p:nvSpPr>
-          <p:cNvPr id="4" name="Title 3"/>
-          <p:cNvSpPr>
-            <a:spLocks noGrp="1"/>
-          </p:cNvSpPr>
-          <p:nvPr>
-            <p:ph type="title"/>
-          </p:nvPr>
-        </p:nvSpPr>
-        <p:spPr/>
-        <p:txBody>
-          <a:bodyPr/>
-          <a:lstStyle/>
-          <a:p>
-            <a:r>
-              <a:rPr lang="en-US" dirty="0" smtClean="0"/>
-              <a:t>philosophy</a:t>
-            </a:r>
-            <a:endParaRPr lang="en-US" dirty="0"/>
-          </a:p>
-        </p:txBody>
-      </p:sp>
-      <p:sp>
-        <p:nvSpPr>
-          <p:cNvPr id="5" name="Content Placeholder 4"/>
-          <p:cNvSpPr>
-            <a:spLocks noGrp="1"/>
-          </p:cNvSpPr>
-          <p:nvPr>
-            <p:ph idx="1"/>
-          </p:nvPr>
-        </p:nvSpPr>
-        <p:spPr/>
-        <p:txBody>
-          <a:bodyPr/>
-          <a:lstStyle/>
-          <a:p>
-            <a:r>
-              <a:rPr lang="en-US" dirty="0" smtClean="0"/>
-              <a:t>Why?</a:t>
-            </a:r>
-            <a:endParaRPr lang="en-US" dirty="0"/>
-          </a:p>
-        </p:txBody>
-      </p:sp>
-      <p:sp>
-        <p:nvSpPr>
-          <p:cNvPr id="7" name="TextBox 6"/>
+          <p:cNvPr id="5" name="TextBox 4"/>
           <p:cNvSpPr txBox="1"/>
           <p:nvPr/>
         </p:nvSpPr>
@@ -8065,7 +8037,7 @@
       </p:sp>
       <p:sp>
         <p:nvSpPr>
-          <p:cNvPr id="10" name="TextBox 9"/>
+          <p:cNvPr id="6" name="TextBox 5"/>
           <p:cNvSpPr txBox="1"/>
           <p:nvPr/>
         </p:nvSpPr>
@@ -8095,49 +8067,13 @@
       </p:sp>
       <p:cxnSp>
         <p:nvCxnSpPr>
-          <p:cNvPr id="12" name="Straight Arrow Connector 11"/>
+          <p:cNvPr id="7" name="Straight Arrow Connector 6"/>
           <p:cNvCxnSpPr/>
           <p:nvPr/>
         </p:nvCxnSpPr>
         <p:spPr>
           <a:xfrm flipV="1">
             <a:off x="2362200" y="3733800"/>
-            <a:ext cx="2209800" cy="838200"/>
-          </a:xfrm>
-          <a:prstGeom prst="straightConnector1">
-            <a:avLst/>
-          </a:prstGeom>
-          <a:ln>
-            <a:solidFill>
-              <a:schemeClr val="tx1"/>
-            </a:solidFill>
-            <a:tailEnd type="arrow"/>
-          </a:ln>
-        </p:spPr>
-        <p:style>
-          <a:lnRef idx="1">
-            <a:schemeClr val="accent1"/>
-          </a:lnRef>
-          <a:fillRef idx="0">
-            <a:schemeClr val="accent1"/>
-          </a:fillRef>
-          <a:effectRef idx="0">
-            <a:schemeClr val="accent1"/>
-          </a:effectRef>
-          <a:fontRef idx="minor">
-            <a:schemeClr val="tx1"/>
-          </a:fontRef>
-        </p:style>
-      </p:cxnSp>
-      <p:cxnSp>
-        <p:nvCxnSpPr>
-          <p:cNvPr id="16" name="Straight Arrow Connector 15"/>
-          <p:cNvCxnSpPr/>
-          <p:nvPr/>
-        </p:nvCxnSpPr>
-        <p:spPr>
-          <a:xfrm flipH="1">
-            <a:off x="2362200" y="3886200"/>
             <a:ext cx="2209800" cy="838200"/>
           </a:xfrm>
           <a:prstGeom prst="straightConnector1">
@@ -8167,7 +8103,7 @@
       </p:cxnSp>
       <p:pic>
         <p:nvPicPr>
-          <p:cNvPr id="24" name="Picture 4" descr="http://allthingsd.com/files/2009/06/macbookpro.jpeg"/>
+          <p:cNvPr id="9" name="Picture 4" descr="http://allthingsd.com/files/2009/06/macbookpro.jpeg"/>
           <p:cNvPicPr>
             <a:picLocks noChangeAspect="1" noChangeArrowheads="1"/>
           </p:cNvPicPr>
@@ -8196,7 +8132,7 @@
           </a:prstGeom>
           <a:noFill/>
           <a:extLst>
-            <a:ext uri="{909E8E84-426E-40dd-AFC4-6F175D3DCCD1}">
+            <a:ext uri="{909E8E84-426E-40DD-AFC4-6F175D3DCCD1}">
               <a14:hiddenFill xmlns:a14="http://schemas.microsoft.com/office/drawing/2010/main">
                 <a:solidFill>
                   <a:srgbClr val="FFFFFF"/>
@@ -8208,7 +8144,456 @@
       </p:pic>
       <p:pic>
         <p:nvPicPr>
-          <p:cNvPr id="25" name="Picture 4" descr="http://allthingsd.com/files/2009/06/macbookpro.jpeg"/>
+          <p:cNvPr id="12" name="Picture 6" descr="http://pngimg.com/upload/cloud_PNG16.png"/>
+          <p:cNvPicPr>
+            <a:picLocks noChangeAspect="1" noChangeArrowheads="1"/>
+          </p:cNvPicPr>
+          <p:nvPr/>
+        </p:nvPicPr>
+        <p:blipFill>
+          <a:blip r:embed="rId4" cstate="print">
+            <a:extLst>
+              <a:ext uri="{28A0092B-C50C-407E-A947-70E740481C1C}">
+                <a14:useLocalDpi xmlns:a14="http://schemas.microsoft.com/office/drawing/2010/main" val="0"/>
+              </a:ext>
+            </a:extLst>
+          </a:blip>
+          <a:srcRect/>
+          <a:stretch>
+            <a:fillRect/>
+          </a:stretch>
+        </p:blipFill>
+        <p:spPr bwMode="auto">
+          <a:xfrm>
+            <a:off x="3657600" y="1754787"/>
+            <a:ext cx="5096157" cy="3306862"/>
+          </a:xfrm>
+          <a:prstGeom prst="rect">
+            <a:avLst/>
+          </a:prstGeom>
+          <a:noFill/>
+          <a:extLst>
+            <a:ext uri="{909E8E84-426E-40DD-AFC4-6F175D3DCCD1}">
+              <a14:hiddenFill xmlns:a14="http://schemas.microsoft.com/office/drawing/2010/main">
+                <a:solidFill>
+                  <a:srgbClr val="FFFFFF"/>
+                </a:solidFill>
+              </a14:hiddenFill>
+            </a:ext>
+          </a:extLst>
+        </p:spPr>
+      </p:pic>
+      <p:cxnSp>
+        <p:nvCxnSpPr>
+          <p:cNvPr id="13" name="Straight Arrow Connector 12"/>
+          <p:cNvCxnSpPr/>
+          <p:nvPr/>
+        </p:nvCxnSpPr>
+        <p:spPr>
+          <a:xfrm flipV="1">
+            <a:off x="5029200" y="4305300"/>
+            <a:ext cx="685800" cy="1638300"/>
+          </a:xfrm>
+          <a:prstGeom prst="straightConnector1">
+            <a:avLst/>
+          </a:prstGeom>
+          <a:ln>
+            <a:solidFill>
+              <a:schemeClr val="tx1"/>
+            </a:solidFill>
+            <a:tailEnd type="arrow"/>
+          </a:ln>
+        </p:spPr>
+        <p:style>
+          <a:lnRef idx="1">
+            <a:schemeClr val="accent1"/>
+          </a:lnRef>
+          <a:fillRef idx="0">
+            <a:schemeClr val="accent1"/>
+          </a:fillRef>
+          <a:effectRef idx="0">
+            <a:schemeClr val="accent1"/>
+          </a:effectRef>
+          <a:fontRef idx="minor">
+            <a:schemeClr val="tx1"/>
+          </a:fontRef>
+        </p:style>
+      </p:cxnSp>
+      <p:sp>
+        <p:nvSpPr>
+          <p:cNvPr id="19" name="Rectangle 18"/>
+          <p:cNvSpPr/>
+          <p:nvPr/>
+        </p:nvSpPr>
+        <p:spPr>
+          <a:xfrm>
+            <a:off x="2743200" y="3048000"/>
+            <a:ext cx="1066800" cy="914400"/>
+          </a:xfrm>
+          <a:prstGeom prst="rect">
+            <a:avLst/>
+          </a:prstGeom>
+          <a:solidFill>
+            <a:schemeClr val="bg1">
+              <a:lumMod val="50000"/>
+            </a:schemeClr>
+          </a:solidFill>
+          <a:ln>
+            <a:noFill/>
+          </a:ln>
+        </p:spPr>
+        <p:style>
+          <a:lnRef idx="1">
+            <a:schemeClr val="accent1"/>
+          </a:lnRef>
+          <a:fillRef idx="3">
+            <a:schemeClr val="accent1"/>
+          </a:fillRef>
+          <a:effectRef idx="2">
+            <a:schemeClr val="accent1"/>
+          </a:effectRef>
+          <a:fontRef idx="minor">
+            <a:schemeClr val="lt1"/>
+          </a:fontRef>
+        </p:style>
+        <p:txBody>
+          <a:bodyPr rtlCol="0" anchor="ctr"/>
+          <a:lstStyle/>
+          <a:p>
+            <a:pPr algn="ctr"/>
+            <a:r>
+              <a:rPr lang="en-US" dirty="0" smtClean="0"/>
+              <a:t>Changed ‘</a:t>
+            </a:r>
+            <a:r>
+              <a:rPr lang="en-US" dirty="0" err="1" smtClean="0"/>
+              <a:t>a.txt</a:t>
+            </a:r>
+            <a:r>
+              <a:rPr lang="en-US" dirty="0" smtClean="0"/>
+              <a:t>’</a:t>
+            </a:r>
+            <a:endParaRPr lang="en-US" dirty="0"/>
+          </a:p>
+        </p:txBody>
+      </p:sp>
+      <p:sp>
+        <p:nvSpPr>
+          <p:cNvPr id="20" name="Rectangle 19"/>
+          <p:cNvSpPr/>
+          <p:nvPr/>
+        </p:nvSpPr>
+        <p:spPr>
+          <a:xfrm>
+            <a:off x="4114800" y="4495800"/>
+            <a:ext cx="1066800" cy="914400"/>
+          </a:xfrm>
+          <a:prstGeom prst="rect">
+            <a:avLst/>
+          </a:prstGeom>
+          <a:solidFill>
+            <a:schemeClr val="bg1">
+              <a:lumMod val="50000"/>
+            </a:schemeClr>
+          </a:solidFill>
+          <a:ln>
+            <a:noFill/>
+          </a:ln>
+        </p:spPr>
+        <p:style>
+          <a:lnRef idx="1">
+            <a:schemeClr val="accent1"/>
+          </a:lnRef>
+          <a:fillRef idx="3">
+            <a:schemeClr val="accent1"/>
+          </a:fillRef>
+          <a:effectRef idx="2">
+            <a:schemeClr val="accent1"/>
+          </a:effectRef>
+          <a:fontRef idx="minor">
+            <a:schemeClr val="lt1"/>
+          </a:fontRef>
+        </p:style>
+        <p:txBody>
+          <a:bodyPr rtlCol="0" anchor="ctr"/>
+          <a:lstStyle/>
+          <a:p>
+            <a:pPr algn="ctr"/>
+            <a:r>
+              <a:rPr lang="en-US" dirty="0" smtClean="0"/>
+              <a:t>Also changed</a:t>
+            </a:r>
+          </a:p>
+          <a:p>
+            <a:pPr algn="ctr"/>
+            <a:r>
+              <a:rPr lang="en-US" dirty="0" smtClean="0"/>
+              <a:t>‘</a:t>
+            </a:r>
+            <a:r>
+              <a:rPr lang="en-US" dirty="0" err="1" smtClean="0"/>
+              <a:t>a.txt</a:t>
+            </a:r>
+            <a:r>
+              <a:rPr lang="en-US" dirty="0" smtClean="0"/>
+              <a:t>’</a:t>
+            </a:r>
+            <a:endParaRPr lang="en-US" dirty="0"/>
+          </a:p>
+        </p:txBody>
+      </p:sp>
+    </p:spTree>
+    <p:extLst>
+      <p:ext uri="{BB962C8B-B14F-4D97-AF65-F5344CB8AC3E}">
+        <p14:creationId xmlns:p14="http://schemas.microsoft.com/office/powerpoint/2010/main" val="1365298603"/>
+      </p:ext>
+    </p:extLst>
+  </p:cSld>
+  <p:clrMapOvr>
+    <a:masterClrMapping/>
+  </p:clrMapOvr>
+</p:sld>
+</file>
+
+<file path=ppt/slides/slide29.xml><?xml version="1.0" encoding="utf-8"?>
+<p:sld xmlns:a="http://schemas.openxmlformats.org/drawingml/2006/main" xmlns:r="http://schemas.openxmlformats.org/officeDocument/2006/relationships" xmlns:p="http://schemas.openxmlformats.org/presentationml/2006/main">
+  <p:cSld>
+    <p:spTree>
+      <p:nvGrpSpPr>
+        <p:cNvPr id="1" name=""/>
+        <p:cNvGrpSpPr/>
+        <p:nvPr/>
+      </p:nvGrpSpPr>
+      <p:grpSpPr>
+        <a:xfrm>
+          <a:off x="0" y="0"/>
+          <a:ext cx="0" cy="0"/>
+          <a:chOff x="0" y="0"/>
+          <a:chExt cx="0" cy="0"/>
+        </a:xfrm>
+      </p:grpSpPr>
+      <p:pic>
+        <p:nvPicPr>
+          <p:cNvPr id="1028" name="Picture 4" descr="http://allthingsd.com/files/2009/06/macbookpro.jpeg"/>
+          <p:cNvPicPr>
+            <a:picLocks noChangeAspect="1" noChangeArrowheads="1"/>
+          </p:cNvPicPr>
+          <p:nvPr/>
+        </p:nvPicPr>
+        <p:blipFill>
+          <a:blip r:embed="rId2" cstate="print">
+            <a:extLst>
+              <a:ext uri="{28A0092B-C50C-407E-A947-70E740481C1C}">
+                <a14:useLocalDpi xmlns:a14="http://schemas.microsoft.com/office/drawing/2010/main" val="0"/>
+              </a:ext>
+            </a:extLst>
+          </a:blip>
+          <a:srcRect/>
+          <a:stretch>
+            <a:fillRect/>
+          </a:stretch>
+        </p:blipFill>
+        <p:spPr bwMode="auto">
+          <a:xfrm>
+            <a:off x="558658" y="4152900"/>
+            <a:ext cx="2069817" cy="1381126"/>
+          </a:xfrm>
+          <a:prstGeom prst="rect">
+            <a:avLst/>
+          </a:prstGeom>
+          <a:noFill/>
+          <a:extLst>
+            <a:ext uri="{909E8E84-426E-40DD-AFC4-6F175D3DCCD1}">
+              <a14:hiddenFill xmlns:a14="http://schemas.microsoft.com/office/drawing/2010/main">
+                <a:solidFill>
+                  <a:srgbClr val="FFFFFF"/>
+                </a:solidFill>
+              </a14:hiddenFill>
+            </a:ext>
+          </a:extLst>
+        </p:spPr>
+      </p:pic>
+      <p:sp>
+        <p:nvSpPr>
+          <p:cNvPr id="4" name="Title 3"/>
+          <p:cNvSpPr>
+            <a:spLocks noGrp="1"/>
+          </p:cNvSpPr>
+          <p:nvPr>
+            <p:ph type="title"/>
+          </p:nvPr>
+        </p:nvSpPr>
+        <p:spPr/>
+        <p:txBody>
+          <a:bodyPr/>
+          <a:lstStyle/>
+          <a:p>
+            <a:r>
+              <a:rPr lang="en-US" dirty="0" smtClean="0"/>
+              <a:t>philosophy</a:t>
+            </a:r>
+            <a:endParaRPr lang="en-US" dirty="0"/>
+          </a:p>
+        </p:txBody>
+      </p:sp>
+      <p:sp>
+        <p:nvSpPr>
+          <p:cNvPr id="5" name="Content Placeholder 4"/>
+          <p:cNvSpPr>
+            <a:spLocks noGrp="1"/>
+          </p:cNvSpPr>
+          <p:nvPr>
+            <p:ph idx="1"/>
+          </p:nvPr>
+        </p:nvSpPr>
+        <p:spPr/>
+        <p:txBody>
+          <a:bodyPr/>
+          <a:lstStyle/>
+          <a:p>
+            <a:r>
+              <a:rPr lang="en-US" dirty="0" smtClean="0"/>
+              <a:t>Why?</a:t>
+            </a:r>
+            <a:endParaRPr lang="en-US" dirty="0"/>
+          </a:p>
+        </p:txBody>
+      </p:sp>
+      <p:sp>
+        <p:nvSpPr>
+          <p:cNvPr id="7" name="TextBox 6"/>
+          <p:cNvSpPr txBox="1"/>
+          <p:nvPr/>
+        </p:nvSpPr>
+        <p:spPr>
+          <a:xfrm>
+            <a:off x="914400" y="3334205"/>
+            <a:ext cx="1905000" cy="369332"/>
+          </a:xfrm>
+          <a:prstGeom prst="rect">
+            <a:avLst/>
+          </a:prstGeom>
+          <a:noFill/>
+        </p:spPr>
+        <p:txBody>
+          <a:bodyPr wrap="square" rtlCol="0">
+            <a:spAutoFit/>
+          </a:bodyPr>
+          <a:lstStyle/>
+          <a:p>
+            <a:r>
+              <a:rPr lang="en-US" dirty="0" smtClean="0"/>
+              <a:t>My Computer</a:t>
+            </a:r>
+            <a:endParaRPr lang="en-US" dirty="0"/>
+          </a:p>
+        </p:txBody>
+      </p:sp>
+      <p:sp>
+        <p:nvSpPr>
+          <p:cNvPr id="10" name="TextBox 9"/>
+          <p:cNvSpPr txBox="1"/>
+          <p:nvPr/>
+        </p:nvSpPr>
+        <p:spPr>
+          <a:xfrm>
+            <a:off x="5715000" y="1754787"/>
+            <a:ext cx="1905000" cy="369332"/>
+          </a:xfrm>
+          <a:prstGeom prst="rect">
+            <a:avLst/>
+          </a:prstGeom>
+          <a:noFill/>
+        </p:spPr>
+        <p:txBody>
+          <a:bodyPr wrap="square" rtlCol="0">
+            <a:spAutoFit/>
+          </a:bodyPr>
+          <a:lstStyle/>
+          <a:p>
+            <a:r>
+              <a:rPr lang="en-US" dirty="0" smtClean="0"/>
+              <a:t>The “cloud”</a:t>
+            </a:r>
+            <a:endParaRPr lang="en-US" dirty="0"/>
+          </a:p>
+        </p:txBody>
+      </p:sp>
+      <p:cxnSp>
+        <p:nvCxnSpPr>
+          <p:cNvPr id="12" name="Straight Arrow Connector 11"/>
+          <p:cNvCxnSpPr/>
+          <p:nvPr/>
+        </p:nvCxnSpPr>
+        <p:spPr>
+          <a:xfrm flipV="1">
+            <a:off x="2362200" y="3733800"/>
+            <a:ext cx="2209800" cy="838200"/>
+          </a:xfrm>
+          <a:prstGeom prst="straightConnector1">
+            <a:avLst/>
+          </a:prstGeom>
+          <a:ln>
+            <a:solidFill>
+              <a:schemeClr val="tx1"/>
+            </a:solidFill>
+            <a:tailEnd type="arrow"/>
+          </a:ln>
+        </p:spPr>
+        <p:style>
+          <a:lnRef idx="1">
+            <a:schemeClr val="accent1"/>
+          </a:lnRef>
+          <a:fillRef idx="0">
+            <a:schemeClr val="accent1"/>
+          </a:fillRef>
+          <a:effectRef idx="0">
+            <a:schemeClr val="accent1"/>
+          </a:effectRef>
+          <a:fontRef idx="minor">
+            <a:schemeClr val="tx1"/>
+          </a:fontRef>
+        </p:style>
+      </p:cxnSp>
+      <p:cxnSp>
+        <p:nvCxnSpPr>
+          <p:cNvPr id="16" name="Straight Arrow Connector 15"/>
+          <p:cNvCxnSpPr/>
+          <p:nvPr/>
+        </p:nvCxnSpPr>
+        <p:spPr>
+          <a:xfrm flipH="1">
+            <a:off x="2362200" y="3886200"/>
+            <a:ext cx="2209800" cy="838200"/>
+          </a:xfrm>
+          <a:prstGeom prst="straightConnector1">
+            <a:avLst/>
+          </a:prstGeom>
+          <a:ln>
+            <a:solidFill>
+              <a:schemeClr val="tx1"/>
+            </a:solidFill>
+            <a:tailEnd type="arrow"/>
+          </a:ln>
+        </p:spPr>
+        <p:style>
+          <a:lnRef idx="1">
+            <a:schemeClr val="accent1"/>
+          </a:lnRef>
+          <a:fillRef idx="0">
+            <a:schemeClr val="accent1"/>
+          </a:fillRef>
+          <a:effectRef idx="0">
+            <a:schemeClr val="accent1"/>
+          </a:effectRef>
+          <a:fontRef idx="minor">
+            <a:schemeClr val="tx1"/>
+          </a:fontRef>
+        </p:style>
+      </p:cxnSp>
+      <p:pic>
+        <p:nvPicPr>
+          <p:cNvPr id="24" name="Picture 4" descr="http://allthingsd.com/files/2009/06/macbookpro.jpeg"/>
           <p:cNvPicPr>
             <a:picLocks noChangeAspect="1" noChangeArrowheads="1"/>
           </p:cNvPicPr>
@@ -8229,7 +8614,7 @@
         </p:blipFill>
         <p:spPr bwMode="auto">
           <a:xfrm>
-            <a:off x="6013075" y="6096000"/>
+            <a:off x="4724401" y="6096000"/>
             <a:ext cx="927850" cy="619126"/>
           </a:xfrm>
           <a:prstGeom prst="rect">
@@ -8237,7 +8622,7 @@
           </a:prstGeom>
           <a:noFill/>
           <a:extLst>
-            <a:ext uri="{909E8E84-426E-40dd-AFC4-6F175D3DCCD1}">
+            <a:ext uri="{909E8E84-426E-40DD-AFC4-6F175D3DCCD1}">
               <a14:hiddenFill xmlns:a14="http://schemas.microsoft.com/office/drawing/2010/main">
                 <a:solidFill>
                   <a:srgbClr val="FFFFFF"/>
@@ -8249,7 +8634,7 @@
       </p:pic>
       <p:pic>
         <p:nvPicPr>
-          <p:cNvPr id="26" name="Picture 4" descr="http://allthingsd.com/files/2009/06/macbookpro.jpeg"/>
+          <p:cNvPr id="25" name="Picture 4" descr="http://allthingsd.com/files/2009/06/macbookpro.jpeg"/>
           <p:cNvPicPr>
             <a:picLocks noChangeAspect="1" noChangeArrowheads="1"/>
           </p:cNvPicPr>
@@ -8270,6 +8655,47 @@
         </p:blipFill>
         <p:spPr bwMode="auto">
           <a:xfrm>
+            <a:off x="6013075" y="6096000"/>
+            <a:ext cx="927850" cy="619126"/>
+          </a:xfrm>
+          <a:prstGeom prst="rect">
+            <a:avLst/>
+          </a:prstGeom>
+          <a:noFill/>
+          <a:extLst>
+            <a:ext uri="{909E8E84-426E-40DD-AFC4-6F175D3DCCD1}">
+              <a14:hiddenFill xmlns:a14="http://schemas.microsoft.com/office/drawing/2010/main">
+                <a:solidFill>
+                  <a:srgbClr val="FFFFFF"/>
+                </a:solidFill>
+              </a14:hiddenFill>
+            </a:ext>
+          </a:extLst>
+        </p:spPr>
+      </p:pic>
+      <p:pic>
+        <p:nvPicPr>
+          <p:cNvPr id="26" name="Picture 4" descr="http://allthingsd.com/files/2009/06/macbookpro.jpeg"/>
+          <p:cNvPicPr>
+            <a:picLocks noChangeAspect="1" noChangeArrowheads="1"/>
+          </p:cNvPicPr>
+          <p:nvPr/>
+        </p:nvPicPr>
+        <p:blipFill>
+          <a:blip r:embed="rId3" cstate="print">
+            <a:extLst>
+              <a:ext uri="{28A0092B-C50C-407E-A947-70E740481C1C}">
+                <a14:useLocalDpi xmlns:a14="http://schemas.microsoft.com/office/drawing/2010/main" val="0"/>
+              </a:ext>
+            </a:extLst>
+          </a:blip>
+          <a:srcRect/>
+          <a:stretch>
+            <a:fillRect/>
+          </a:stretch>
+        </p:blipFill>
+        <p:spPr bwMode="auto">
+          <a:xfrm>
             <a:off x="7211493" y="6100763"/>
             <a:ext cx="927850" cy="619126"/>
           </a:xfrm>
@@ -8278,7 +8704,7 @@
           </a:prstGeom>
           <a:noFill/>
           <a:extLst>
-            <a:ext uri="{909E8E84-426E-40dd-AFC4-6F175D3DCCD1}">
+            <a:ext uri="{909E8E84-426E-40DD-AFC4-6F175D3DCCD1}">
               <a14:hiddenFill xmlns:a14="http://schemas.microsoft.com/office/drawing/2010/main">
                 <a:solidFill>
                   <a:srgbClr val="FFFFFF"/>
@@ -8319,7 +8745,7 @@
           </a:prstGeom>
           <a:noFill/>
           <a:extLst>
-            <a:ext uri="{909E8E84-426E-40dd-AFC4-6F175D3DCCD1}">
+            <a:ext uri="{909E8E84-426E-40DD-AFC4-6F175D3DCCD1}">
               <a14:hiddenFill xmlns:a14="http://schemas.microsoft.com/office/drawing/2010/main">
                 <a:solidFill>
                   <a:srgbClr val="FFFFFF"/>
@@ -9112,7 +9538,7 @@
           </a:prstGeom>
           <a:noFill/>
           <a:extLst>
-            <a:ext uri="{909E8E84-426E-40dd-AFC4-6F175D3DCCD1}">
+            <a:ext uri="{909E8E84-426E-40DD-AFC4-6F175D3DCCD1}">
               <a14:hiddenFill xmlns:a14="http://schemas.microsoft.com/office/drawing/2010/main">
                 <a:solidFill>
                   <a:srgbClr val="FFFFFF"/>
@@ -9263,7 +9689,7 @@
           </a:prstGeom>
           <a:noFill/>
           <a:extLst>
-            <a:ext uri="{909E8E84-426E-40dd-AFC4-6F175D3DCCD1}">
+            <a:ext uri="{909E8E84-426E-40DD-AFC4-6F175D3DCCD1}">
               <a14:hiddenFill xmlns:a14="http://schemas.microsoft.com/office/drawing/2010/main">
                 <a:solidFill>
                   <a:srgbClr val="FFFFFF"/>
@@ -9486,7 +9912,7 @@
           </a:prstGeom>
           <a:noFill/>
           <a:extLst>
-            <a:ext uri="{909E8E84-426E-40dd-AFC4-6F175D3DCCD1}">
+            <a:ext uri="{909E8E84-426E-40DD-AFC4-6F175D3DCCD1}">
               <a14:hiddenFill xmlns:a14="http://schemas.microsoft.com/office/drawing/2010/main">
                 <a:solidFill>
                   <a:srgbClr val="FFFFFF"/>
